--- a/presentations/presentation_swe.pptx
+++ b/presentations/presentation_swe.pptx
@@ -5,7 +5,7 @@
     <p:sldMasterId id="2147483660" r:id="rId1"/>
   </p:sldMasterIdLst>
   <p:notesMasterIdLst>
-    <p:notesMasterId r:id="rId16"/>
+    <p:notesMasterId r:id="rId17"/>
   </p:notesMasterIdLst>
   <p:sldIdLst>
     <p:sldId id="256" r:id="rId2"/>
@@ -22,6 +22,7 @@
     <p:sldId id="262" r:id="rId13"/>
     <p:sldId id="264" r:id="rId14"/>
     <p:sldId id="265" r:id="rId15"/>
+    <p:sldId id="276" r:id="rId16"/>
   </p:sldIdLst>
   <p:sldSz cx="9144000" cy="6858000" type="screen4x3"/>
   <p:notesSz cx="6858000" cy="9144000"/>
@@ -206,7 +207,7 @@
             <a:fld id="{95B0EECD-C57A-4101-A3EB-3048063A3D1A}" type="datetimeFigureOut">
               <a:rPr lang="sv-SE" smtClean="0"/>
               <a:pPr/>
-              <a:t>2014-08-11</a:t>
+              <a:t>2014-08-17</a:t>
             </a:fld>
             <a:endParaRPr lang="sv-SE"/>
           </a:p>
@@ -491,6 +492,88 @@
       </p:grpSpPr>
       <p:sp>
         <p:nvSpPr>
+          <p:cNvPr id="2" name="Platshållare för bildobjekt 1"/>
+          <p:cNvSpPr>
+            <a:spLocks noGrp="1" noRot="1" noChangeAspect="1"/>
+          </p:cNvSpPr>
+          <p:nvPr>
+            <p:ph type="sldImg"/>
+          </p:nvPr>
+        </p:nvSpPr>
+        <p:spPr/>
+      </p:sp>
+      <p:sp>
+        <p:nvSpPr>
+          <p:cNvPr id="3" name="Platshållare för anteckningar 2"/>
+          <p:cNvSpPr>
+            <a:spLocks noGrp="1"/>
+          </p:cNvSpPr>
+          <p:nvPr>
+            <p:ph type="body" idx="1"/>
+          </p:nvPr>
+        </p:nvSpPr>
+        <p:spPr/>
+        <p:txBody>
+          <a:bodyPr>
+            <a:normAutofit/>
+          </a:bodyPr>
+          <a:lstStyle/>
+          <a:p>
+            <a:endParaRPr lang="sv-SE" dirty="0"/>
+          </a:p>
+        </p:txBody>
+      </p:sp>
+      <p:sp>
+        <p:nvSpPr>
+          <p:cNvPr id="4" name="Platshållare för bildnummer 3"/>
+          <p:cNvSpPr>
+            <a:spLocks noGrp="1"/>
+          </p:cNvSpPr>
+          <p:nvPr>
+            <p:ph type="sldNum" sz="quarter" idx="10"/>
+          </p:nvPr>
+        </p:nvSpPr>
+        <p:spPr/>
+        <p:txBody>
+          <a:bodyPr/>
+          <a:lstStyle/>
+          <a:p>
+            <a:fld id="{0002D4AA-ECCD-4AAE-928A-061DA56661C0}" type="slidenum">
+              <a:rPr lang="sv-SE" smtClean="0"/>
+              <a:pPr/>
+              <a:t>2</a:t>
+            </a:fld>
+            <a:endParaRPr lang="sv-SE"/>
+          </a:p>
+        </p:txBody>
+      </p:sp>
+    </p:spTree>
+  </p:cSld>
+  <p:clrMapOvr>
+    <a:masterClrMapping/>
+  </p:clrMapOvr>
+</p:notes>
+</file>
+
+<file path=ppt/notesSlides/notesSlide2.xml><?xml version="1.0" encoding="utf-8"?>
+<p:notes xmlns:a="http://schemas.openxmlformats.org/drawingml/2006/main" xmlns:r="http://schemas.openxmlformats.org/officeDocument/2006/relationships" xmlns:p="http://schemas.openxmlformats.org/presentationml/2006/main">
+  <p:cSld>
+    <p:spTree>
+      <p:nvGrpSpPr>
+        <p:cNvPr id="1" name=""/>
+        <p:cNvGrpSpPr/>
+        <p:nvPr/>
+      </p:nvGrpSpPr>
+      <p:grpSpPr>
+        <a:xfrm>
+          <a:off x="0" y="0"/>
+          <a:ext cx="0" cy="0"/>
+          <a:chOff x="0" y="0"/>
+          <a:chExt cx="0" cy="0"/>
+        </a:xfrm>
+      </p:grpSpPr>
+      <p:sp>
+        <p:nvSpPr>
           <p:cNvPr id="2" name="Slide Image Placeholder 1"/>
           <p:cNvSpPr>
             <a:spLocks noGrp="1" noRot="1" noChangeAspect="1"/>
@@ -697,7 +780,7 @@
             <a:fld id="{2F70612F-D101-4AD4-8F3C-BE6AA2F3E7E9}" type="datetimeFigureOut">
               <a:rPr lang="sv-SE" smtClean="0"/>
               <a:pPr/>
-              <a:t>2014-08-11</a:t>
+              <a:t>2014-08-17</a:t>
             </a:fld>
             <a:endParaRPr lang="sv-SE"/>
           </a:p>
@@ -1013,7 +1096,7 @@
             <a:fld id="{2F70612F-D101-4AD4-8F3C-BE6AA2F3E7E9}" type="datetimeFigureOut">
               <a:rPr lang="sv-SE" smtClean="0"/>
               <a:pPr/>
-              <a:t>2014-08-11</a:t>
+              <a:t>2014-08-17</a:t>
             </a:fld>
             <a:endParaRPr lang="sv-SE"/>
           </a:p>
@@ -1201,7 +1284,7 @@
             <a:fld id="{2F70612F-D101-4AD4-8F3C-BE6AA2F3E7E9}" type="datetimeFigureOut">
               <a:rPr lang="sv-SE" smtClean="0"/>
               <a:pPr/>
-              <a:t>2014-08-11</a:t>
+              <a:t>2014-08-17</a:t>
             </a:fld>
             <a:endParaRPr lang="sv-SE"/>
           </a:p>
@@ -1379,7 +1462,7 @@
             <a:fld id="{2F70612F-D101-4AD4-8F3C-BE6AA2F3E7E9}" type="datetimeFigureOut">
               <a:rPr lang="sv-SE" smtClean="0"/>
               <a:pPr/>
-              <a:t>2014-08-11</a:t>
+              <a:t>2014-08-17</a:t>
             </a:fld>
             <a:endParaRPr lang="sv-SE"/>
           </a:p>
@@ -1650,7 +1733,7 @@
             <a:fld id="{2F70612F-D101-4AD4-8F3C-BE6AA2F3E7E9}" type="datetimeFigureOut">
               <a:rPr lang="sv-SE" smtClean="0"/>
               <a:pPr/>
-              <a:t>2014-08-11</a:t>
+              <a:t>2014-08-17</a:t>
             </a:fld>
             <a:endParaRPr lang="sv-SE"/>
           </a:p>
@@ -2121,7 +2204,7 @@
             <a:fld id="{2F70612F-D101-4AD4-8F3C-BE6AA2F3E7E9}" type="datetimeFigureOut">
               <a:rPr lang="sv-SE" smtClean="0"/>
               <a:pPr/>
-              <a:t>2014-08-11</a:t>
+              <a:t>2014-08-17</a:t>
             </a:fld>
             <a:endParaRPr lang="sv-SE"/>
           </a:p>
@@ -2613,7 +2696,7 @@
             <a:fld id="{2F70612F-D101-4AD4-8F3C-BE6AA2F3E7E9}" type="datetimeFigureOut">
               <a:rPr lang="sv-SE" smtClean="0"/>
               <a:pPr/>
-              <a:t>2014-08-11</a:t>
+              <a:t>2014-08-17</a:t>
             </a:fld>
             <a:endParaRPr lang="sv-SE"/>
           </a:p>
@@ -2742,7 +2825,7 @@
             <a:fld id="{2F70612F-D101-4AD4-8F3C-BE6AA2F3E7E9}" type="datetimeFigureOut">
               <a:rPr lang="sv-SE" smtClean="0"/>
               <a:pPr/>
-              <a:t>2014-08-11</a:t>
+              <a:t>2014-08-17</a:t>
             </a:fld>
             <a:endParaRPr lang="sv-SE"/>
           </a:p>
@@ -2889,7 +2972,7 @@
             <a:fld id="{2F70612F-D101-4AD4-8F3C-BE6AA2F3E7E9}" type="datetimeFigureOut">
               <a:rPr lang="sv-SE" smtClean="0"/>
               <a:pPr/>
-              <a:t>2014-08-11</a:t>
+              <a:t>2014-08-17</a:t>
             </a:fld>
             <a:endParaRPr lang="sv-SE"/>
           </a:p>
@@ -3214,7 +3297,7 @@
             <a:fld id="{2F70612F-D101-4AD4-8F3C-BE6AA2F3E7E9}" type="datetimeFigureOut">
               <a:rPr lang="sv-SE" smtClean="0"/>
               <a:pPr/>
-              <a:t>2014-08-11</a:t>
+              <a:t>2014-08-17</a:t>
             </a:fld>
             <a:endParaRPr lang="sv-SE"/>
           </a:p>
@@ -3351,7 +3434,7 @@
             <a:fld id="{2F70612F-D101-4AD4-8F3C-BE6AA2F3E7E9}" type="datetimeFigureOut">
               <a:rPr lang="sv-SE" smtClean="0"/>
               <a:pPr/>
-              <a:t>2014-08-11</a:t>
+              <a:t>2014-08-17</a:t>
             </a:fld>
             <a:endParaRPr lang="sv-SE"/>
           </a:p>
@@ -4135,7 +4218,7 @@
             <a:fld id="{2F70612F-D101-4AD4-8F3C-BE6AA2F3E7E9}" type="datetimeFigureOut">
               <a:rPr lang="sv-SE" smtClean="0"/>
               <a:pPr/>
-              <a:t>2014-08-11</a:t>
+              <a:t>2014-08-17</a:t>
             </a:fld>
             <a:endParaRPr lang="sv-SE"/>
           </a:p>
@@ -4650,11 +4733,7 @@
           <a:p>
             <a:r>
               <a:rPr lang="sv-SE" dirty="0" smtClean="0"/>
-              <a:t>FlyTracker: design </a:t>
-            </a:r>
-            <a:r>
-              <a:rPr lang="sv-SE" dirty="0" smtClean="0"/>
-              <a:t>och </a:t>
+              <a:t>FlyTracker: design och </a:t>
             </a:r>
             <a:r>
               <a:rPr lang="sv-SE" dirty="0" err="1" smtClean="0"/>
@@ -4762,13 +4841,8 @@
           <a:p>
             <a:r>
               <a:rPr lang="sv-SE" dirty="0" smtClean="0"/>
-              <a:t>Arbeta i </a:t>
-            </a:r>
-            <a:r>
-              <a:rPr lang="sv-SE" dirty="0" smtClean="0"/>
-              <a:t>sprintar</a:t>
-            </a:r>
-            <a:endParaRPr lang="sv-SE" dirty="0" smtClean="0"/>
+              <a:t>Arbeta i sprintar</a:t>
+            </a:r>
           </a:p>
           <a:p>
             <a:r>
@@ -5404,11 +5478,7 @@
             </a:r>
             <a:r>
               <a:rPr lang="sv-SE" dirty="0" smtClean="0"/>
-              <a:t> </a:t>
-            </a:r>
-            <a:r>
-              <a:rPr lang="sv-SE" dirty="0" smtClean="0"/>
-              <a:t>forts.</a:t>
+              <a:t> forts.</a:t>
             </a:r>
             <a:endParaRPr lang="sv-SE" dirty="0"/>
           </a:p>
@@ -5439,20 +5509,9 @@
             <a:pPr lvl="1"/>
             <a:r>
               <a:rPr lang="sv-SE" dirty="0" smtClean="0"/>
-              <a:t>Main </a:t>
-            </a:r>
-            <a:r>
-              <a:rPr lang="sv-SE" dirty="0" err="1" smtClean="0"/>
-              <a:t>application</a:t>
+              <a:t>Användargränssnitt</a:t>
             </a:r>
             <a:endParaRPr lang="sv-SE" dirty="0" smtClean="0"/>
-          </a:p>
-          <a:p>
-            <a:pPr lvl="1"/>
-            <a:r>
-              <a:rPr lang="sv-SE" dirty="0" smtClean="0"/>
-              <a:t>Användargränssnitt</a:t>
-            </a:r>
           </a:p>
           <a:p>
             <a:pPr lvl="1"/>
@@ -5533,15 +5592,33 @@
                                   </p:childTnLst>
                                 </p:cTn>
                               </p:par>
+                            </p:childTnLst>
+                          </p:cTn>
+                        </p:par>
+                      </p:childTnLst>
+                    </p:cTn>
+                  </p:par>
+                  <p:par>
+                    <p:cTn id="8" fill="hold">
+                      <p:stCondLst>
+                        <p:cond delay="indefinite"/>
+                      </p:stCondLst>
+                      <p:childTnLst>
+                        <p:par>
+                          <p:cTn id="9" fill="hold">
+                            <p:stCondLst>
+                              <p:cond delay="0"/>
+                            </p:stCondLst>
+                            <p:childTnLst>
                               <p:par>
-                                <p:cTn id="8" presetID="22" presetClass="entr" presetSubtype="1" fill="hold" grpId="0" nodeType="withEffect">
+                                <p:cTn id="10" presetID="22" presetClass="entr" presetSubtype="1" fill="hold" grpId="0" nodeType="clickEffect">
                                   <p:stCondLst>
                                     <p:cond delay="0"/>
                                   </p:stCondLst>
                                   <p:childTnLst>
                                     <p:set>
                                       <p:cBhvr>
-                                        <p:cTn id="9" dur="1" fill="hold">
+                                        <p:cTn id="11" dur="1" fill="hold">
                                           <p:stCondLst>
                                             <p:cond delay="0"/>
                                           </p:stCondLst>
@@ -5563,7 +5640,7 @@
                                     </p:set>
                                     <p:animEffect transition="in" filter="wipe(up)">
                                       <p:cBhvr>
-                                        <p:cTn id="10" dur="500"/>
+                                        <p:cTn id="12" dur="500"/>
                                         <p:tgtEl>
                                           <p:spTgt spid="3">
                                             <p:txEl>
@@ -5583,26 +5660,26 @@
                     </p:cTn>
                   </p:par>
                   <p:par>
-                    <p:cTn id="11" fill="hold">
+                    <p:cTn id="13" fill="hold">
                       <p:stCondLst>
                         <p:cond delay="indefinite"/>
                       </p:stCondLst>
                       <p:childTnLst>
                         <p:par>
-                          <p:cTn id="12" fill="hold">
+                          <p:cTn id="14" fill="hold">
                             <p:stCondLst>
                               <p:cond delay="0"/>
                             </p:stCondLst>
                             <p:childTnLst>
                               <p:par>
-                                <p:cTn id="13" presetID="22" presetClass="entr" presetSubtype="1" fill="hold" grpId="0" nodeType="clickEffect">
+                                <p:cTn id="15" presetID="22" presetClass="entr" presetSubtype="1" fill="hold" grpId="0" nodeType="clickEffect">
                                   <p:stCondLst>
                                     <p:cond delay="0"/>
                                   </p:stCondLst>
                                   <p:childTnLst>
                                     <p:set>
                                       <p:cBhvr>
-                                        <p:cTn id="14" dur="1" fill="hold">
+                                        <p:cTn id="16" dur="1" fill="hold">
                                           <p:stCondLst>
                                             <p:cond delay="0"/>
                                           </p:stCondLst>
@@ -5624,72 +5701,11 @@
                                     </p:set>
                                     <p:animEffect transition="in" filter="wipe(up)">
                                       <p:cBhvr>
-                                        <p:cTn id="15" dur="500"/>
+                                        <p:cTn id="17" dur="500"/>
                                         <p:tgtEl>
                                           <p:spTgt spid="3">
                                             <p:txEl>
                                               <p:pRg st="2" end="2"/>
-                                            </p:txEl>
-                                          </p:spTgt>
-                                        </p:tgtEl>
-                                      </p:cBhvr>
-                                    </p:animEffect>
-                                  </p:childTnLst>
-                                </p:cTn>
-                              </p:par>
-                            </p:childTnLst>
-                          </p:cTn>
-                        </p:par>
-                      </p:childTnLst>
-                    </p:cTn>
-                  </p:par>
-                  <p:par>
-                    <p:cTn id="16" fill="hold">
-                      <p:stCondLst>
-                        <p:cond delay="indefinite"/>
-                      </p:stCondLst>
-                      <p:childTnLst>
-                        <p:par>
-                          <p:cTn id="17" fill="hold">
-                            <p:stCondLst>
-                              <p:cond delay="0"/>
-                            </p:stCondLst>
-                            <p:childTnLst>
-                              <p:par>
-                                <p:cTn id="18" presetID="22" presetClass="entr" presetSubtype="1" fill="hold" grpId="0" nodeType="clickEffect">
-                                  <p:stCondLst>
-                                    <p:cond delay="0"/>
-                                  </p:stCondLst>
-                                  <p:childTnLst>
-                                    <p:set>
-                                      <p:cBhvr>
-                                        <p:cTn id="19" dur="1" fill="hold">
-                                          <p:stCondLst>
-                                            <p:cond delay="0"/>
-                                          </p:stCondLst>
-                                        </p:cTn>
-                                        <p:tgtEl>
-                                          <p:spTgt spid="3">
-                                            <p:txEl>
-                                              <p:pRg st="3" end="3"/>
-                                            </p:txEl>
-                                          </p:spTgt>
-                                        </p:tgtEl>
-                                        <p:attrNameLst>
-                                          <p:attrName>style.visibility</p:attrName>
-                                        </p:attrNameLst>
-                                      </p:cBhvr>
-                                      <p:to>
-                                        <p:strVal val="visible"/>
-                                      </p:to>
-                                    </p:set>
-                                    <p:animEffect transition="in" filter="wipe(up)">
-                                      <p:cBhvr>
-                                        <p:cTn id="20" dur="500"/>
-                                        <p:tgtEl>
-                                          <p:spTgt spid="3">
-                                            <p:txEl>
-                                              <p:pRg st="3" end="3"/>
                                             </p:txEl>
                                           </p:spTgt>
                                         </p:tgtEl>
@@ -5906,8 +5922,9 @@
             <a:pPr lvl="1"/>
             <a:r>
               <a:rPr lang="sv-SE" dirty="0" smtClean="0"/>
-              <a:t>Plotting, real time plotting and saving best functions</a:t>
-            </a:r>
+              <a:t>Plottningen och datasparningsfunktionen bäst</a:t>
+            </a:r>
+            <a:endParaRPr lang="sv-SE" dirty="0" smtClean="0"/>
           </a:p>
           <a:p>
             <a:pPr lvl="1"/>
@@ -6177,33 +6194,15 @@
                                   </p:childTnLst>
                                 </p:cTn>
                               </p:par>
-                            </p:childTnLst>
-                          </p:cTn>
-                        </p:par>
-                      </p:childTnLst>
-                    </p:cTn>
-                  </p:par>
-                  <p:par>
-                    <p:cTn id="23" fill="hold">
-                      <p:stCondLst>
-                        <p:cond delay="indefinite"/>
-                      </p:stCondLst>
-                      <p:childTnLst>
-                        <p:par>
-                          <p:cTn id="24" fill="hold">
-                            <p:stCondLst>
-                              <p:cond delay="0"/>
-                            </p:stCondLst>
-                            <p:childTnLst>
                               <p:par>
-                                <p:cTn id="25" presetID="10" presetClass="entr" presetSubtype="0" fill="hold" grpId="0" nodeType="clickEffect">
+                                <p:cTn id="23" presetID="10" presetClass="entr" presetSubtype="0" fill="hold" grpId="0" nodeType="withEffect">
                                   <p:stCondLst>
                                     <p:cond delay="0"/>
                                   </p:stCondLst>
                                   <p:childTnLst>
                                     <p:set>
                                       <p:cBhvr>
-                                        <p:cTn id="26" dur="1" fill="hold">
+                                        <p:cTn id="24" dur="1" fill="hold">
                                           <p:stCondLst>
                                             <p:cond delay="0"/>
                                           </p:stCondLst>
@@ -6225,7 +6224,7 @@
                                     </p:set>
                                     <p:animEffect transition="in" filter="fade">
                                       <p:cBhvr>
-                                        <p:cTn id="27" dur="2000"/>
+                                        <p:cTn id="25" dur="2000"/>
                                         <p:tgtEl>
                                           <p:spTgt spid="3">
                                             <p:txEl>
@@ -6245,26 +6244,26 @@
                     </p:cTn>
                   </p:par>
                   <p:par>
-                    <p:cTn id="28" fill="hold">
+                    <p:cTn id="26" fill="hold">
                       <p:stCondLst>
                         <p:cond delay="indefinite"/>
                       </p:stCondLst>
                       <p:childTnLst>
                         <p:par>
-                          <p:cTn id="29" fill="hold">
+                          <p:cTn id="27" fill="hold">
                             <p:stCondLst>
                               <p:cond delay="0"/>
                             </p:stCondLst>
                             <p:childTnLst>
                               <p:par>
-                                <p:cTn id="30" presetID="10" presetClass="entr" presetSubtype="0" fill="hold" grpId="0" nodeType="clickEffect">
+                                <p:cTn id="28" presetID="10" presetClass="entr" presetSubtype="0" fill="hold" grpId="0" nodeType="clickEffect">
                                   <p:stCondLst>
                                     <p:cond delay="0"/>
                                   </p:stCondLst>
                                   <p:childTnLst>
                                     <p:set>
                                       <p:cBhvr>
-                                        <p:cTn id="31" dur="1" fill="hold">
+                                        <p:cTn id="29" dur="1" fill="hold">
                                           <p:stCondLst>
                                             <p:cond delay="0"/>
                                           </p:stCondLst>
@@ -6286,7 +6285,7 @@
                                     </p:set>
                                     <p:animEffect transition="in" filter="fade">
                                       <p:cBhvr>
-                                        <p:cTn id="32" dur="2000"/>
+                                        <p:cTn id="30" dur="2000"/>
                                         <p:tgtEl>
                                           <p:spTgt spid="3">
                                             <p:txEl>
@@ -6306,26 +6305,26 @@
                     </p:cTn>
                   </p:par>
                   <p:par>
-                    <p:cTn id="33" fill="hold">
+                    <p:cTn id="31" fill="hold">
                       <p:stCondLst>
                         <p:cond delay="indefinite"/>
                       </p:stCondLst>
                       <p:childTnLst>
                         <p:par>
-                          <p:cTn id="34" fill="hold">
+                          <p:cTn id="32" fill="hold">
                             <p:stCondLst>
                               <p:cond delay="0"/>
                             </p:stCondLst>
                             <p:childTnLst>
                               <p:par>
-                                <p:cTn id="35" presetID="10" presetClass="entr" presetSubtype="0" fill="hold" grpId="0" nodeType="clickEffect">
+                                <p:cTn id="33" presetID="10" presetClass="entr" presetSubtype="0" fill="hold" grpId="0" nodeType="clickEffect">
                                   <p:stCondLst>
                                     <p:cond delay="0"/>
                                   </p:stCondLst>
                                   <p:childTnLst>
                                     <p:set>
                                       <p:cBhvr>
-                                        <p:cTn id="36" dur="1" fill="hold">
+                                        <p:cTn id="34" dur="1" fill="hold">
                                           <p:stCondLst>
                                             <p:cond delay="0"/>
                                           </p:stCondLst>
@@ -6347,7 +6346,7 @@
                                     </p:set>
                                     <p:animEffect transition="in" filter="fade">
                                       <p:cBhvr>
-                                        <p:cTn id="37" dur="2000"/>
+                                        <p:cTn id="35" dur="2000"/>
                                         <p:tgtEl>
                                           <p:spTgt spid="3">
                                             <p:txEl>
@@ -7045,6 +7044,70 @@
 </p:sld>
 </file>
 
+<file path=ppt/slides/slide15.xml><?xml version="1.0" encoding="utf-8"?>
+<p:sld xmlns:a="http://schemas.openxmlformats.org/drawingml/2006/main" xmlns:r="http://schemas.openxmlformats.org/officeDocument/2006/relationships" xmlns:p="http://schemas.openxmlformats.org/presentationml/2006/main">
+  <p:cSld>
+    <p:spTree>
+      <p:nvGrpSpPr>
+        <p:cNvPr id="1" name=""/>
+        <p:cNvGrpSpPr/>
+        <p:nvPr/>
+      </p:nvGrpSpPr>
+      <p:grpSpPr>
+        <a:xfrm>
+          <a:off x="0" y="0"/>
+          <a:ext cx="0" cy="0"/>
+          <a:chOff x="0" y="0"/>
+          <a:chExt cx="0" cy="0"/>
+        </a:xfrm>
+      </p:grpSpPr>
+      <p:sp>
+        <p:nvSpPr>
+          <p:cNvPr id="2" name="Rubrik 1"/>
+          <p:cNvSpPr>
+            <a:spLocks noGrp="1"/>
+          </p:cNvSpPr>
+          <p:nvPr>
+            <p:ph type="title"/>
+          </p:nvPr>
+        </p:nvSpPr>
+        <p:spPr/>
+        <p:txBody>
+          <a:bodyPr/>
+          <a:lstStyle/>
+          <a:p>
+            <a:endParaRPr lang="sv-SE" dirty="0"/>
+          </a:p>
+        </p:txBody>
+      </p:sp>
+      <p:sp>
+        <p:nvSpPr>
+          <p:cNvPr id="3" name="Platshållare för innehåll 2"/>
+          <p:cNvSpPr>
+            <a:spLocks noGrp="1"/>
+          </p:cNvSpPr>
+          <p:nvPr>
+            <p:ph idx="1"/>
+          </p:nvPr>
+        </p:nvSpPr>
+        <p:spPr/>
+        <p:txBody>
+          <a:bodyPr/>
+          <a:lstStyle/>
+          <a:p>
+            <a:endParaRPr lang="sv-SE"/>
+          </a:p>
+        </p:txBody>
+      </p:sp>
+    </p:spTree>
+  </p:cSld>
+  <p:clrMapOvr>
+    <a:masterClrMapping/>
+  </p:clrMapOvr>
+  <p:transition/>
+</p:sld>
+</file>
+
 <file path=ppt/slides/slide2.xml><?xml version="1.0" encoding="utf-8"?>
 <p:sld xmlns:a="http://schemas.openxmlformats.org/drawingml/2006/main" xmlns:r="http://schemas.openxmlformats.org/officeDocument/2006/relationships" xmlns:p="http://schemas.openxmlformats.org/presentationml/2006/main">
   <p:cSld>
@@ -7106,11 +7169,7 @@
             </a:r>
             <a:r>
               <a:rPr lang="sv-SE" dirty="0" smtClean="0"/>
-              <a:t> för </a:t>
-            </a:r>
-            <a:r>
-              <a:rPr lang="sv-SE" dirty="0" smtClean="0"/>
-              <a:t>neurovetenskap, BMC</a:t>
+              <a:t> för neurovetenskap, BMC</a:t>
             </a:r>
           </a:p>
           <a:p>
@@ -7441,7 +7500,6 @@
               <a:rPr lang="sv-SE" dirty="0" smtClean="0"/>
               <a:t>Studera en rörelse som funktion av visuellt stimuli</a:t>
             </a:r>
-            <a:endParaRPr lang="sv-SE" dirty="0" smtClean="0"/>
           </a:p>
           <a:p>
             <a:r>
@@ -7811,7 +7869,23 @@
             <a:pPr lvl="1"/>
             <a:r>
               <a:rPr lang="sv-SE" dirty="0" smtClean="0"/>
-              <a:t>Implementering (10 veckor)  </a:t>
+              <a:t>Implementering </a:t>
+            </a:r>
+            <a:r>
+              <a:rPr lang="sv-SE" dirty="0" smtClean="0"/>
+              <a:t>(</a:t>
+            </a:r>
+            <a:r>
+              <a:rPr lang="sv-SE" dirty="0" smtClean="0"/>
+              <a:t>9</a:t>
+            </a:r>
+            <a:r>
+              <a:rPr lang="sv-SE" dirty="0" smtClean="0"/>
+              <a:t> </a:t>
+            </a:r>
+            <a:r>
+              <a:rPr lang="sv-SE" dirty="0" smtClean="0"/>
+              <a:t>veckor)  </a:t>
             </a:r>
           </a:p>
           <a:p>
@@ -7825,7 +7899,15 @@
             <a:pPr lvl="1"/>
             <a:r>
               <a:rPr lang="sv-SE" dirty="0" smtClean="0"/>
-              <a:t>Färdigställande av rapport (5 veckor)</a:t>
+              <a:t>Färdigställande av rapport </a:t>
+            </a:r>
+            <a:r>
+              <a:rPr lang="sv-SE" dirty="0" smtClean="0"/>
+              <a:t>(6 </a:t>
+            </a:r>
+            <a:r>
+              <a:rPr lang="sv-SE" dirty="0" smtClean="0"/>
+              <a:t>veckor)</a:t>
             </a:r>
           </a:p>
           <a:p>
@@ -9009,7 +9091,6 @@
               <a:rPr lang="sv-SE" dirty="0" smtClean="0"/>
               <a:t>Kalibreringsdel</a:t>
             </a:r>
-            <a:endParaRPr lang="sv-SE" dirty="0" smtClean="0"/>
           </a:p>
           <a:p>
             <a:pPr lvl="1"/>
@@ -9474,11 +9555,7 @@
           <a:p>
             <a:r>
               <a:rPr lang="sv-SE" dirty="0" smtClean="0"/>
-              <a:t>Svårt</a:t>
-            </a:r>
-            <a:r>
-              <a:rPr lang="sv-SE" dirty="0" smtClean="0"/>
-              <a:t>!</a:t>
+              <a:t>Svårt!</a:t>
             </a:r>
             <a:endParaRPr lang="sv-SE" dirty="0"/>
           </a:p>
@@ -9721,7 +9798,12 @@
             <p:ph sz="half" idx="1"/>
           </p:nvPr>
         </p:nvSpPr>
-        <p:spPr/>
+        <p:spPr>
+          <a:xfrm>
+            <a:off x="1435608" y="1524000"/>
+            <a:ext cx="5224624" cy="2049016"/>
+          </a:xfrm>
+        </p:spPr>
         <p:txBody>
           <a:bodyPr/>
           <a:lstStyle/>
@@ -9730,7 +9812,6 @@
               <a:rPr lang="sv-SE" dirty="0" smtClean="0"/>
               <a:t>Mycket enklare!</a:t>
             </a:r>
-            <a:endParaRPr lang="sv-SE" dirty="0" smtClean="0"/>
           </a:p>
           <a:p>
             <a:r>
@@ -9759,8 +9840,8 @@
         </p:blipFill>
         <p:spPr>
           <a:xfrm>
-            <a:off x="5276850" y="2436123"/>
-            <a:ext cx="3657600" cy="2839828"/>
+            <a:off x="2771800" y="2852936"/>
+            <a:ext cx="4809728" cy="3734361"/>
           </a:xfrm>
         </p:spPr>
       </p:pic>

--- a/presentations/presentation_swe.pptx
+++ b/presentations/presentation_swe.pptx
@@ -207,7 +207,7 @@
             <a:fld id="{95B0EECD-C57A-4101-A3EB-3048063A3D1A}" type="datetimeFigureOut">
               <a:rPr lang="sv-SE" smtClean="0"/>
               <a:pPr/>
-              <a:t>2014-08-17</a:t>
+              <a:t>2014-08-22</a:t>
             </a:fld>
             <a:endParaRPr lang="sv-SE"/>
           </a:p>
@@ -780,7 +780,7 @@
             <a:fld id="{2F70612F-D101-4AD4-8F3C-BE6AA2F3E7E9}" type="datetimeFigureOut">
               <a:rPr lang="sv-SE" smtClean="0"/>
               <a:pPr/>
-              <a:t>2014-08-17</a:t>
+              <a:t>2014-08-22</a:t>
             </a:fld>
             <a:endParaRPr lang="sv-SE"/>
           </a:p>
@@ -1096,7 +1096,7 @@
             <a:fld id="{2F70612F-D101-4AD4-8F3C-BE6AA2F3E7E9}" type="datetimeFigureOut">
               <a:rPr lang="sv-SE" smtClean="0"/>
               <a:pPr/>
-              <a:t>2014-08-17</a:t>
+              <a:t>2014-08-22</a:t>
             </a:fld>
             <a:endParaRPr lang="sv-SE"/>
           </a:p>
@@ -1284,7 +1284,7 @@
             <a:fld id="{2F70612F-D101-4AD4-8F3C-BE6AA2F3E7E9}" type="datetimeFigureOut">
               <a:rPr lang="sv-SE" smtClean="0"/>
               <a:pPr/>
-              <a:t>2014-08-17</a:t>
+              <a:t>2014-08-22</a:t>
             </a:fld>
             <a:endParaRPr lang="sv-SE"/>
           </a:p>
@@ -1462,7 +1462,7 @@
             <a:fld id="{2F70612F-D101-4AD4-8F3C-BE6AA2F3E7E9}" type="datetimeFigureOut">
               <a:rPr lang="sv-SE" smtClean="0"/>
               <a:pPr/>
-              <a:t>2014-08-17</a:t>
+              <a:t>2014-08-22</a:t>
             </a:fld>
             <a:endParaRPr lang="sv-SE"/>
           </a:p>
@@ -1733,7 +1733,7 @@
             <a:fld id="{2F70612F-D101-4AD4-8F3C-BE6AA2F3E7E9}" type="datetimeFigureOut">
               <a:rPr lang="sv-SE" smtClean="0"/>
               <a:pPr/>
-              <a:t>2014-08-17</a:t>
+              <a:t>2014-08-22</a:t>
             </a:fld>
             <a:endParaRPr lang="sv-SE"/>
           </a:p>
@@ -2204,7 +2204,7 @@
             <a:fld id="{2F70612F-D101-4AD4-8F3C-BE6AA2F3E7E9}" type="datetimeFigureOut">
               <a:rPr lang="sv-SE" smtClean="0"/>
               <a:pPr/>
-              <a:t>2014-08-17</a:t>
+              <a:t>2014-08-22</a:t>
             </a:fld>
             <a:endParaRPr lang="sv-SE"/>
           </a:p>
@@ -2696,7 +2696,7 @@
             <a:fld id="{2F70612F-D101-4AD4-8F3C-BE6AA2F3E7E9}" type="datetimeFigureOut">
               <a:rPr lang="sv-SE" smtClean="0"/>
               <a:pPr/>
-              <a:t>2014-08-17</a:t>
+              <a:t>2014-08-22</a:t>
             </a:fld>
             <a:endParaRPr lang="sv-SE"/>
           </a:p>
@@ -2825,7 +2825,7 @@
             <a:fld id="{2F70612F-D101-4AD4-8F3C-BE6AA2F3E7E9}" type="datetimeFigureOut">
               <a:rPr lang="sv-SE" smtClean="0"/>
               <a:pPr/>
-              <a:t>2014-08-17</a:t>
+              <a:t>2014-08-22</a:t>
             </a:fld>
             <a:endParaRPr lang="sv-SE"/>
           </a:p>
@@ -2972,7 +2972,7 @@
             <a:fld id="{2F70612F-D101-4AD4-8F3C-BE6AA2F3E7E9}" type="datetimeFigureOut">
               <a:rPr lang="sv-SE" smtClean="0"/>
               <a:pPr/>
-              <a:t>2014-08-17</a:t>
+              <a:t>2014-08-22</a:t>
             </a:fld>
             <a:endParaRPr lang="sv-SE"/>
           </a:p>
@@ -3297,7 +3297,7 @@
             <a:fld id="{2F70612F-D101-4AD4-8F3C-BE6AA2F3E7E9}" type="datetimeFigureOut">
               <a:rPr lang="sv-SE" smtClean="0"/>
               <a:pPr/>
-              <a:t>2014-08-17</a:t>
+              <a:t>2014-08-22</a:t>
             </a:fld>
             <a:endParaRPr lang="sv-SE"/>
           </a:p>
@@ -3434,7 +3434,7 @@
             <a:fld id="{2F70612F-D101-4AD4-8F3C-BE6AA2F3E7E9}" type="datetimeFigureOut">
               <a:rPr lang="sv-SE" smtClean="0"/>
               <a:pPr/>
-              <a:t>2014-08-17</a:t>
+              <a:t>2014-08-22</a:t>
             </a:fld>
             <a:endParaRPr lang="sv-SE"/>
           </a:p>
@@ -4218,7 +4218,7 @@
             <a:fld id="{2F70612F-D101-4AD4-8F3C-BE6AA2F3E7E9}" type="datetimeFigureOut">
               <a:rPr lang="sv-SE" smtClean="0"/>
               <a:pPr/>
-              <a:t>2014-08-17</a:t>
+              <a:t>2014-08-22</a:t>
             </a:fld>
             <a:endParaRPr lang="sv-SE"/>
           </a:p>
@@ -5511,7 +5511,6 @@
               <a:rPr lang="sv-SE" dirty="0" smtClean="0"/>
               <a:t>Användargränssnitt</a:t>
             </a:r>
-            <a:endParaRPr lang="sv-SE" dirty="0" smtClean="0"/>
           </a:p>
           <a:p>
             <a:pPr lvl="1"/>
@@ -5790,7 +5789,7 @@
       </p:sp>
       <p:sp>
         <p:nvSpPr>
-          <p:cNvPr id="3" name="Content Placeholder 2"/>
+          <p:cNvPr id="7" name="Platshållare för innehåll 6"/>
           <p:cNvSpPr>
             <a:spLocks noGrp="1"/>
           </p:cNvSpPr>
@@ -5803,11 +5802,7 @@
           <a:bodyPr/>
           <a:lstStyle/>
           <a:p>
-            <a:r>
-              <a:rPr lang="sv-SE" dirty="0" smtClean="0"/>
-              <a:t>*Video of a fly moving and corresponding plots in real time in FlyTracker*</a:t>
-            </a:r>
-            <a:endParaRPr lang="sv-SE" dirty="0"/>
+            <a:endParaRPr lang="sv-SE"/>
           </a:p>
         </p:txBody>
       </p:sp>
@@ -5924,7 +5919,6 @@
               <a:rPr lang="sv-SE" dirty="0" smtClean="0"/>
               <a:t>Plottningen och datasparningsfunktionen bäst</a:t>
             </a:r>
-            <a:endParaRPr lang="sv-SE" dirty="0" smtClean="0"/>
           </a:p>
           <a:p>
             <a:pPr lvl="1"/>
@@ -7063,25 +7057,6 @@
       </p:grpSpPr>
       <p:sp>
         <p:nvSpPr>
-          <p:cNvPr id="2" name="Rubrik 1"/>
-          <p:cNvSpPr>
-            <a:spLocks noGrp="1"/>
-          </p:cNvSpPr>
-          <p:nvPr>
-            <p:ph type="title"/>
-          </p:nvPr>
-        </p:nvSpPr>
-        <p:spPr/>
-        <p:txBody>
-          <a:bodyPr/>
-          <a:lstStyle/>
-          <a:p>
-            <a:endParaRPr lang="sv-SE" dirty="0"/>
-          </a:p>
-        </p:txBody>
-      </p:sp>
-      <p:sp>
-        <p:nvSpPr>
           <p:cNvPr id="3" name="Platshållare för innehåll 2"/>
           <p:cNvSpPr>
             <a:spLocks noGrp="1"/>
@@ -7090,12 +7065,57 @@
             <p:ph idx="1"/>
           </p:nvPr>
         </p:nvSpPr>
-        <p:spPr/>
+        <p:spPr>
+          <a:xfrm>
+            <a:off x="1435608" y="404664"/>
+            <a:ext cx="7498080" cy="5843736"/>
+          </a:xfrm>
+        </p:spPr>
         <p:txBody>
           <a:bodyPr/>
           <a:lstStyle/>
           <a:p>
-            <a:endParaRPr lang="sv-SE"/>
+            <a:pPr algn="ctr">
+              <a:buNone/>
+            </a:pPr>
+            <a:endParaRPr lang="sv-SE" dirty="0" smtClean="0"/>
+          </a:p>
+          <a:p>
+            <a:pPr algn="ctr">
+              <a:buNone/>
+            </a:pPr>
+            <a:r>
+              <a:rPr lang="sv-SE" dirty="0" smtClean="0"/>
+              <a:t>Tack för visad uppmärksamhet!</a:t>
+            </a:r>
+          </a:p>
+          <a:p>
+            <a:pPr algn="ctr">
+              <a:buNone/>
+            </a:pPr>
+            <a:endParaRPr lang="sv-SE" dirty="0" smtClean="0"/>
+          </a:p>
+          <a:p>
+            <a:pPr algn="ctr">
+              <a:buNone/>
+            </a:pPr>
+            <a:endParaRPr lang="sv-SE" dirty="0" smtClean="0"/>
+          </a:p>
+          <a:p>
+            <a:pPr algn="ctr">
+              <a:buNone/>
+            </a:pPr>
+            <a:endParaRPr lang="sv-SE" dirty="0" smtClean="0"/>
+          </a:p>
+          <a:p>
+            <a:pPr algn="ctr">
+              <a:buNone/>
+            </a:pPr>
+            <a:r>
+              <a:rPr lang="sv-SE" dirty="0" smtClean="0"/>
+              <a:t>Frågor?</a:t>
+            </a:r>
+            <a:endParaRPr lang="sv-SE" dirty="0"/>
           </a:p>
         </p:txBody>
       </p:sp>
@@ -7164,12 +7184,12 @@
           <a:lstStyle/>
           <a:p>
             <a:r>
-              <a:rPr lang="sv-SE" dirty="0" err="1" smtClean="0"/>
-              <a:t>Instituionen</a:t>
-            </a:r>
-            <a:r>
               <a:rPr lang="sv-SE" dirty="0" smtClean="0"/>
-              <a:t> för neurovetenskap, BMC</a:t>
+              <a:t>Institutionen </a:t>
+            </a:r>
+            <a:r>
+              <a:rPr lang="sv-SE" dirty="0" smtClean="0"/>
+              <a:t>för neurovetenskap, BMC</a:t>
             </a:r>
           </a:p>
           <a:p>
@@ -7514,12 +7534,12 @@
               <a:t>Design och </a:t>
             </a:r>
             <a:r>
-              <a:rPr lang="sv-SE" dirty="0" err="1" smtClean="0"/>
-              <a:t>implementation</a:t>
-            </a:r>
-            <a:r>
               <a:rPr lang="sv-SE" dirty="0" smtClean="0"/>
-              <a:t> av ny, användarvänlig mjukvara</a:t>
+              <a:t>implementering </a:t>
+            </a:r>
+            <a:r>
+              <a:rPr lang="sv-SE" dirty="0" smtClean="0"/>
+              <a:t>av ny, användarvänlig mjukvara</a:t>
             </a:r>
           </a:p>
         </p:txBody>
@@ -7869,23 +7889,7 @@
             <a:pPr lvl="1"/>
             <a:r>
               <a:rPr lang="sv-SE" dirty="0" smtClean="0"/>
-              <a:t>Implementering </a:t>
-            </a:r>
-            <a:r>
-              <a:rPr lang="sv-SE" dirty="0" smtClean="0"/>
-              <a:t>(</a:t>
-            </a:r>
-            <a:r>
-              <a:rPr lang="sv-SE" dirty="0" smtClean="0"/>
-              <a:t>9</a:t>
-            </a:r>
-            <a:r>
-              <a:rPr lang="sv-SE" dirty="0" smtClean="0"/>
-              <a:t> </a:t>
-            </a:r>
-            <a:r>
-              <a:rPr lang="sv-SE" dirty="0" smtClean="0"/>
-              <a:t>veckor)  </a:t>
+              <a:t>Implementering (9 veckor)  </a:t>
             </a:r>
           </a:p>
           <a:p>
@@ -7899,15 +7903,7 @@
             <a:pPr lvl="1"/>
             <a:r>
               <a:rPr lang="sv-SE" dirty="0" smtClean="0"/>
-              <a:t>Färdigställande av rapport </a:t>
-            </a:r>
-            <a:r>
-              <a:rPr lang="sv-SE" dirty="0" smtClean="0"/>
-              <a:t>(6 </a:t>
-            </a:r>
-            <a:r>
-              <a:rPr lang="sv-SE" dirty="0" smtClean="0"/>
-              <a:t>veckor)</a:t>
+              <a:t>Färdigställande av rapport (6 veckor)</a:t>
             </a:r>
           </a:p>
           <a:p>
@@ -8380,8 +8376,8 @@
           </a:p>
           <a:p>
             <a:r>
-              <a:rPr lang="sv-SE" dirty="0" err="1" smtClean="0"/>
-              <a:t>Priortering</a:t>
+              <a:rPr lang="sv-SE" dirty="0" smtClean="0"/>
+              <a:t>Prioritering</a:t>
             </a:r>
             <a:endParaRPr lang="sv-SE" dirty="0" smtClean="0"/>
           </a:p>

--- a/presentations/presentation_swe.pptx
+++ b/presentations/presentation_swe.pptx
@@ -5,24 +5,27 @@
     <p:sldMasterId id="2147483660" r:id="rId1"/>
   </p:sldMasterIdLst>
   <p:notesMasterIdLst>
-    <p:notesMasterId r:id="rId17"/>
+    <p:notesMasterId r:id="rId20"/>
   </p:notesMasterIdLst>
   <p:sldIdLst>
     <p:sldId id="256" r:id="rId2"/>
-    <p:sldId id="257" r:id="rId3"/>
-    <p:sldId id="267" r:id="rId4"/>
-    <p:sldId id="258" r:id="rId5"/>
-    <p:sldId id="259" r:id="rId6"/>
-    <p:sldId id="275" r:id="rId7"/>
-    <p:sldId id="274" r:id="rId8"/>
-    <p:sldId id="272" r:id="rId9"/>
-    <p:sldId id="273" r:id="rId10"/>
-    <p:sldId id="261" r:id="rId11"/>
-    <p:sldId id="266" r:id="rId12"/>
-    <p:sldId id="262" r:id="rId13"/>
-    <p:sldId id="264" r:id="rId14"/>
-    <p:sldId id="265" r:id="rId15"/>
-    <p:sldId id="276" r:id="rId16"/>
+    <p:sldId id="277" r:id="rId3"/>
+    <p:sldId id="257" r:id="rId4"/>
+    <p:sldId id="267" r:id="rId5"/>
+    <p:sldId id="258" r:id="rId6"/>
+    <p:sldId id="259" r:id="rId7"/>
+    <p:sldId id="275" r:id="rId8"/>
+    <p:sldId id="274" r:id="rId9"/>
+    <p:sldId id="272" r:id="rId10"/>
+    <p:sldId id="273" r:id="rId11"/>
+    <p:sldId id="261" r:id="rId12"/>
+    <p:sldId id="266" r:id="rId13"/>
+    <p:sldId id="279" r:id="rId14"/>
+    <p:sldId id="278" r:id="rId15"/>
+    <p:sldId id="262" r:id="rId16"/>
+    <p:sldId id="264" r:id="rId17"/>
+    <p:sldId id="265" r:id="rId18"/>
+    <p:sldId id="276" r:id="rId19"/>
   </p:sldIdLst>
   <p:sldSz cx="9144000" cy="6858000" type="screen4x3"/>
   <p:notesSz cx="6858000" cy="9144000"/>
@@ -541,7 +544,7 @@
             <a:fld id="{0002D4AA-ECCD-4AAE-928A-061DA56661C0}" type="slidenum">
               <a:rPr lang="sv-SE" smtClean="0"/>
               <a:pPr/>
-              <a:t>2</a:t>
+              <a:t>3</a:t>
             </a:fld>
             <a:endParaRPr lang="sv-SE"/>
           </a:p>
@@ -631,7 +634,7 @@
             <a:fld id="{0002D4AA-ECCD-4AAE-928A-061DA56661C0}" type="slidenum">
               <a:rPr lang="sv-SE" smtClean="0"/>
               <a:pPr/>
-              <a:t>8</a:t>
+              <a:t>9</a:t>
             </a:fld>
             <a:endParaRPr lang="sv-SE"/>
           </a:p>
@@ -4801,7 +4804,7 @@
       </p:grpSpPr>
       <p:sp>
         <p:nvSpPr>
-          <p:cNvPr id="2" name="Title 1"/>
+          <p:cNvPr id="2" name="Rubrik 1"/>
           <p:cNvSpPr>
             <a:spLocks noGrp="1"/>
           </p:cNvSpPr>
@@ -4811,14 +4814,12 @@
         </p:nvSpPr>
         <p:spPr/>
         <p:txBody>
-          <a:bodyPr>
-            <a:normAutofit/>
-          </a:bodyPr>
+          <a:bodyPr/>
           <a:lstStyle/>
           <a:p>
             <a:r>
               <a:rPr lang="sv-SE" dirty="0" err="1" smtClean="0"/>
-              <a:t>Implementation</a:t>
+              <a:t>Experimentvyn</a:t>
             </a:r>
             <a:endParaRPr lang="sv-SE" dirty="0"/>
           </a:p>
@@ -4826,90 +4827,61 @@
       </p:sp>
       <p:sp>
         <p:nvSpPr>
-          <p:cNvPr id="3" name="Content Placeholder 2"/>
+          <p:cNvPr id="3" name="Platshållare för innehåll 2"/>
           <p:cNvSpPr>
             <a:spLocks noGrp="1"/>
           </p:cNvSpPr>
           <p:nvPr>
-            <p:ph idx="1"/>
-          </p:nvPr>
-        </p:nvSpPr>
-        <p:spPr/>
+            <p:ph sz="half" idx="1"/>
+          </p:nvPr>
+        </p:nvSpPr>
+        <p:spPr>
+          <a:xfrm>
+            <a:off x="1435608" y="1524000"/>
+            <a:ext cx="5224624" cy="2049016"/>
+          </a:xfrm>
+        </p:spPr>
         <p:txBody>
           <a:bodyPr/>
           <a:lstStyle/>
           <a:p>
             <a:r>
               <a:rPr lang="sv-SE" dirty="0" smtClean="0"/>
-              <a:t>Arbeta i sprintar</a:t>
+              <a:t>Mycket enklare!</a:t>
             </a:r>
           </a:p>
           <a:p>
             <a:r>
               <a:rPr lang="sv-SE" dirty="0" err="1" smtClean="0"/>
-              <a:t>Platform</a:t>
-            </a:r>
-            <a:r>
-              <a:rPr lang="sv-SE" dirty="0" smtClean="0"/>
-              <a:t>:</a:t>
-            </a:r>
-          </a:p>
-          <a:p>
-            <a:pPr lvl="1"/>
-            <a:r>
-              <a:rPr lang="sv-SE" dirty="0" smtClean="0"/>
-              <a:t>Ubuntu</a:t>
-            </a:r>
-          </a:p>
-          <a:p>
-            <a:pPr lvl="1"/>
-            <a:r>
-              <a:rPr lang="sv-SE" dirty="0" smtClean="0"/>
-              <a:t>Matlab</a:t>
-            </a:r>
-          </a:p>
-          <a:p>
-            <a:pPr lvl="1"/>
-            <a:r>
-              <a:rPr lang="sv-SE" dirty="0" smtClean="0"/>
-              <a:t>Python</a:t>
-            </a:r>
-          </a:p>
-          <a:p>
-            <a:r>
-              <a:rPr lang="sv-SE" dirty="0" err="1" smtClean="0"/>
-              <a:t>Python-modulen</a:t>
-            </a:r>
-            <a:endParaRPr lang="sv-SE" dirty="0" smtClean="0"/>
-          </a:p>
-          <a:p>
-            <a:pPr lvl="1"/>
-            <a:r>
-              <a:rPr lang="sv-SE" dirty="0" smtClean="0"/>
-              <a:t>Läsa av musdata</a:t>
-            </a:r>
-          </a:p>
-          <a:p>
-            <a:pPr lvl="1"/>
-            <a:r>
-              <a:rPr lang="sv-SE" dirty="0" smtClean="0"/>
-              <a:t>Startar och stoppar inspelning</a:t>
-            </a:r>
-          </a:p>
-          <a:p>
-            <a:pPr lvl="1"/>
-            <a:endParaRPr lang="sv-SE" dirty="0" smtClean="0"/>
-          </a:p>
-          <a:p>
-            <a:pPr lvl="1"/>
-            <a:endParaRPr lang="sv-SE" dirty="0" smtClean="0"/>
-          </a:p>
-          <a:p>
-            <a:pPr lvl="1"/>
+              <a:t>Användarbarhetsheuristik</a:t>
+            </a:r>
             <a:endParaRPr lang="sv-SE" dirty="0"/>
           </a:p>
         </p:txBody>
       </p:sp>
+      <p:pic>
+        <p:nvPicPr>
+          <p:cNvPr id="5" name="Content Placeholder 6" descr="mainwindow.png"/>
+          <p:cNvPicPr>
+            <a:picLocks noGrp="1" noChangeAspect="1"/>
+          </p:cNvPicPr>
+          <p:nvPr>
+            <p:ph sz="half" idx="2"/>
+          </p:nvPr>
+        </p:nvPicPr>
+        <p:blipFill>
+          <a:blip r:embed="rId2" cstate="print"/>
+          <a:stretch>
+            <a:fillRect/>
+          </a:stretch>
+        </p:blipFill>
+        <p:spPr>
+          <a:xfrm>
+            <a:off x="2771800" y="2852936"/>
+            <a:ext cx="4809728" cy="3734361"/>
+          </a:xfrm>
+        </p:spPr>
+      </p:pic>
     </p:spTree>
   </p:cSld>
   <p:clrMapOvr>
@@ -5032,372 +5004,6 @@
                                           <p:spTgt spid="3">
                                             <p:txEl>
                                               <p:pRg st="1" end="1"/>
-                                            </p:txEl>
-                                          </p:spTgt>
-                                        </p:tgtEl>
-                                      </p:cBhvr>
-                                    </p:animEffect>
-                                  </p:childTnLst>
-                                </p:cTn>
-                              </p:par>
-                            </p:childTnLst>
-                          </p:cTn>
-                        </p:par>
-                      </p:childTnLst>
-                    </p:cTn>
-                  </p:par>
-                  <p:par>
-                    <p:cTn id="13" fill="hold">
-                      <p:stCondLst>
-                        <p:cond delay="indefinite"/>
-                      </p:stCondLst>
-                      <p:childTnLst>
-                        <p:par>
-                          <p:cTn id="14" fill="hold">
-                            <p:stCondLst>
-                              <p:cond delay="0"/>
-                            </p:stCondLst>
-                            <p:childTnLst>
-                              <p:par>
-                                <p:cTn id="15" presetID="22" presetClass="entr" presetSubtype="1" fill="hold" grpId="0" nodeType="clickEffect">
-                                  <p:stCondLst>
-                                    <p:cond delay="0"/>
-                                  </p:stCondLst>
-                                  <p:childTnLst>
-                                    <p:set>
-                                      <p:cBhvr>
-                                        <p:cTn id="16" dur="1" fill="hold">
-                                          <p:stCondLst>
-                                            <p:cond delay="0"/>
-                                          </p:stCondLst>
-                                        </p:cTn>
-                                        <p:tgtEl>
-                                          <p:spTgt spid="3">
-                                            <p:txEl>
-                                              <p:pRg st="2" end="2"/>
-                                            </p:txEl>
-                                          </p:spTgt>
-                                        </p:tgtEl>
-                                        <p:attrNameLst>
-                                          <p:attrName>style.visibility</p:attrName>
-                                        </p:attrNameLst>
-                                      </p:cBhvr>
-                                      <p:to>
-                                        <p:strVal val="visible"/>
-                                      </p:to>
-                                    </p:set>
-                                    <p:animEffect transition="in" filter="wipe(up)">
-                                      <p:cBhvr>
-                                        <p:cTn id="17" dur="500"/>
-                                        <p:tgtEl>
-                                          <p:spTgt spid="3">
-                                            <p:txEl>
-                                              <p:pRg st="2" end="2"/>
-                                            </p:txEl>
-                                          </p:spTgt>
-                                        </p:tgtEl>
-                                      </p:cBhvr>
-                                    </p:animEffect>
-                                  </p:childTnLst>
-                                </p:cTn>
-                              </p:par>
-                            </p:childTnLst>
-                          </p:cTn>
-                        </p:par>
-                      </p:childTnLst>
-                    </p:cTn>
-                  </p:par>
-                  <p:par>
-                    <p:cTn id="18" fill="hold">
-                      <p:stCondLst>
-                        <p:cond delay="indefinite"/>
-                      </p:stCondLst>
-                      <p:childTnLst>
-                        <p:par>
-                          <p:cTn id="19" fill="hold">
-                            <p:stCondLst>
-                              <p:cond delay="0"/>
-                            </p:stCondLst>
-                            <p:childTnLst>
-                              <p:par>
-                                <p:cTn id="20" presetID="22" presetClass="entr" presetSubtype="1" fill="hold" grpId="0" nodeType="clickEffect">
-                                  <p:stCondLst>
-                                    <p:cond delay="0"/>
-                                  </p:stCondLst>
-                                  <p:childTnLst>
-                                    <p:set>
-                                      <p:cBhvr>
-                                        <p:cTn id="21" dur="1" fill="hold">
-                                          <p:stCondLst>
-                                            <p:cond delay="0"/>
-                                          </p:stCondLst>
-                                        </p:cTn>
-                                        <p:tgtEl>
-                                          <p:spTgt spid="3">
-                                            <p:txEl>
-                                              <p:pRg st="3" end="3"/>
-                                            </p:txEl>
-                                          </p:spTgt>
-                                        </p:tgtEl>
-                                        <p:attrNameLst>
-                                          <p:attrName>style.visibility</p:attrName>
-                                        </p:attrNameLst>
-                                      </p:cBhvr>
-                                      <p:to>
-                                        <p:strVal val="visible"/>
-                                      </p:to>
-                                    </p:set>
-                                    <p:animEffect transition="in" filter="wipe(up)">
-                                      <p:cBhvr>
-                                        <p:cTn id="22" dur="500"/>
-                                        <p:tgtEl>
-                                          <p:spTgt spid="3">
-                                            <p:txEl>
-                                              <p:pRg st="3" end="3"/>
-                                            </p:txEl>
-                                          </p:spTgt>
-                                        </p:tgtEl>
-                                      </p:cBhvr>
-                                    </p:animEffect>
-                                  </p:childTnLst>
-                                </p:cTn>
-                              </p:par>
-                            </p:childTnLst>
-                          </p:cTn>
-                        </p:par>
-                      </p:childTnLst>
-                    </p:cTn>
-                  </p:par>
-                  <p:par>
-                    <p:cTn id="23" fill="hold">
-                      <p:stCondLst>
-                        <p:cond delay="indefinite"/>
-                      </p:stCondLst>
-                      <p:childTnLst>
-                        <p:par>
-                          <p:cTn id="24" fill="hold">
-                            <p:stCondLst>
-                              <p:cond delay="0"/>
-                            </p:stCondLst>
-                            <p:childTnLst>
-                              <p:par>
-                                <p:cTn id="25" presetID="22" presetClass="entr" presetSubtype="1" fill="hold" grpId="0" nodeType="clickEffect">
-                                  <p:stCondLst>
-                                    <p:cond delay="0"/>
-                                  </p:stCondLst>
-                                  <p:childTnLst>
-                                    <p:set>
-                                      <p:cBhvr>
-                                        <p:cTn id="26" dur="1" fill="hold">
-                                          <p:stCondLst>
-                                            <p:cond delay="0"/>
-                                          </p:stCondLst>
-                                        </p:cTn>
-                                        <p:tgtEl>
-                                          <p:spTgt spid="3">
-                                            <p:txEl>
-                                              <p:pRg st="4" end="4"/>
-                                            </p:txEl>
-                                          </p:spTgt>
-                                        </p:tgtEl>
-                                        <p:attrNameLst>
-                                          <p:attrName>style.visibility</p:attrName>
-                                        </p:attrNameLst>
-                                      </p:cBhvr>
-                                      <p:to>
-                                        <p:strVal val="visible"/>
-                                      </p:to>
-                                    </p:set>
-                                    <p:animEffect transition="in" filter="wipe(up)">
-                                      <p:cBhvr>
-                                        <p:cTn id="27" dur="500"/>
-                                        <p:tgtEl>
-                                          <p:spTgt spid="3">
-                                            <p:txEl>
-                                              <p:pRg st="4" end="4"/>
-                                            </p:txEl>
-                                          </p:spTgt>
-                                        </p:tgtEl>
-                                      </p:cBhvr>
-                                    </p:animEffect>
-                                  </p:childTnLst>
-                                </p:cTn>
-                              </p:par>
-                            </p:childTnLst>
-                          </p:cTn>
-                        </p:par>
-                      </p:childTnLst>
-                    </p:cTn>
-                  </p:par>
-                  <p:par>
-                    <p:cTn id="28" fill="hold">
-                      <p:stCondLst>
-                        <p:cond delay="indefinite"/>
-                      </p:stCondLst>
-                      <p:childTnLst>
-                        <p:par>
-                          <p:cTn id="29" fill="hold">
-                            <p:stCondLst>
-                              <p:cond delay="0"/>
-                            </p:stCondLst>
-                            <p:childTnLst>
-                              <p:par>
-                                <p:cTn id="30" presetID="22" presetClass="entr" presetSubtype="1" fill="hold" grpId="0" nodeType="clickEffect">
-                                  <p:stCondLst>
-                                    <p:cond delay="0"/>
-                                  </p:stCondLst>
-                                  <p:childTnLst>
-                                    <p:set>
-                                      <p:cBhvr>
-                                        <p:cTn id="31" dur="1" fill="hold">
-                                          <p:stCondLst>
-                                            <p:cond delay="0"/>
-                                          </p:stCondLst>
-                                        </p:cTn>
-                                        <p:tgtEl>
-                                          <p:spTgt spid="3">
-                                            <p:txEl>
-                                              <p:pRg st="5" end="5"/>
-                                            </p:txEl>
-                                          </p:spTgt>
-                                        </p:tgtEl>
-                                        <p:attrNameLst>
-                                          <p:attrName>style.visibility</p:attrName>
-                                        </p:attrNameLst>
-                                      </p:cBhvr>
-                                      <p:to>
-                                        <p:strVal val="visible"/>
-                                      </p:to>
-                                    </p:set>
-                                    <p:animEffect transition="in" filter="wipe(up)">
-                                      <p:cBhvr>
-                                        <p:cTn id="32" dur="500"/>
-                                        <p:tgtEl>
-                                          <p:spTgt spid="3">
-                                            <p:txEl>
-                                              <p:pRg st="5" end="5"/>
-                                            </p:txEl>
-                                          </p:spTgt>
-                                        </p:tgtEl>
-                                      </p:cBhvr>
-                                    </p:animEffect>
-                                  </p:childTnLst>
-                                </p:cTn>
-                              </p:par>
-                            </p:childTnLst>
-                          </p:cTn>
-                        </p:par>
-                      </p:childTnLst>
-                    </p:cTn>
-                  </p:par>
-                  <p:par>
-                    <p:cTn id="33" fill="hold">
-                      <p:stCondLst>
-                        <p:cond delay="indefinite"/>
-                      </p:stCondLst>
-                      <p:childTnLst>
-                        <p:par>
-                          <p:cTn id="34" fill="hold">
-                            <p:stCondLst>
-                              <p:cond delay="0"/>
-                            </p:stCondLst>
-                            <p:childTnLst>
-                              <p:par>
-                                <p:cTn id="35" presetID="22" presetClass="entr" presetSubtype="1" fill="hold" grpId="0" nodeType="clickEffect">
-                                  <p:stCondLst>
-                                    <p:cond delay="0"/>
-                                  </p:stCondLst>
-                                  <p:childTnLst>
-                                    <p:set>
-                                      <p:cBhvr>
-                                        <p:cTn id="36" dur="1" fill="hold">
-                                          <p:stCondLst>
-                                            <p:cond delay="0"/>
-                                          </p:stCondLst>
-                                        </p:cTn>
-                                        <p:tgtEl>
-                                          <p:spTgt spid="3">
-                                            <p:txEl>
-                                              <p:pRg st="6" end="6"/>
-                                            </p:txEl>
-                                          </p:spTgt>
-                                        </p:tgtEl>
-                                        <p:attrNameLst>
-                                          <p:attrName>style.visibility</p:attrName>
-                                        </p:attrNameLst>
-                                      </p:cBhvr>
-                                      <p:to>
-                                        <p:strVal val="visible"/>
-                                      </p:to>
-                                    </p:set>
-                                    <p:animEffect transition="in" filter="wipe(up)">
-                                      <p:cBhvr>
-                                        <p:cTn id="37" dur="500"/>
-                                        <p:tgtEl>
-                                          <p:spTgt spid="3">
-                                            <p:txEl>
-                                              <p:pRg st="6" end="6"/>
-                                            </p:txEl>
-                                          </p:spTgt>
-                                        </p:tgtEl>
-                                      </p:cBhvr>
-                                    </p:animEffect>
-                                  </p:childTnLst>
-                                </p:cTn>
-                              </p:par>
-                            </p:childTnLst>
-                          </p:cTn>
-                        </p:par>
-                      </p:childTnLst>
-                    </p:cTn>
-                  </p:par>
-                  <p:par>
-                    <p:cTn id="38" fill="hold">
-                      <p:stCondLst>
-                        <p:cond delay="indefinite"/>
-                      </p:stCondLst>
-                      <p:childTnLst>
-                        <p:par>
-                          <p:cTn id="39" fill="hold">
-                            <p:stCondLst>
-                              <p:cond delay="0"/>
-                            </p:stCondLst>
-                            <p:childTnLst>
-                              <p:par>
-                                <p:cTn id="40" presetID="22" presetClass="entr" presetSubtype="1" fill="hold" grpId="0" nodeType="clickEffect">
-                                  <p:stCondLst>
-                                    <p:cond delay="0"/>
-                                  </p:stCondLst>
-                                  <p:childTnLst>
-                                    <p:set>
-                                      <p:cBhvr>
-                                        <p:cTn id="41" dur="1" fill="hold">
-                                          <p:stCondLst>
-                                            <p:cond delay="0"/>
-                                          </p:stCondLst>
-                                        </p:cTn>
-                                        <p:tgtEl>
-                                          <p:spTgt spid="3">
-                                            <p:txEl>
-                                              <p:pRg st="7" end="7"/>
-                                            </p:txEl>
-                                          </p:spTgt>
-                                        </p:tgtEl>
-                                        <p:attrNameLst>
-                                          <p:attrName>style.visibility</p:attrName>
-                                        </p:attrNameLst>
-                                      </p:cBhvr>
-                                      <p:to>
-                                        <p:strVal val="visible"/>
-                                      </p:to>
-                                    </p:set>
-                                    <p:animEffect transition="in" filter="wipe(up)">
-                                      <p:cBhvr>
-                                        <p:cTn id="42" dur="500"/>
-                                        <p:tgtEl>
-                                          <p:spTgt spid="3">
-                                            <p:txEl>
-                                              <p:pRg st="7" end="7"/>
                                             </p:txEl>
                                           </p:spTgt>
                                         </p:tgtEl>
@@ -5469,16 +5075,14 @@
         </p:nvSpPr>
         <p:spPr/>
         <p:txBody>
-          <a:bodyPr/>
+          <a:bodyPr>
+            <a:normAutofit/>
+          </a:bodyPr>
           <a:lstStyle/>
           <a:p>
             <a:r>
-              <a:rPr lang="sv-SE" dirty="0" err="1" smtClean="0"/>
-              <a:t>Implementation</a:t>
-            </a:r>
-            <a:r>
               <a:rPr lang="sv-SE" dirty="0" smtClean="0"/>
-              <a:t> forts.</a:t>
+              <a:t>Implementering</a:t>
             </a:r>
             <a:endParaRPr lang="sv-SE" dirty="0"/>
           </a:p>
@@ -5496,12 +5100,56 @@
         </p:nvSpPr>
         <p:spPr/>
         <p:txBody>
-          <a:bodyPr/>
+          <a:bodyPr>
+            <a:normAutofit/>
+          </a:bodyPr>
           <a:lstStyle/>
           <a:p>
             <a:r>
+              <a:rPr lang="sv-SE" dirty="0" smtClean="0"/>
+              <a:t>Arbeta i </a:t>
+            </a:r>
+            <a:r>
+              <a:rPr lang="sv-SE" dirty="0" smtClean="0"/>
+              <a:t>sprintar</a:t>
+            </a:r>
+            <a:endParaRPr lang="sv-SE" dirty="0" smtClean="0"/>
+          </a:p>
+          <a:p>
+            <a:r>
               <a:rPr lang="sv-SE" dirty="0" err="1" smtClean="0"/>
-              <a:t>Matlab-modulen</a:t>
+              <a:t>Platform</a:t>
+            </a:r>
+            <a:r>
+              <a:rPr lang="sv-SE" dirty="0" smtClean="0"/>
+              <a:t>:</a:t>
+            </a:r>
+          </a:p>
+          <a:p>
+            <a:pPr lvl="1"/>
+            <a:r>
+              <a:rPr lang="sv-SE" dirty="0" smtClean="0"/>
+              <a:t>Ubuntu</a:t>
+            </a:r>
+          </a:p>
+          <a:p>
+            <a:pPr lvl="1"/>
+            <a:r>
+              <a:rPr lang="sv-SE" dirty="0" smtClean="0"/>
+              <a:t>Matlab</a:t>
+            </a:r>
+          </a:p>
+          <a:p>
+            <a:pPr lvl="1"/>
+            <a:r>
+              <a:rPr lang="sv-SE" dirty="0" smtClean="0"/>
+              <a:t>Python</a:t>
+            </a:r>
+          </a:p>
+          <a:p>
+            <a:r>
+              <a:rPr lang="sv-SE" dirty="0" err="1" smtClean="0"/>
+              <a:t>Python-modulen</a:t>
             </a:r>
             <a:endParaRPr lang="sv-SE" dirty="0" smtClean="0"/>
           </a:p>
@@ -5509,15 +5157,26 @@
             <a:pPr lvl="1"/>
             <a:r>
               <a:rPr lang="sv-SE" dirty="0" smtClean="0"/>
-              <a:t>Användargränssnitt</a:t>
+              <a:t>Läsa av musdata</a:t>
             </a:r>
           </a:p>
           <a:p>
             <a:pPr lvl="1"/>
             <a:r>
               <a:rPr lang="sv-SE" dirty="0" smtClean="0"/>
-              <a:t>Räkna ut flugans virtuella rörelser</a:t>
-            </a:r>
+              <a:t>Startar och stoppar inspelning</a:t>
+            </a:r>
+          </a:p>
+          <a:p>
+            <a:pPr lvl="1"/>
+            <a:endParaRPr lang="sv-SE" dirty="0" smtClean="0"/>
+          </a:p>
+          <a:p>
+            <a:pPr lvl="1"/>
+            <a:endParaRPr lang="sv-SE" dirty="0" smtClean="0"/>
+          </a:p>
+          <a:p>
+            <a:pPr lvl="1"/>
             <a:endParaRPr lang="sv-SE" dirty="0"/>
           </a:p>
         </p:txBody>
@@ -5705,6 +5364,311 @@
                                           <p:spTgt spid="3">
                                             <p:txEl>
                                               <p:pRg st="2" end="2"/>
+                                            </p:txEl>
+                                          </p:spTgt>
+                                        </p:tgtEl>
+                                      </p:cBhvr>
+                                    </p:animEffect>
+                                  </p:childTnLst>
+                                </p:cTn>
+                              </p:par>
+                            </p:childTnLst>
+                          </p:cTn>
+                        </p:par>
+                      </p:childTnLst>
+                    </p:cTn>
+                  </p:par>
+                  <p:par>
+                    <p:cTn id="18" fill="hold">
+                      <p:stCondLst>
+                        <p:cond delay="indefinite"/>
+                      </p:stCondLst>
+                      <p:childTnLst>
+                        <p:par>
+                          <p:cTn id="19" fill="hold">
+                            <p:stCondLst>
+                              <p:cond delay="0"/>
+                            </p:stCondLst>
+                            <p:childTnLst>
+                              <p:par>
+                                <p:cTn id="20" presetID="22" presetClass="entr" presetSubtype="1" fill="hold" grpId="0" nodeType="clickEffect">
+                                  <p:stCondLst>
+                                    <p:cond delay="0"/>
+                                  </p:stCondLst>
+                                  <p:childTnLst>
+                                    <p:set>
+                                      <p:cBhvr>
+                                        <p:cTn id="21" dur="1" fill="hold">
+                                          <p:stCondLst>
+                                            <p:cond delay="0"/>
+                                          </p:stCondLst>
+                                        </p:cTn>
+                                        <p:tgtEl>
+                                          <p:spTgt spid="3">
+                                            <p:txEl>
+                                              <p:pRg st="3" end="3"/>
+                                            </p:txEl>
+                                          </p:spTgt>
+                                        </p:tgtEl>
+                                        <p:attrNameLst>
+                                          <p:attrName>style.visibility</p:attrName>
+                                        </p:attrNameLst>
+                                      </p:cBhvr>
+                                      <p:to>
+                                        <p:strVal val="visible"/>
+                                      </p:to>
+                                    </p:set>
+                                    <p:animEffect transition="in" filter="wipe(up)">
+                                      <p:cBhvr>
+                                        <p:cTn id="22" dur="500"/>
+                                        <p:tgtEl>
+                                          <p:spTgt spid="3">
+                                            <p:txEl>
+                                              <p:pRg st="3" end="3"/>
+                                            </p:txEl>
+                                          </p:spTgt>
+                                        </p:tgtEl>
+                                      </p:cBhvr>
+                                    </p:animEffect>
+                                  </p:childTnLst>
+                                </p:cTn>
+                              </p:par>
+                            </p:childTnLst>
+                          </p:cTn>
+                        </p:par>
+                      </p:childTnLst>
+                    </p:cTn>
+                  </p:par>
+                  <p:par>
+                    <p:cTn id="23" fill="hold">
+                      <p:stCondLst>
+                        <p:cond delay="indefinite"/>
+                      </p:stCondLst>
+                      <p:childTnLst>
+                        <p:par>
+                          <p:cTn id="24" fill="hold">
+                            <p:stCondLst>
+                              <p:cond delay="0"/>
+                            </p:stCondLst>
+                            <p:childTnLst>
+                              <p:par>
+                                <p:cTn id="25" presetID="22" presetClass="entr" presetSubtype="1" fill="hold" grpId="0" nodeType="clickEffect">
+                                  <p:stCondLst>
+                                    <p:cond delay="0"/>
+                                  </p:stCondLst>
+                                  <p:childTnLst>
+                                    <p:set>
+                                      <p:cBhvr>
+                                        <p:cTn id="26" dur="1" fill="hold">
+                                          <p:stCondLst>
+                                            <p:cond delay="0"/>
+                                          </p:stCondLst>
+                                        </p:cTn>
+                                        <p:tgtEl>
+                                          <p:spTgt spid="3">
+                                            <p:txEl>
+                                              <p:pRg st="4" end="4"/>
+                                            </p:txEl>
+                                          </p:spTgt>
+                                        </p:tgtEl>
+                                        <p:attrNameLst>
+                                          <p:attrName>style.visibility</p:attrName>
+                                        </p:attrNameLst>
+                                      </p:cBhvr>
+                                      <p:to>
+                                        <p:strVal val="visible"/>
+                                      </p:to>
+                                    </p:set>
+                                    <p:animEffect transition="in" filter="wipe(up)">
+                                      <p:cBhvr>
+                                        <p:cTn id="27" dur="500"/>
+                                        <p:tgtEl>
+                                          <p:spTgt spid="3">
+                                            <p:txEl>
+                                              <p:pRg st="4" end="4"/>
+                                            </p:txEl>
+                                          </p:spTgt>
+                                        </p:tgtEl>
+                                      </p:cBhvr>
+                                    </p:animEffect>
+                                  </p:childTnLst>
+                                </p:cTn>
+                              </p:par>
+                            </p:childTnLst>
+                          </p:cTn>
+                        </p:par>
+                      </p:childTnLst>
+                    </p:cTn>
+                  </p:par>
+                  <p:par>
+                    <p:cTn id="28" fill="hold">
+                      <p:stCondLst>
+                        <p:cond delay="indefinite"/>
+                      </p:stCondLst>
+                      <p:childTnLst>
+                        <p:par>
+                          <p:cTn id="29" fill="hold">
+                            <p:stCondLst>
+                              <p:cond delay="0"/>
+                            </p:stCondLst>
+                            <p:childTnLst>
+                              <p:par>
+                                <p:cTn id="30" presetID="22" presetClass="entr" presetSubtype="1" fill="hold" grpId="0" nodeType="clickEffect">
+                                  <p:stCondLst>
+                                    <p:cond delay="0"/>
+                                  </p:stCondLst>
+                                  <p:childTnLst>
+                                    <p:set>
+                                      <p:cBhvr>
+                                        <p:cTn id="31" dur="1" fill="hold">
+                                          <p:stCondLst>
+                                            <p:cond delay="0"/>
+                                          </p:stCondLst>
+                                        </p:cTn>
+                                        <p:tgtEl>
+                                          <p:spTgt spid="3">
+                                            <p:txEl>
+                                              <p:pRg st="5" end="5"/>
+                                            </p:txEl>
+                                          </p:spTgt>
+                                        </p:tgtEl>
+                                        <p:attrNameLst>
+                                          <p:attrName>style.visibility</p:attrName>
+                                        </p:attrNameLst>
+                                      </p:cBhvr>
+                                      <p:to>
+                                        <p:strVal val="visible"/>
+                                      </p:to>
+                                    </p:set>
+                                    <p:animEffect transition="in" filter="wipe(up)">
+                                      <p:cBhvr>
+                                        <p:cTn id="32" dur="500"/>
+                                        <p:tgtEl>
+                                          <p:spTgt spid="3">
+                                            <p:txEl>
+                                              <p:pRg st="5" end="5"/>
+                                            </p:txEl>
+                                          </p:spTgt>
+                                        </p:tgtEl>
+                                      </p:cBhvr>
+                                    </p:animEffect>
+                                  </p:childTnLst>
+                                </p:cTn>
+                              </p:par>
+                            </p:childTnLst>
+                          </p:cTn>
+                        </p:par>
+                      </p:childTnLst>
+                    </p:cTn>
+                  </p:par>
+                  <p:par>
+                    <p:cTn id="33" fill="hold">
+                      <p:stCondLst>
+                        <p:cond delay="indefinite"/>
+                      </p:stCondLst>
+                      <p:childTnLst>
+                        <p:par>
+                          <p:cTn id="34" fill="hold">
+                            <p:stCondLst>
+                              <p:cond delay="0"/>
+                            </p:stCondLst>
+                            <p:childTnLst>
+                              <p:par>
+                                <p:cTn id="35" presetID="22" presetClass="entr" presetSubtype="1" fill="hold" grpId="0" nodeType="clickEffect">
+                                  <p:stCondLst>
+                                    <p:cond delay="0"/>
+                                  </p:stCondLst>
+                                  <p:childTnLst>
+                                    <p:set>
+                                      <p:cBhvr>
+                                        <p:cTn id="36" dur="1" fill="hold">
+                                          <p:stCondLst>
+                                            <p:cond delay="0"/>
+                                          </p:stCondLst>
+                                        </p:cTn>
+                                        <p:tgtEl>
+                                          <p:spTgt spid="3">
+                                            <p:txEl>
+                                              <p:pRg st="6" end="6"/>
+                                            </p:txEl>
+                                          </p:spTgt>
+                                        </p:tgtEl>
+                                        <p:attrNameLst>
+                                          <p:attrName>style.visibility</p:attrName>
+                                        </p:attrNameLst>
+                                      </p:cBhvr>
+                                      <p:to>
+                                        <p:strVal val="visible"/>
+                                      </p:to>
+                                    </p:set>
+                                    <p:animEffect transition="in" filter="wipe(up)">
+                                      <p:cBhvr>
+                                        <p:cTn id="37" dur="500"/>
+                                        <p:tgtEl>
+                                          <p:spTgt spid="3">
+                                            <p:txEl>
+                                              <p:pRg st="6" end="6"/>
+                                            </p:txEl>
+                                          </p:spTgt>
+                                        </p:tgtEl>
+                                      </p:cBhvr>
+                                    </p:animEffect>
+                                  </p:childTnLst>
+                                </p:cTn>
+                              </p:par>
+                            </p:childTnLst>
+                          </p:cTn>
+                        </p:par>
+                      </p:childTnLst>
+                    </p:cTn>
+                  </p:par>
+                  <p:par>
+                    <p:cTn id="38" fill="hold">
+                      <p:stCondLst>
+                        <p:cond delay="indefinite"/>
+                      </p:stCondLst>
+                      <p:childTnLst>
+                        <p:par>
+                          <p:cTn id="39" fill="hold">
+                            <p:stCondLst>
+                              <p:cond delay="0"/>
+                            </p:stCondLst>
+                            <p:childTnLst>
+                              <p:par>
+                                <p:cTn id="40" presetID="22" presetClass="entr" presetSubtype="1" fill="hold" grpId="0" nodeType="clickEffect">
+                                  <p:stCondLst>
+                                    <p:cond delay="0"/>
+                                  </p:stCondLst>
+                                  <p:childTnLst>
+                                    <p:set>
+                                      <p:cBhvr>
+                                        <p:cTn id="41" dur="1" fill="hold">
+                                          <p:stCondLst>
+                                            <p:cond delay="0"/>
+                                          </p:stCondLst>
+                                        </p:cTn>
+                                        <p:tgtEl>
+                                          <p:spTgt spid="3">
+                                            <p:txEl>
+                                              <p:pRg st="7" end="7"/>
+                                            </p:txEl>
+                                          </p:spTgt>
+                                        </p:tgtEl>
+                                        <p:attrNameLst>
+                                          <p:attrName>style.visibility</p:attrName>
+                                        </p:attrNameLst>
+                                      </p:cBhvr>
+                                      <p:to>
+                                        <p:strVal val="visible"/>
+                                      </p:to>
+                                    </p:set>
+                                    <p:animEffect transition="in" filter="wipe(up)">
+                                      <p:cBhvr>
+                                        <p:cTn id="42" dur="500"/>
+                                        <p:tgtEl>
+                                          <p:spTgt spid="3">
+                                            <p:txEl>
+                                              <p:pRg st="7" end="7"/>
                                             </p:txEl>
                                           </p:spTgt>
                                         </p:tgtEl>
@@ -5780,83 +5744,12 @@
           <a:lstStyle/>
           <a:p>
             <a:r>
+              <a:rPr lang="sv-SE" dirty="0" err="1" smtClean="0"/>
+              <a:t>Implementation</a:t>
+            </a:r>
+            <a:r>
               <a:rPr lang="sv-SE" dirty="0" smtClean="0"/>
-              <a:t>Resultatet: FlyTracker</a:t>
-            </a:r>
-            <a:endParaRPr lang="sv-SE" dirty="0"/>
-          </a:p>
-        </p:txBody>
-      </p:sp>
-      <p:sp>
-        <p:nvSpPr>
-          <p:cNvPr id="7" name="Platshållare för innehåll 6"/>
-          <p:cNvSpPr>
-            <a:spLocks noGrp="1"/>
-          </p:cNvSpPr>
-          <p:nvPr>
-            <p:ph idx="1"/>
-          </p:nvPr>
-        </p:nvSpPr>
-        <p:spPr/>
-        <p:txBody>
-          <a:bodyPr/>
-          <a:lstStyle/>
-          <a:p>
-            <a:endParaRPr lang="sv-SE"/>
-          </a:p>
-        </p:txBody>
-      </p:sp>
-    </p:spTree>
-  </p:cSld>
-  <p:clrMapOvr>
-    <a:masterClrMapping/>
-  </p:clrMapOvr>
-  <p:transition/>
-  <p:timing>
-    <p:tnLst>
-      <p:par>
-        <p:cTn id="1" dur="indefinite" restart="never" nodeType="tmRoot"/>
-      </p:par>
-    </p:tnLst>
-  </p:timing>
-</p:sld>
-</file>
-
-<file path=ppt/slides/slide13.xml><?xml version="1.0" encoding="utf-8"?>
-<p:sld xmlns:a="http://schemas.openxmlformats.org/drawingml/2006/main" xmlns:r="http://schemas.openxmlformats.org/officeDocument/2006/relationships" xmlns:p="http://schemas.openxmlformats.org/presentationml/2006/main">
-  <p:cSld>
-    <p:spTree>
-      <p:nvGrpSpPr>
-        <p:cNvPr id="1" name=""/>
-        <p:cNvGrpSpPr/>
-        <p:nvPr/>
-      </p:nvGrpSpPr>
-      <p:grpSpPr>
-        <a:xfrm>
-          <a:off x="0" y="0"/>
-          <a:ext cx="0" cy="0"/>
-          <a:chOff x="0" y="0"/>
-          <a:chExt cx="0" cy="0"/>
-        </a:xfrm>
-      </p:grpSpPr>
-      <p:sp>
-        <p:nvSpPr>
-          <p:cNvPr id="2" name="Title 1"/>
-          <p:cNvSpPr>
-            <a:spLocks noGrp="1"/>
-          </p:cNvSpPr>
-          <p:nvPr>
-            <p:ph type="title"/>
-          </p:nvPr>
-        </p:nvSpPr>
-        <p:spPr/>
-        <p:txBody>
-          <a:bodyPr/>
-          <a:lstStyle/>
-          <a:p>
-            <a:r>
-              <a:rPr lang="sv-SE" dirty="0" smtClean="0"/>
-              <a:t>Utvärdering</a:t>
+              <a:t> forts.</a:t>
             </a:r>
             <a:endParaRPr lang="sv-SE" dirty="0"/>
           </a:p>
@@ -5874,65 +5767,29 @@
         </p:nvSpPr>
         <p:spPr/>
         <p:txBody>
-          <a:bodyPr>
-            <a:normAutofit lnSpcReduction="10000"/>
-          </a:bodyPr>
+          <a:bodyPr/>
           <a:lstStyle/>
           <a:p>
             <a:r>
+              <a:rPr lang="sv-SE" dirty="0" err="1" smtClean="0"/>
+              <a:t>Matlab-modulen</a:t>
+            </a:r>
+            <a:endParaRPr lang="sv-SE" dirty="0" smtClean="0"/>
+          </a:p>
+          <a:p>
+            <a:pPr lvl="1"/>
+            <a:r>
               <a:rPr lang="sv-SE" dirty="0" smtClean="0"/>
-              <a:t>Intervju och användarutvärdering</a:t>
-            </a:r>
-          </a:p>
-          <a:p>
+              <a:t>Användargränssnitt</a:t>
+            </a:r>
+          </a:p>
+          <a:p>
+            <a:pPr lvl="1"/>
             <a:r>
               <a:rPr lang="sv-SE" dirty="0" smtClean="0"/>
-              <a:t>Nielsens </a:t>
-            </a:r>
-            <a:r>
-              <a:rPr lang="sv-SE" dirty="0" err="1" smtClean="0"/>
-              <a:t>användarbarhetsheuristik</a:t>
-            </a:r>
-            <a:endParaRPr lang="sv-SE" dirty="0" smtClean="0"/>
-          </a:p>
-          <a:p>
-            <a:r>
-              <a:rPr lang="sv-SE" dirty="0" smtClean="0"/>
-              <a:t>Resultat:</a:t>
-            </a:r>
-          </a:p>
-          <a:p>
-            <a:pPr lvl="1"/>
-            <a:r>
-              <a:rPr lang="sv-SE" dirty="0" smtClean="0"/>
-              <a:t>Överlag hög </a:t>
-            </a:r>
-            <a:r>
-              <a:rPr lang="sv-SE" dirty="0" err="1" smtClean="0"/>
-              <a:t>användarbarhet</a:t>
-            </a:r>
-            <a:endParaRPr lang="sv-SE" dirty="0" smtClean="0"/>
-          </a:p>
-          <a:p>
-            <a:pPr lvl="1"/>
-            <a:r>
-              <a:rPr lang="sv-SE" dirty="0" smtClean="0"/>
-              <a:t>Plottningen och datasparningsfunktionen bäst</a:t>
-            </a:r>
-          </a:p>
-          <a:p>
-            <a:pPr lvl="1"/>
-            <a:r>
-              <a:rPr lang="sv-SE" dirty="0" smtClean="0"/>
-              <a:t>Problem: Användaren tappar kontroll över muspekaren under experiment</a:t>
-            </a:r>
-          </a:p>
-          <a:p>
-            <a:pPr lvl="1"/>
-            <a:r>
-              <a:rPr lang="sv-SE" dirty="0" smtClean="0"/>
-              <a:t>Mindre problem: Presentera mer information, bättre ordval</a:t>
-            </a:r>
+              <a:t>Räkna ut flugans virtuella rörelser</a:t>
+            </a:r>
+            <a:endParaRPr lang="sv-SE" dirty="0"/>
           </a:p>
         </p:txBody>
       </p:sp>
@@ -5963,7 +5820,7 @@
                             </p:stCondLst>
                             <p:childTnLst>
                               <p:par>
-                                <p:cTn id="5" presetID="10" presetClass="entr" presetSubtype="0" fill="hold" grpId="0" nodeType="clickEffect">
+                                <p:cTn id="5" presetID="22" presetClass="entr" presetSubtype="1" fill="hold" grpId="0" nodeType="clickEffect">
                                   <p:stCondLst>
                                     <p:cond delay="0"/>
                                   </p:stCondLst>
@@ -5990,9 +5847,9 @@
                                         <p:strVal val="visible"/>
                                       </p:to>
                                     </p:set>
-                                    <p:animEffect transition="in" filter="fade">
-                                      <p:cBhvr>
-                                        <p:cTn id="7" dur="2000"/>
+                                    <p:animEffect transition="in" filter="wipe(up)">
+                                      <p:cBhvr>
+                                        <p:cTn id="7" dur="500"/>
                                         <p:tgtEl>
                                           <p:spTgt spid="3">
                                             <p:txEl>
@@ -6024,7 +5881,7 @@
                             </p:stCondLst>
                             <p:childTnLst>
                               <p:par>
-                                <p:cTn id="10" presetID="10" presetClass="entr" presetSubtype="0" fill="hold" grpId="0" nodeType="clickEffect">
+                                <p:cTn id="10" presetID="22" presetClass="entr" presetSubtype="1" fill="hold" grpId="0" nodeType="clickEffect">
                                   <p:stCondLst>
                                     <p:cond delay="0"/>
                                   </p:stCondLst>
@@ -6051,9 +5908,9 @@
                                         <p:strVal val="visible"/>
                                       </p:to>
                                     </p:set>
-                                    <p:animEffect transition="in" filter="fade">
-                                      <p:cBhvr>
-                                        <p:cTn id="12" dur="2000"/>
+                                    <p:animEffect transition="in" filter="wipe(up)">
+                                      <p:cBhvr>
+                                        <p:cTn id="12" dur="500"/>
                                         <p:tgtEl>
                                           <p:spTgt spid="3">
                                             <p:txEl>
@@ -6085,7 +5942,7 @@
                             </p:stCondLst>
                             <p:childTnLst>
                               <p:par>
-                                <p:cTn id="15" presetID="10" presetClass="entr" presetSubtype="0" fill="hold" grpId="0" nodeType="clickEffect">
+                                <p:cTn id="15" presetID="22" presetClass="entr" presetSubtype="1" fill="hold" grpId="0" nodeType="clickEffect">
                                   <p:stCondLst>
                                     <p:cond delay="0"/>
                                   </p:stCondLst>
@@ -6112,239 +5969,13 @@
                                         <p:strVal val="visible"/>
                                       </p:to>
                                     </p:set>
-                                    <p:animEffect transition="in" filter="fade">
-                                      <p:cBhvr>
-                                        <p:cTn id="17" dur="2000"/>
+                                    <p:animEffect transition="in" filter="wipe(up)">
+                                      <p:cBhvr>
+                                        <p:cTn id="17" dur="500"/>
                                         <p:tgtEl>
                                           <p:spTgt spid="3">
                                             <p:txEl>
                                               <p:pRg st="2" end="2"/>
-                                            </p:txEl>
-                                          </p:spTgt>
-                                        </p:tgtEl>
-                                      </p:cBhvr>
-                                    </p:animEffect>
-                                  </p:childTnLst>
-                                </p:cTn>
-                              </p:par>
-                            </p:childTnLst>
-                          </p:cTn>
-                        </p:par>
-                      </p:childTnLst>
-                    </p:cTn>
-                  </p:par>
-                  <p:par>
-                    <p:cTn id="18" fill="hold">
-                      <p:stCondLst>
-                        <p:cond delay="indefinite"/>
-                      </p:stCondLst>
-                      <p:childTnLst>
-                        <p:par>
-                          <p:cTn id="19" fill="hold">
-                            <p:stCondLst>
-                              <p:cond delay="0"/>
-                            </p:stCondLst>
-                            <p:childTnLst>
-                              <p:par>
-                                <p:cTn id="20" presetID="10" presetClass="entr" presetSubtype="0" fill="hold" grpId="0" nodeType="clickEffect">
-                                  <p:stCondLst>
-                                    <p:cond delay="0"/>
-                                  </p:stCondLst>
-                                  <p:childTnLst>
-                                    <p:set>
-                                      <p:cBhvr>
-                                        <p:cTn id="21" dur="1" fill="hold">
-                                          <p:stCondLst>
-                                            <p:cond delay="0"/>
-                                          </p:stCondLst>
-                                        </p:cTn>
-                                        <p:tgtEl>
-                                          <p:spTgt spid="3">
-                                            <p:txEl>
-                                              <p:pRg st="3" end="3"/>
-                                            </p:txEl>
-                                          </p:spTgt>
-                                        </p:tgtEl>
-                                        <p:attrNameLst>
-                                          <p:attrName>style.visibility</p:attrName>
-                                        </p:attrNameLst>
-                                      </p:cBhvr>
-                                      <p:to>
-                                        <p:strVal val="visible"/>
-                                      </p:to>
-                                    </p:set>
-                                    <p:animEffect transition="in" filter="fade">
-                                      <p:cBhvr>
-                                        <p:cTn id="22" dur="2000"/>
-                                        <p:tgtEl>
-                                          <p:spTgt spid="3">
-                                            <p:txEl>
-                                              <p:pRg st="3" end="3"/>
-                                            </p:txEl>
-                                          </p:spTgt>
-                                        </p:tgtEl>
-                                      </p:cBhvr>
-                                    </p:animEffect>
-                                  </p:childTnLst>
-                                </p:cTn>
-                              </p:par>
-                              <p:par>
-                                <p:cTn id="23" presetID="10" presetClass="entr" presetSubtype="0" fill="hold" grpId="0" nodeType="withEffect">
-                                  <p:stCondLst>
-                                    <p:cond delay="0"/>
-                                  </p:stCondLst>
-                                  <p:childTnLst>
-                                    <p:set>
-                                      <p:cBhvr>
-                                        <p:cTn id="24" dur="1" fill="hold">
-                                          <p:stCondLst>
-                                            <p:cond delay="0"/>
-                                          </p:stCondLst>
-                                        </p:cTn>
-                                        <p:tgtEl>
-                                          <p:spTgt spid="3">
-                                            <p:txEl>
-                                              <p:pRg st="4" end="4"/>
-                                            </p:txEl>
-                                          </p:spTgt>
-                                        </p:tgtEl>
-                                        <p:attrNameLst>
-                                          <p:attrName>style.visibility</p:attrName>
-                                        </p:attrNameLst>
-                                      </p:cBhvr>
-                                      <p:to>
-                                        <p:strVal val="visible"/>
-                                      </p:to>
-                                    </p:set>
-                                    <p:animEffect transition="in" filter="fade">
-                                      <p:cBhvr>
-                                        <p:cTn id="25" dur="2000"/>
-                                        <p:tgtEl>
-                                          <p:spTgt spid="3">
-                                            <p:txEl>
-                                              <p:pRg st="4" end="4"/>
-                                            </p:txEl>
-                                          </p:spTgt>
-                                        </p:tgtEl>
-                                      </p:cBhvr>
-                                    </p:animEffect>
-                                  </p:childTnLst>
-                                </p:cTn>
-                              </p:par>
-                            </p:childTnLst>
-                          </p:cTn>
-                        </p:par>
-                      </p:childTnLst>
-                    </p:cTn>
-                  </p:par>
-                  <p:par>
-                    <p:cTn id="26" fill="hold">
-                      <p:stCondLst>
-                        <p:cond delay="indefinite"/>
-                      </p:stCondLst>
-                      <p:childTnLst>
-                        <p:par>
-                          <p:cTn id="27" fill="hold">
-                            <p:stCondLst>
-                              <p:cond delay="0"/>
-                            </p:stCondLst>
-                            <p:childTnLst>
-                              <p:par>
-                                <p:cTn id="28" presetID="10" presetClass="entr" presetSubtype="0" fill="hold" grpId="0" nodeType="clickEffect">
-                                  <p:stCondLst>
-                                    <p:cond delay="0"/>
-                                  </p:stCondLst>
-                                  <p:childTnLst>
-                                    <p:set>
-                                      <p:cBhvr>
-                                        <p:cTn id="29" dur="1" fill="hold">
-                                          <p:stCondLst>
-                                            <p:cond delay="0"/>
-                                          </p:stCondLst>
-                                        </p:cTn>
-                                        <p:tgtEl>
-                                          <p:spTgt spid="3">
-                                            <p:txEl>
-                                              <p:pRg st="5" end="5"/>
-                                            </p:txEl>
-                                          </p:spTgt>
-                                        </p:tgtEl>
-                                        <p:attrNameLst>
-                                          <p:attrName>style.visibility</p:attrName>
-                                        </p:attrNameLst>
-                                      </p:cBhvr>
-                                      <p:to>
-                                        <p:strVal val="visible"/>
-                                      </p:to>
-                                    </p:set>
-                                    <p:animEffect transition="in" filter="fade">
-                                      <p:cBhvr>
-                                        <p:cTn id="30" dur="2000"/>
-                                        <p:tgtEl>
-                                          <p:spTgt spid="3">
-                                            <p:txEl>
-                                              <p:pRg st="5" end="5"/>
-                                            </p:txEl>
-                                          </p:spTgt>
-                                        </p:tgtEl>
-                                      </p:cBhvr>
-                                    </p:animEffect>
-                                  </p:childTnLst>
-                                </p:cTn>
-                              </p:par>
-                            </p:childTnLst>
-                          </p:cTn>
-                        </p:par>
-                      </p:childTnLst>
-                    </p:cTn>
-                  </p:par>
-                  <p:par>
-                    <p:cTn id="31" fill="hold">
-                      <p:stCondLst>
-                        <p:cond delay="indefinite"/>
-                      </p:stCondLst>
-                      <p:childTnLst>
-                        <p:par>
-                          <p:cTn id="32" fill="hold">
-                            <p:stCondLst>
-                              <p:cond delay="0"/>
-                            </p:stCondLst>
-                            <p:childTnLst>
-                              <p:par>
-                                <p:cTn id="33" presetID="10" presetClass="entr" presetSubtype="0" fill="hold" grpId="0" nodeType="clickEffect">
-                                  <p:stCondLst>
-                                    <p:cond delay="0"/>
-                                  </p:stCondLst>
-                                  <p:childTnLst>
-                                    <p:set>
-                                      <p:cBhvr>
-                                        <p:cTn id="34" dur="1" fill="hold">
-                                          <p:stCondLst>
-                                            <p:cond delay="0"/>
-                                          </p:stCondLst>
-                                        </p:cTn>
-                                        <p:tgtEl>
-                                          <p:spTgt spid="3">
-                                            <p:txEl>
-                                              <p:pRg st="6" end="6"/>
-                                            </p:txEl>
-                                          </p:spTgt>
-                                        </p:tgtEl>
-                                        <p:attrNameLst>
-                                          <p:attrName>style.visibility</p:attrName>
-                                        </p:attrNameLst>
-                                      </p:cBhvr>
-                                      <p:to>
-                                        <p:strVal val="visible"/>
-                                      </p:to>
-                                    </p:set>
-                                    <p:animEffect transition="in" filter="fade">
-                                      <p:cBhvr>
-                                        <p:cTn id="35" dur="2000"/>
-                                        <p:tgtEl>
-                                          <p:spTgt spid="3">
-                                            <p:txEl>
-                                              <p:pRg st="6" end="6"/>
                                             </p:txEl>
                                           </p:spTgt>
                                         </p:tgtEl>
@@ -6387,6 +6018,101 @@
 </p:sld>
 </file>
 
+<file path=ppt/slides/slide13.xml><?xml version="1.0" encoding="utf-8"?>
+<p:sld xmlns:a="http://schemas.openxmlformats.org/drawingml/2006/main" xmlns:r="http://schemas.openxmlformats.org/officeDocument/2006/relationships" xmlns:p="http://schemas.openxmlformats.org/presentationml/2006/main">
+  <p:cSld>
+    <p:spTree>
+      <p:nvGrpSpPr>
+        <p:cNvPr id="1" name=""/>
+        <p:cNvGrpSpPr/>
+        <p:nvPr/>
+      </p:nvGrpSpPr>
+      <p:grpSpPr>
+        <a:xfrm>
+          <a:off x="0" y="0"/>
+          <a:ext cx="0" cy="0"/>
+          <a:chOff x="0" y="0"/>
+          <a:chExt cx="0" cy="0"/>
+        </a:xfrm>
+      </p:grpSpPr>
+      <p:sp>
+        <p:nvSpPr>
+          <p:cNvPr id="2" name="Rubrik 1"/>
+          <p:cNvSpPr>
+            <a:spLocks noGrp="1"/>
+          </p:cNvSpPr>
+          <p:nvPr>
+            <p:ph type="title"/>
+          </p:nvPr>
+        </p:nvSpPr>
+        <p:spPr/>
+        <p:txBody>
+          <a:bodyPr/>
+          <a:lstStyle/>
+          <a:p>
+            <a:r>
+              <a:rPr lang="sv-SE" dirty="0" smtClean="0"/>
+              <a:t>Resultatet: </a:t>
+            </a:r>
+            <a:r>
+              <a:rPr lang="sv-SE" dirty="0" err="1" smtClean="0"/>
+              <a:t>FlyTracker</a:t>
+            </a:r>
+            <a:endParaRPr lang="sv-SE" dirty="0"/>
+          </a:p>
+        </p:txBody>
+      </p:sp>
+      <p:sp>
+        <p:nvSpPr>
+          <p:cNvPr id="3" name="Platshållare för innehåll 2"/>
+          <p:cNvSpPr>
+            <a:spLocks noGrp="1"/>
+          </p:cNvSpPr>
+          <p:nvPr>
+            <p:ph idx="1"/>
+          </p:nvPr>
+        </p:nvSpPr>
+        <p:spPr/>
+        <p:txBody>
+          <a:bodyPr/>
+          <a:lstStyle/>
+          <a:p>
+            <a:r>
+              <a:rPr lang="sv-SE" dirty="0" smtClean="0"/>
+              <a:t>Uppfyller alla krav i kravdokumentet (och några till)</a:t>
+            </a:r>
+          </a:p>
+          <a:p>
+            <a:r>
+              <a:rPr lang="sv-SE" dirty="0" smtClean="0"/>
+              <a:t>Används dagligen i labbet</a:t>
+            </a:r>
+            <a:r>
+              <a:rPr lang="sv-SE" dirty="0" smtClean="0"/>
+              <a:t> </a:t>
+            </a:r>
+            <a:r>
+              <a:rPr lang="sv-SE" dirty="0" smtClean="0"/>
+              <a:t>för riktig forskning</a:t>
+            </a:r>
+          </a:p>
+          <a:p>
+            <a:r>
+              <a:rPr lang="sv-SE" dirty="0" smtClean="0"/>
+              <a:t>Efterfrågan från andra universitet</a:t>
+            </a:r>
+          </a:p>
+        </p:txBody>
+      </p:sp>
+    </p:spTree>
+  </p:cSld>
+  <p:clrMapOvr>
+    <a:masterClrMapping/>
+  </p:clrMapOvr>
+  <p:transition/>
+</p:sld>
+</file>
+
 <file path=ppt/slides/slide14.xml><?xml version="1.0" encoding="utf-8"?>
 <p:sld xmlns:a="http://schemas.openxmlformats.org/drawingml/2006/main" xmlns:r="http://schemas.openxmlformats.org/officeDocument/2006/relationships" xmlns:p="http://schemas.openxmlformats.org/presentationml/2006/main">
   <p:cSld>
@@ -6406,6 +6132,105 @@
       </p:grpSpPr>
       <p:sp>
         <p:nvSpPr>
+          <p:cNvPr id="4" name="Rubrik 3"/>
+          <p:cNvSpPr>
+            <a:spLocks noGrp="1"/>
+          </p:cNvSpPr>
+          <p:nvPr>
+            <p:ph type="title"/>
+          </p:nvPr>
+        </p:nvSpPr>
+        <p:spPr/>
+        <p:txBody>
+          <a:bodyPr/>
+          <a:lstStyle/>
+          <a:p>
+            <a:endParaRPr lang="sv-SE"/>
+          </a:p>
+        </p:txBody>
+      </p:sp>
+      <p:sp>
+        <p:nvSpPr>
+          <p:cNvPr id="5" name="Platshållare för innehåll 4"/>
+          <p:cNvSpPr>
+            <a:spLocks noGrp="1"/>
+          </p:cNvSpPr>
+          <p:nvPr>
+            <p:ph sz="half" idx="1"/>
+          </p:nvPr>
+        </p:nvSpPr>
+        <p:spPr/>
+        <p:txBody>
+          <a:bodyPr/>
+          <a:lstStyle/>
+          <a:p>
+            <a:r>
+              <a:rPr lang="sv-SE" dirty="0" err="1" smtClean="0"/>
+              <a:t>Insert</a:t>
+            </a:r>
+            <a:r>
+              <a:rPr lang="sv-SE" dirty="0" smtClean="0"/>
+              <a:t> </a:t>
+            </a:r>
+            <a:r>
+              <a:rPr lang="sv-SE" dirty="0" err="1" smtClean="0"/>
+              <a:t>actual</a:t>
+            </a:r>
+            <a:r>
+              <a:rPr lang="sv-SE" dirty="0" smtClean="0"/>
+              <a:t> interface	</a:t>
+            </a:r>
+            <a:endParaRPr lang="sv-SE" dirty="0"/>
+          </a:p>
+        </p:txBody>
+      </p:sp>
+      <p:sp>
+        <p:nvSpPr>
+          <p:cNvPr id="6" name="Platshållare för innehåll 5"/>
+          <p:cNvSpPr>
+            <a:spLocks noGrp="1"/>
+          </p:cNvSpPr>
+          <p:nvPr>
+            <p:ph sz="half" idx="2"/>
+          </p:nvPr>
+        </p:nvSpPr>
+        <p:spPr/>
+        <p:txBody>
+          <a:bodyPr/>
+          <a:lstStyle/>
+          <a:p>
+            <a:endParaRPr lang="sv-SE" dirty="0"/>
+          </a:p>
+        </p:txBody>
+      </p:sp>
+    </p:spTree>
+  </p:cSld>
+  <p:clrMapOvr>
+    <a:masterClrMapping/>
+  </p:clrMapOvr>
+  <p:transition/>
+</p:sld>
+</file>
+
+<file path=ppt/slides/slide15.xml><?xml version="1.0" encoding="utf-8"?>
+<p:sld xmlns:a="http://schemas.openxmlformats.org/drawingml/2006/main" xmlns:r="http://schemas.openxmlformats.org/officeDocument/2006/relationships" xmlns:p="http://schemas.openxmlformats.org/presentationml/2006/main">
+  <p:cSld>
+    <p:spTree>
+      <p:nvGrpSpPr>
+        <p:cNvPr id="1" name=""/>
+        <p:cNvGrpSpPr/>
+        <p:nvPr/>
+      </p:nvGrpSpPr>
+      <p:grpSpPr>
+        <a:xfrm>
+          <a:off x="0" y="0"/>
+          <a:ext cx="0" cy="0"/>
+          <a:chOff x="0" y="0"/>
+          <a:chExt cx="0" cy="0"/>
+        </a:xfrm>
+      </p:grpSpPr>
+      <p:sp>
+        <p:nvSpPr>
           <p:cNvPr id="2" name="Title 1"/>
           <p:cNvSpPr>
             <a:spLocks noGrp="1"/>
@@ -6421,7 +6246,234 @@
           <a:p>
             <a:r>
               <a:rPr lang="sv-SE" dirty="0" smtClean="0"/>
-              <a:t>Sammanfattning</a:t>
+              <a:t>Resultatet: </a:t>
+            </a:r>
+            <a:r>
+              <a:rPr lang="sv-SE" dirty="0" err="1" smtClean="0"/>
+              <a:t>FlyTracker</a:t>
+            </a:r>
+            <a:endParaRPr lang="sv-SE" dirty="0"/>
+          </a:p>
+        </p:txBody>
+      </p:sp>
+      <p:pic>
+        <p:nvPicPr>
+          <p:cNvPr id="6" name="presentationvideo.avi">
+            <a:hlinkClick r:id="" action="ppaction://media"/>
+          </p:cNvPr>
+          <p:cNvPicPr>
+            <a:picLocks noGrp="1" noRot="1" noChangeAspect="1"/>
+          </p:cNvPicPr>
+          <p:nvPr>
+            <p:ph idx="1"/>
+            <a:videoFile r:link="rId1"/>
+          </p:nvPr>
+        </p:nvPicPr>
+        <p:blipFill>
+          <a:blip r:embed="rId3" cstate="print"/>
+          <a:stretch>
+            <a:fillRect/>
+          </a:stretch>
+        </p:blipFill>
+        <p:spPr>
+          <a:xfrm>
+            <a:off x="1115616" y="2276872"/>
+            <a:ext cx="7890070" cy="3500652"/>
+          </a:xfrm>
+          <a:prstGeom prst="rect">
+            <a:avLst/>
+          </a:prstGeom>
+        </p:spPr>
+      </p:pic>
+    </p:spTree>
+  </p:cSld>
+  <p:clrMapOvr>
+    <a:masterClrMapping/>
+  </p:clrMapOvr>
+  <p:transition/>
+  <p:timing>
+    <p:tnLst>
+      <p:par>
+        <p:cTn id="1" dur="indefinite" restart="never" nodeType="tmRoot">
+          <p:childTnLst>
+            <p:seq concurrent="1" nextAc="seek">
+              <p:cTn id="2" dur="indefinite" nodeType="mainSeq">
+                <p:childTnLst>
+                  <p:par>
+                    <p:cTn id="3" fill="hold">
+                      <p:stCondLst>
+                        <p:cond delay="indefinite"/>
+                        <p:cond evt="onBegin" delay="0">
+                          <p:tn val="2"/>
+                        </p:cond>
+                      </p:stCondLst>
+                      <p:childTnLst>
+                        <p:par>
+                          <p:cTn id="4" fill="hold">
+                            <p:stCondLst>
+                              <p:cond delay="0"/>
+                            </p:stCondLst>
+                            <p:childTnLst>
+                              <p:par>
+                                <p:cTn id="5" presetID="1" presetClass="mediacall" presetSubtype="0" fill="hold" nodeType="afterEffect">
+                                  <p:stCondLst>
+                                    <p:cond delay="0"/>
+                                  </p:stCondLst>
+                                  <p:childTnLst>
+                                    <p:cmd type="call" cmd="playFrom(0.0)">
+                                      <p:cBhvr>
+                                        <p:cTn id="6" dur="1" fill="hold"/>
+                                        <p:tgtEl>
+                                          <p:spTgt spid="6"/>
+                                        </p:tgtEl>
+                                      </p:cBhvr>
+                                    </p:cmd>
+                                  </p:childTnLst>
+                                </p:cTn>
+                              </p:par>
+                            </p:childTnLst>
+                          </p:cTn>
+                        </p:par>
+                      </p:childTnLst>
+                    </p:cTn>
+                  </p:par>
+                </p:childTnLst>
+              </p:cTn>
+              <p:prevCondLst>
+                <p:cond evt="onPrev" delay="0">
+                  <p:tgtEl>
+                    <p:sldTgt/>
+                  </p:tgtEl>
+                </p:cond>
+              </p:prevCondLst>
+              <p:nextCondLst>
+                <p:cond evt="onNext" delay="0">
+                  <p:tgtEl>
+                    <p:sldTgt/>
+                  </p:tgtEl>
+                </p:cond>
+              </p:nextCondLst>
+            </p:seq>
+            <p:video>
+              <p:cMediaNode numSld="999">
+                <p:cTn id="7" fill="hold" display="0">
+                  <p:stCondLst>
+                    <p:cond delay="indefinite"/>
+                  </p:stCondLst>
+                  <p:endCondLst>
+                    <p:cond evt="onPrev" delay="0">
+                      <p:tgtEl>
+                        <p:sldTgt/>
+                      </p:tgtEl>
+                    </p:cond>
+                  </p:endCondLst>
+                </p:cTn>
+                <p:tgtEl>
+                  <p:spTgt spid="6"/>
+                </p:tgtEl>
+              </p:cMediaNode>
+            </p:video>
+            <p:seq concurrent="1" nextAc="seek">
+              <p:cTn id="8" restart="whenNotActive" fill="hold" evtFilter="cancelBubble" nodeType="interactiveSeq">
+                <p:stCondLst>
+                  <p:cond evt="onClick" delay="0">
+                    <p:tgtEl>
+                      <p:spTgt spid="6"/>
+                    </p:tgtEl>
+                  </p:cond>
+                </p:stCondLst>
+                <p:endSync evt="end" delay="0">
+                  <p:rtn val="all"/>
+                </p:endSync>
+                <p:childTnLst>
+                  <p:par>
+                    <p:cTn id="9" fill="hold">
+                      <p:stCondLst>
+                        <p:cond delay="0"/>
+                      </p:stCondLst>
+                      <p:childTnLst>
+                        <p:par>
+                          <p:cTn id="10" fill="hold">
+                            <p:stCondLst>
+                              <p:cond delay="0"/>
+                            </p:stCondLst>
+                            <p:childTnLst>
+                              <p:par>
+                                <p:cTn id="11" presetID="2" presetClass="mediacall" presetSubtype="0" fill="hold" nodeType="clickEffect">
+                                  <p:stCondLst>
+                                    <p:cond delay="0"/>
+                                  </p:stCondLst>
+                                  <p:childTnLst>
+                                    <p:cmd type="call" cmd="togglePause">
+                                      <p:cBhvr>
+                                        <p:cTn id="12" dur="1" fill="hold"/>
+                                        <p:tgtEl>
+                                          <p:spTgt spid="6"/>
+                                        </p:tgtEl>
+                                      </p:cBhvr>
+                                    </p:cmd>
+                                  </p:childTnLst>
+                                </p:cTn>
+                              </p:par>
+                            </p:childTnLst>
+                          </p:cTn>
+                        </p:par>
+                      </p:childTnLst>
+                    </p:cTn>
+                  </p:par>
+                </p:childTnLst>
+              </p:cTn>
+              <p:nextCondLst>
+                <p:cond evt="onClick" delay="0">
+                  <p:tgtEl>
+                    <p:spTgt spid="6"/>
+                  </p:tgtEl>
+                </p:cond>
+              </p:nextCondLst>
+            </p:seq>
+          </p:childTnLst>
+        </p:cTn>
+      </p:par>
+    </p:tnLst>
+  </p:timing>
+</p:sld>
+</file>
+
+<file path=ppt/slides/slide16.xml><?xml version="1.0" encoding="utf-8"?>
+<p:sld xmlns:a="http://schemas.openxmlformats.org/drawingml/2006/main" xmlns:r="http://schemas.openxmlformats.org/officeDocument/2006/relationships" xmlns:p="http://schemas.openxmlformats.org/presentationml/2006/main">
+  <p:cSld>
+    <p:spTree>
+      <p:nvGrpSpPr>
+        <p:cNvPr id="1" name=""/>
+        <p:cNvGrpSpPr/>
+        <p:nvPr/>
+      </p:nvGrpSpPr>
+      <p:grpSpPr>
+        <a:xfrm>
+          <a:off x="0" y="0"/>
+          <a:ext cx="0" cy="0"/>
+          <a:chOff x="0" y="0"/>
+          <a:chExt cx="0" cy="0"/>
+        </a:xfrm>
+      </p:grpSpPr>
+      <p:sp>
+        <p:nvSpPr>
+          <p:cNvPr id="2" name="Title 1"/>
+          <p:cNvSpPr>
+            <a:spLocks noGrp="1"/>
+          </p:cNvSpPr>
+          <p:nvPr>
+            <p:ph type="title"/>
+          </p:nvPr>
+        </p:nvSpPr>
+        <p:spPr/>
+        <p:txBody>
+          <a:bodyPr/>
+          <a:lstStyle/>
+          <a:p>
+            <a:r>
+              <a:rPr lang="sv-SE" dirty="0" smtClean="0"/>
+              <a:t>Utvärdering</a:t>
             </a:r>
             <a:endParaRPr lang="sv-SE" dirty="0"/>
           </a:p>
@@ -6440,70 +6492,63 @@
         <p:spPr/>
         <p:txBody>
           <a:bodyPr>
-            <a:normAutofit/>
+            <a:normAutofit lnSpcReduction="10000"/>
           </a:bodyPr>
           <a:lstStyle/>
           <a:p>
             <a:r>
               <a:rPr lang="sv-SE" dirty="0" smtClean="0"/>
-              <a:t>Syfte: Användarvänligt och funktionellt </a:t>
+              <a:t>Intervju och användarutvärdering</a:t>
+            </a:r>
+          </a:p>
+          <a:p>
+            <a:r>
+              <a:rPr lang="sv-SE" dirty="0" smtClean="0"/>
+              <a:t>Nielsens </a:t>
             </a:r>
             <a:r>
               <a:rPr lang="sv-SE" dirty="0" err="1" smtClean="0"/>
-              <a:t>mjukvarusystem</a:t>
+              <a:t>användarbarhetsheuristik</a:t>
             </a:r>
             <a:endParaRPr lang="sv-SE" dirty="0" smtClean="0"/>
           </a:p>
           <a:p>
             <a:r>
               <a:rPr lang="sv-SE" dirty="0" smtClean="0"/>
-              <a:t>Resultat: </a:t>
+              <a:t>Resultat:</a:t>
+            </a:r>
+          </a:p>
+          <a:p>
+            <a:pPr lvl="1"/>
+            <a:r>
+              <a:rPr lang="sv-SE" dirty="0" smtClean="0"/>
+              <a:t>Överlag hög </a:t>
             </a:r>
             <a:r>
               <a:rPr lang="sv-SE" dirty="0" err="1" smtClean="0"/>
-              <a:t>FlyTracker</a:t>
+              <a:t>användarbarhet</a:t>
             </a:r>
             <a:endParaRPr lang="sv-SE" dirty="0" smtClean="0"/>
           </a:p>
           <a:p>
+            <a:pPr lvl="1"/>
             <a:r>
               <a:rPr lang="sv-SE" dirty="0" smtClean="0"/>
-              <a:t>Utmaningar:</a:t>
+              <a:t>Plottningen och datasparningsfunktionen bäst</a:t>
             </a:r>
           </a:p>
           <a:p>
             <a:pPr lvl="1"/>
             <a:r>
               <a:rPr lang="sv-SE" dirty="0" smtClean="0"/>
-              <a:t>Kalibrering</a:t>
+              <a:t>Problem: Användaren tappar kontroll över muspekaren under experiment</a:t>
             </a:r>
           </a:p>
           <a:p>
             <a:pPr lvl="1"/>
             <a:r>
-              <a:rPr lang="sv-SE" dirty="0" err="1" smtClean="0"/>
-              <a:t>Trigger</a:t>
-            </a:r>
-            <a:endParaRPr lang="sv-SE" dirty="0" smtClean="0"/>
-          </a:p>
-          <a:p>
-            <a:pPr lvl="1"/>
-            <a:r>
               <a:rPr lang="sv-SE" dirty="0" smtClean="0"/>
-              <a:t>Kortare sprintar</a:t>
-            </a:r>
-          </a:p>
-          <a:p>
-            <a:r>
-              <a:rPr lang="sv-SE" dirty="0" smtClean="0"/>
-              <a:t>Vidare forskning</a:t>
-            </a:r>
-          </a:p>
-          <a:p>
-            <a:pPr lvl="1"/>
-            <a:r>
-              <a:rPr lang="sv-SE" dirty="0" smtClean="0"/>
-              <a:t>Utvärdering av naiva användare</a:t>
+              <a:t>Mindre problem: Presentera mer information, bättre ordval</a:t>
             </a:r>
           </a:p>
         </p:txBody>
@@ -6535,7 +6580,7 @@
                             </p:stCondLst>
                             <p:childTnLst>
                               <p:par>
-                                <p:cTn id="5" presetID="22" presetClass="entr" presetSubtype="1" fill="hold" grpId="0" nodeType="clickEffect">
+                                <p:cTn id="5" presetID="10" presetClass="entr" presetSubtype="0" fill="hold" grpId="0" nodeType="clickEffect">
                                   <p:stCondLst>
                                     <p:cond delay="0"/>
                                   </p:stCondLst>
@@ -6562,9 +6607,9 @@
                                         <p:strVal val="visible"/>
                                       </p:to>
                                     </p:set>
-                                    <p:animEffect transition="in" filter="wipe(up)">
-                                      <p:cBhvr>
-                                        <p:cTn id="7" dur="500"/>
+                                    <p:animEffect transition="in" filter="fade">
+                                      <p:cBhvr>
+                                        <p:cTn id="7" dur="2000"/>
                                         <p:tgtEl>
                                           <p:spTgt spid="3">
                                             <p:txEl>
@@ -6596,7 +6641,7 @@
                             </p:stCondLst>
                             <p:childTnLst>
                               <p:par>
-                                <p:cTn id="10" presetID="22" presetClass="entr" presetSubtype="1" fill="hold" grpId="0" nodeType="clickEffect">
+                                <p:cTn id="10" presetID="10" presetClass="entr" presetSubtype="0" fill="hold" grpId="0" nodeType="clickEffect">
                                   <p:stCondLst>
                                     <p:cond delay="0"/>
                                   </p:stCondLst>
@@ -6623,9 +6668,9 @@
                                         <p:strVal val="visible"/>
                                       </p:to>
                                     </p:set>
-                                    <p:animEffect transition="in" filter="wipe(up)">
-                                      <p:cBhvr>
-                                        <p:cTn id="12" dur="500"/>
+                                    <p:animEffect transition="in" filter="fade">
+                                      <p:cBhvr>
+                                        <p:cTn id="12" dur="2000"/>
                                         <p:tgtEl>
                                           <p:spTgt spid="3">
                                             <p:txEl>
@@ -6657,7 +6702,7 @@
                             </p:stCondLst>
                             <p:childTnLst>
                               <p:par>
-                                <p:cTn id="15" presetID="22" presetClass="entr" presetSubtype="1" fill="hold" grpId="0" nodeType="clickEffect">
+                                <p:cTn id="15" presetID="10" presetClass="entr" presetSubtype="0" fill="hold" grpId="0" nodeType="clickEffect">
                                   <p:stCondLst>
                                     <p:cond delay="0"/>
                                   </p:stCondLst>
@@ -6684,9 +6729,9 @@
                                         <p:strVal val="visible"/>
                                       </p:to>
                                     </p:set>
-                                    <p:animEffect transition="in" filter="wipe(up)">
-                                      <p:cBhvr>
-                                        <p:cTn id="17" dur="500"/>
+                                    <p:animEffect transition="in" filter="fade">
+                                      <p:cBhvr>
+                                        <p:cTn id="17" dur="2000"/>
                                         <p:tgtEl>
                                           <p:spTgt spid="3">
                                             <p:txEl>
@@ -6718,7 +6763,7 @@
                             </p:stCondLst>
                             <p:childTnLst>
                               <p:par>
-                                <p:cTn id="20" presetID="22" presetClass="entr" presetSubtype="1" fill="hold" grpId="0" nodeType="clickEffect">
+                                <p:cTn id="20" presetID="10" presetClass="entr" presetSubtype="0" fill="hold" grpId="0" nodeType="clickEffect">
                                   <p:stCondLst>
                                     <p:cond delay="0"/>
                                   </p:stCondLst>
@@ -6745,13 +6790,56 @@
                                         <p:strVal val="visible"/>
                                       </p:to>
                                     </p:set>
-                                    <p:animEffect transition="in" filter="wipe(up)">
-                                      <p:cBhvr>
-                                        <p:cTn id="22" dur="500"/>
+                                    <p:animEffect transition="in" filter="fade">
+                                      <p:cBhvr>
+                                        <p:cTn id="22" dur="2000"/>
                                         <p:tgtEl>
                                           <p:spTgt spid="3">
                                             <p:txEl>
                                               <p:pRg st="3" end="3"/>
+                                            </p:txEl>
+                                          </p:spTgt>
+                                        </p:tgtEl>
+                                      </p:cBhvr>
+                                    </p:animEffect>
+                                  </p:childTnLst>
+                                </p:cTn>
+                              </p:par>
+                              <p:par>
+                                <p:cTn id="23" presetID="10" presetClass="entr" presetSubtype="0" fill="hold" grpId="0" nodeType="withEffect">
+                                  <p:stCondLst>
+                                    <p:cond delay="0"/>
+                                  </p:stCondLst>
+                                  <p:childTnLst>
+                                    <p:set>
+                                      <p:cBhvr>
+                                        <p:cTn id="24" dur="1" fill="hold">
+                                          <p:stCondLst>
+                                            <p:cond delay="0"/>
+                                          </p:stCondLst>
+                                        </p:cTn>
+                                        <p:tgtEl>
+                                          <p:spTgt spid="3">
+                                            <p:txEl>
+                                              <p:pRg st="4" end="4"/>
+                                            </p:txEl>
+                                          </p:spTgt>
+                                        </p:tgtEl>
+                                        <p:attrNameLst>
+                                          <p:attrName>style.visibility</p:attrName>
+                                        </p:attrNameLst>
+                                      </p:cBhvr>
+                                      <p:to>
+                                        <p:strVal val="visible"/>
+                                      </p:to>
+                                    </p:set>
+                                    <p:animEffect transition="in" filter="fade">
+                                      <p:cBhvr>
+                                        <p:cTn id="25" dur="2000"/>
+                                        <p:tgtEl>
+                                          <p:spTgt spid="3">
+                                            <p:txEl>
+                                              <p:pRg st="4" end="4"/>
                                             </p:txEl>
                                           </p:spTgt>
                                         </p:tgtEl>
@@ -6767,26 +6855,26 @@
                     </p:cTn>
                   </p:par>
                   <p:par>
-                    <p:cTn id="23" fill="hold">
+                    <p:cTn id="26" fill="hold">
                       <p:stCondLst>
                         <p:cond delay="indefinite"/>
                       </p:stCondLst>
                       <p:childTnLst>
                         <p:par>
-                          <p:cTn id="24" fill="hold">
+                          <p:cTn id="27" fill="hold">
                             <p:stCondLst>
                               <p:cond delay="0"/>
                             </p:stCondLst>
                             <p:childTnLst>
                               <p:par>
-                                <p:cTn id="25" presetID="22" presetClass="entr" presetSubtype="1" fill="hold" grpId="0" nodeType="clickEffect">
+                                <p:cTn id="28" presetID="10" presetClass="entr" presetSubtype="0" fill="hold" grpId="0" nodeType="clickEffect">
                                   <p:stCondLst>
                                     <p:cond delay="0"/>
                                   </p:stCondLst>
                                   <p:childTnLst>
                                     <p:set>
                                       <p:cBhvr>
-                                        <p:cTn id="26" dur="1" fill="hold">
+                                        <p:cTn id="29" dur="1" fill="hold">
                                           <p:stCondLst>
                                             <p:cond delay="0"/>
                                           </p:stCondLst>
@@ -6794,7 +6882,7 @@
                                         <p:tgtEl>
                                           <p:spTgt spid="3">
                                             <p:txEl>
-                                              <p:pRg st="4" end="4"/>
+                                              <p:pRg st="5" end="5"/>
                                             </p:txEl>
                                           </p:spTgt>
                                         </p:tgtEl>
@@ -6806,13 +6894,13 @@
                                         <p:strVal val="visible"/>
                                       </p:to>
                                     </p:set>
-                                    <p:animEffect transition="in" filter="wipe(up)">
-                                      <p:cBhvr>
-                                        <p:cTn id="27" dur="500"/>
+                                    <p:animEffect transition="in" filter="fade">
+                                      <p:cBhvr>
+                                        <p:cTn id="30" dur="2000"/>
                                         <p:tgtEl>
                                           <p:spTgt spid="3">
                                             <p:txEl>
-                                              <p:pRg st="4" end="4"/>
+                                              <p:pRg st="5" end="5"/>
                                             </p:txEl>
                                           </p:spTgt>
                                         </p:tgtEl>
@@ -6828,26 +6916,26 @@
                     </p:cTn>
                   </p:par>
                   <p:par>
-                    <p:cTn id="28" fill="hold">
+                    <p:cTn id="31" fill="hold">
                       <p:stCondLst>
                         <p:cond delay="indefinite"/>
                       </p:stCondLst>
                       <p:childTnLst>
                         <p:par>
-                          <p:cTn id="29" fill="hold">
+                          <p:cTn id="32" fill="hold">
                             <p:stCondLst>
                               <p:cond delay="0"/>
                             </p:stCondLst>
                             <p:childTnLst>
                               <p:par>
-                                <p:cTn id="30" presetID="22" presetClass="entr" presetSubtype="1" fill="hold" grpId="0" nodeType="clickEffect">
+                                <p:cTn id="33" presetID="10" presetClass="entr" presetSubtype="0" fill="hold" grpId="0" nodeType="clickEffect">
                                   <p:stCondLst>
                                     <p:cond delay="0"/>
                                   </p:stCondLst>
                                   <p:childTnLst>
                                     <p:set>
                                       <p:cBhvr>
-                                        <p:cTn id="31" dur="1" fill="hold">
+                                        <p:cTn id="34" dur="1" fill="hold">
                                           <p:stCondLst>
                                             <p:cond delay="0"/>
                                           </p:stCondLst>
@@ -6855,7 +6943,7 @@
                                         <p:tgtEl>
                                           <p:spTgt spid="3">
                                             <p:txEl>
-                                              <p:pRg st="5" end="5"/>
+                                              <p:pRg st="6" end="6"/>
                                             </p:txEl>
                                           </p:spTgt>
                                         </p:tgtEl>
@@ -6867,135 +6955,13 @@
                                         <p:strVal val="visible"/>
                                       </p:to>
                                     </p:set>
-                                    <p:animEffect transition="in" filter="wipe(up)">
-                                      <p:cBhvr>
-                                        <p:cTn id="32" dur="500"/>
+                                    <p:animEffect transition="in" filter="fade">
+                                      <p:cBhvr>
+                                        <p:cTn id="35" dur="2000"/>
                                         <p:tgtEl>
                                           <p:spTgt spid="3">
                                             <p:txEl>
-                                              <p:pRg st="5" end="5"/>
-                                            </p:txEl>
-                                          </p:spTgt>
-                                        </p:tgtEl>
-                                      </p:cBhvr>
-                                    </p:animEffect>
-                                  </p:childTnLst>
-                                </p:cTn>
-                              </p:par>
-                            </p:childTnLst>
-                          </p:cTn>
-                        </p:par>
-                      </p:childTnLst>
-                    </p:cTn>
-                  </p:par>
-                  <p:par>
-                    <p:cTn id="33" fill="hold">
-                      <p:stCondLst>
-                        <p:cond delay="indefinite"/>
-                      </p:stCondLst>
-                      <p:childTnLst>
-                        <p:par>
-                          <p:cTn id="34" fill="hold">
-                            <p:stCondLst>
-                              <p:cond delay="0"/>
-                            </p:stCondLst>
-                            <p:childTnLst>
-                              <p:par>
-                                <p:cTn id="35" presetID="22" presetClass="entr" presetSubtype="1" fill="hold" grpId="0" nodeType="clickEffect">
-                                  <p:stCondLst>
-                                    <p:cond delay="0"/>
-                                  </p:stCondLst>
-                                  <p:childTnLst>
-                                    <p:set>
-                                      <p:cBhvr>
-                                        <p:cTn id="36" dur="1" fill="hold">
-                                          <p:stCondLst>
-                                            <p:cond delay="0"/>
-                                          </p:stCondLst>
-                                        </p:cTn>
-                                        <p:tgtEl>
-                                          <p:spTgt spid="3">
-                                            <p:txEl>
                                               <p:pRg st="6" end="6"/>
-                                            </p:txEl>
-                                          </p:spTgt>
-                                        </p:tgtEl>
-                                        <p:attrNameLst>
-                                          <p:attrName>style.visibility</p:attrName>
-                                        </p:attrNameLst>
-                                      </p:cBhvr>
-                                      <p:to>
-                                        <p:strVal val="visible"/>
-                                      </p:to>
-                                    </p:set>
-                                    <p:animEffect transition="in" filter="wipe(up)">
-                                      <p:cBhvr>
-                                        <p:cTn id="37" dur="500"/>
-                                        <p:tgtEl>
-                                          <p:spTgt spid="3">
-                                            <p:txEl>
-                                              <p:pRg st="6" end="6"/>
-                                            </p:txEl>
-                                          </p:spTgt>
-                                        </p:tgtEl>
-                                      </p:cBhvr>
-                                    </p:animEffect>
-                                  </p:childTnLst>
-                                </p:cTn>
-                              </p:par>
-                            </p:childTnLst>
-                          </p:cTn>
-                        </p:par>
-                      </p:childTnLst>
-                    </p:cTn>
-                  </p:par>
-                  <p:par>
-                    <p:cTn id="38" fill="hold">
-                      <p:stCondLst>
-                        <p:cond delay="indefinite"/>
-                      </p:stCondLst>
-                      <p:childTnLst>
-                        <p:par>
-                          <p:cTn id="39" fill="hold">
-                            <p:stCondLst>
-                              <p:cond delay="0"/>
-                            </p:stCondLst>
-                            <p:childTnLst>
-                              <p:par>
-                                <p:cTn id="40" presetID="22" presetClass="entr" presetSubtype="1" fill="hold" grpId="0" nodeType="clickEffect">
-                                  <p:stCondLst>
-                                    <p:cond delay="0"/>
-                                  </p:stCondLst>
-                                  <p:childTnLst>
-                                    <p:set>
-                                      <p:cBhvr>
-                                        <p:cTn id="41" dur="1" fill="hold">
-                                          <p:stCondLst>
-                                            <p:cond delay="0"/>
-                                          </p:stCondLst>
-                                        </p:cTn>
-                                        <p:tgtEl>
-                                          <p:spTgt spid="3">
-                                            <p:txEl>
-                                              <p:pRg st="7" end="7"/>
-                                            </p:txEl>
-                                          </p:spTgt>
-                                        </p:tgtEl>
-                                        <p:attrNameLst>
-                                          <p:attrName>style.visibility</p:attrName>
-                                        </p:attrNameLst>
-                                      </p:cBhvr>
-                                      <p:to>
-                                        <p:strVal val="visible"/>
-                                      </p:to>
-                                    </p:set>
-                                    <p:animEffect transition="in" filter="wipe(up)">
-                                      <p:cBhvr>
-                                        <p:cTn id="42" dur="500"/>
-                                        <p:tgtEl>
-                                          <p:spTgt spid="3">
-                                            <p:txEl>
-                                              <p:pRg st="7" end="7"/>
                                             </p:txEl>
                                           </p:spTgt>
                                         </p:tgtEl>
@@ -7038,7 +7004,7 @@
 </p:sld>
 </file>
 
-<file path=ppt/slides/slide15.xml><?xml version="1.0" encoding="utf-8"?>
+<file path=ppt/slides/slide17.xml><?xml version="1.0" encoding="utf-8"?>
 <p:sld xmlns:a="http://schemas.openxmlformats.org/drawingml/2006/main" xmlns:r="http://schemas.openxmlformats.org/officeDocument/2006/relationships" xmlns:p="http://schemas.openxmlformats.org/presentationml/2006/main">
   <p:cSld>
     <p:spTree>
@@ -7057,96 +7023,6 @@
       </p:grpSpPr>
       <p:sp>
         <p:nvSpPr>
-          <p:cNvPr id="3" name="Platshållare för innehåll 2"/>
-          <p:cNvSpPr>
-            <a:spLocks noGrp="1"/>
-          </p:cNvSpPr>
-          <p:nvPr>
-            <p:ph idx="1"/>
-          </p:nvPr>
-        </p:nvSpPr>
-        <p:spPr>
-          <a:xfrm>
-            <a:off x="1435608" y="404664"/>
-            <a:ext cx="7498080" cy="5843736"/>
-          </a:xfrm>
-        </p:spPr>
-        <p:txBody>
-          <a:bodyPr/>
-          <a:lstStyle/>
-          <a:p>
-            <a:pPr algn="ctr">
-              <a:buNone/>
-            </a:pPr>
-            <a:endParaRPr lang="sv-SE" dirty="0" smtClean="0"/>
-          </a:p>
-          <a:p>
-            <a:pPr algn="ctr">
-              <a:buNone/>
-            </a:pPr>
-            <a:r>
-              <a:rPr lang="sv-SE" dirty="0" smtClean="0"/>
-              <a:t>Tack för visad uppmärksamhet!</a:t>
-            </a:r>
-          </a:p>
-          <a:p>
-            <a:pPr algn="ctr">
-              <a:buNone/>
-            </a:pPr>
-            <a:endParaRPr lang="sv-SE" dirty="0" smtClean="0"/>
-          </a:p>
-          <a:p>
-            <a:pPr algn="ctr">
-              <a:buNone/>
-            </a:pPr>
-            <a:endParaRPr lang="sv-SE" dirty="0" smtClean="0"/>
-          </a:p>
-          <a:p>
-            <a:pPr algn="ctr">
-              <a:buNone/>
-            </a:pPr>
-            <a:endParaRPr lang="sv-SE" dirty="0" smtClean="0"/>
-          </a:p>
-          <a:p>
-            <a:pPr algn="ctr">
-              <a:buNone/>
-            </a:pPr>
-            <a:r>
-              <a:rPr lang="sv-SE" dirty="0" smtClean="0"/>
-              <a:t>Frågor?</a:t>
-            </a:r>
-            <a:endParaRPr lang="sv-SE" dirty="0"/>
-          </a:p>
-        </p:txBody>
-      </p:sp>
-    </p:spTree>
-  </p:cSld>
-  <p:clrMapOvr>
-    <a:masterClrMapping/>
-  </p:clrMapOvr>
-  <p:transition/>
-</p:sld>
-</file>
-
-<file path=ppt/slides/slide2.xml><?xml version="1.0" encoding="utf-8"?>
-<p:sld xmlns:a="http://schemas.openxmlformats.org/drawingml/2006/main" xmlns:r="http://schemas.openxmlformats.org/officeDocument/2006/relationships" xmlns:p="http://schemas.openxmlformats.org/presentationml/2006/main">
-  <p:cSld>
-    <p:spTree>
-      <p:nvGrpSpPr>
-        <p:cNvPr id="1" name=""/>
-        <p:cNvGrpSpPr/>
-        <p:nvPr/>
-      </p:nvGrpSpPr>
-      <p:grpSpPr>
-        <a:xfrm>
-          <a:off x="0" y="0"/>
-          <a:ext cx="0" cy="0"/>
-          <a:chOff x="0" y="0"/>
-          <a:chExt cx="0" cy="0"/>
-        </a:xfrm>
-      </p:grpSpPr>
-      <p:sp>
-        <p:nvSpPr>
           <p:cNvPr id="2" name="Title 1"/>
           <p:cNvSpPr>
             <a:spLocks noGrp="1"/>
@@ -7162,7 +7038,7 @@
           <a:p>
             <a:r>
               <a:rPr lang="sv-SE" dirty="0" smtClean="0"/>
-              <a:t>Projektets bakgrund</a:t>
+              <a:t>Sammanfattning</a:t>
             </a:r>
             <a:endParaRPr lang="sv-SE" dirty="0"/>
           </a:p>
@@ -7180,28 +7056,71 @@
         </p:nvSpPr>
         <p:spPr/>
         <p:txBody>
-          <a:bodyPr/>
+          <a:bodyPr>
+            <a:normAutofit/>
+          </a:bodyPr>
           <a:lstStyle/>
           <a:p>
             <a:r>
               <a:rPr lang="sv-SE" dirty="0" smtClean="0"/>
-              <a:t>Institutionen </a:t>
-            </a:r>
+              <a:t>Syfte: Användarvänligt och funktionellt </a:t>
+            </a:r>
+            <a:r>
+              <a:rPr lang="sv-SE" dirty="0" err="1" smtClean="0"/>
+              <a:t>mjukvarusystem</a:t>
+            </a:r>
+            <a:endParaRPr lang="sv-SE" dirty="0" smtClean="0"/>
+          </a:p>
+          <a:p>
             <a:r>
               <a:rPr lang="sv-SE" dirty="0" smtClean="0"/>
-              <a:t>för neurovetenskap, BMC</a:t>
-            </a:r>
+              <a:t>Resultat: </a:t>
+            </a:r>
+            <a:r>
+              <a:rPr lang="sv-SE" dirty="0" err="1" smtClean="0"/>
+              <a:t>FlyTracker</a:t>
+            </a:r>
+            <a:endParaRPr lang="sv-SE" dirty="0" smtClean="0"/>
           </a:p>
           <a:p>
             <a:r>
               <a:rPr lang="sv-SE" dirty="0" smtClean="0"/>
-              <a:t>Rörelsesyn</a:t>
-            </a:r>
-          </a:p>
-          <a:p>
+              <a:t>Utmaningar:</a:t>
+            </a:r>
+          </a:p>
+          <a:p>
+            <a:pPr lvl="1"/>
             <a:r>
               <a:rPr lang="sv-SE" dirty="0" smtClean="0"/>
-              <a:t>Beteendestudier på flugor</a:t>
+              <a:t>Kalibrering</a:t>
+            </a:r>
+          </a:p>
+          <a:p>
+            <a:pPr lvl="1"/>
+            <a:r>
+              <a:rPr lang="sv-SE" dirty="0" err="1" smtClean="0"/>
+              <a:t>Trigger</a:t>
+            </a:r>
+            <a:endParaRPr lang="sv-SE" dirty="0" smtClean="0"/>
+          </a:p>
+          <a:p>
+            <a:pPr lvl="1"/>
+            <a:r>
+              <a:rPr lang="sv-SE" dirty="0" smtClean="0"/>
+              <a:t>Kortare sprintar</a:t>
+            </a:r>
+          </a:p>
+          <a:p>
+            <a:r>
+              <a:rPr lang="sv-SE" dirty="0" smtClean="0"/>
+              <a:t>Vidare forskning</a:t>
+            </a:r>
+          </a:p>
+          <a:p>
+            <a:pPr lvl="1"/>
+            <a:r>
+              <a:rPr lang="sv-SE" dirty="0" smtClean="0"/>
+              <a:t>Utvärdering av naiva användare</a:t>
             </a:r>
           </a:p>
         </p:txBody>
@@ -7389,6 +7308,311 @@
                                           <p:spTgt spid="3">
                                             <p:txEl>
                                               <p:pRg st="2" end="2"/>
+                                            </p:txEl>
+                                          </p:spTgt>
+                                        </p:tgtEl>
+                                      </p:cBhvr>
+                                    </p:animEffect>
+                                  </p:childTnLst>
+                                </p:cTn>
+                              </p:par>
+                            </p:childTnLst>
+                          </p:cTn>
+                        </p:par>
+                      </p:childTnLst>
+                    </p:cTn>
+                  </p:par>
+                  <p:par>
+                    <p:cTn id="18" fill="hold">
+                      <p:stCondLst>
+                        <p:cond delay="indefinite"/>
+                      </p:stCondLst>
+                      <p:childTnLst>
+                        <p:par>
+                          <p:cTn id="19" fill="hold">
+                            <p:stCondLst>
+                              <p:cond delay="0"/>
+                            </p:stCondLst>
+                            <p:childTnLst>
+                              <p:par>
+                                <p:cTn id="20" presetID="22" presetClass="entr" presetSubtype="1" fill="hold" grpId="0" nodeType="clickEffect">
+                                  <p:stCondLst>
+                                    <p:cond delay="0"/>
+                                  </p:stCondLst>
+                                  <p:childTnLst>
+                                    <p:set>
+                                      <p:cBhvr>
+                                        <p:cTn id="21" dur="1" fill="hold">
+                                          <p:stCondLst>
+                                            <p:cond delay="0"/>
+                                          </p:stCondLst>
+                                        </p:cTn>
+                                        <p:tgtEl>
+                                          <p:spTgt spid="3">
+                                            <p:txEl>
+                                              <p:pRg st="3" end="3"/>
+                                            </p:txEl>
+                                          </p:spTgt>
+                                        </p:tgtEl>
+                                        <p:attrNameLst>
+                                          <p:attrName>style.visibility</p:attrName>
+                                        </p:attrNameLst>
+                                      </p:cBhvr>
+                                      <p:to>
+                                        <p:strVal val="visible"/>
+                                      </p:to>
+                                    </p:set>
+                                    <p:animEffect transition="in" filter="wipe(up)">
+                                      <p:cBhvr>
+                                        <p:cTn id="22" dur="500"/>
+                                        <p:tgtEl>
+                                          <p:spTgt spid="3">
+                                            <p:txEl>
+                                              <p:pRg st="3" end="3"/>
+                                            </p:txEl>
+                                          </p:spTgt>
+                                        </p:tgtEl>
+                                      </p:cBhvr>
+                                    </p:animEffect>
+                                  </p:childTnLst>
+                                </p:cTn>
+                              </p:par>
+                            </p:childTnLst>
+                          </p:cTn>
+                        </p:par>
+                      </p:childTnLst>
+                    </p:cTn>
+                  </p:par>
+                  <p:par>
+                    <p:cTn id="23" fill="hold">
+                      <p:stCondLst>
+                        <p:cond delay="indefinite"/>
+                      </p:stCondLst>
+                      <p:childTnLst>
+                        <p:par>
+                          <p:cTn id="24" fill="hold">
+                            <p:stCondLst>
+                              <p:cond delay="0"/>
+                            </p:stCondLst>
+                            <p:childTnLst>
+                              <p:par>
+                                <p:cTn id="25" presetID="22" presetClass="entr" presetSubtype="1" fill="hold" grpId="0" nodeType="clickEffect">
+                                  <p:stCondLst>
+                                    <p:cond delay="0"/>
+                                  </p:stCondLst>
+                                  <p:childTnLst>
+                                    <p:set>
+                                      <p:cBhvr>
+                                        <p:cTn id="26" dur="1" fill="hold">
+                                          <p:stCondLst>
+                                            <p:cond delay="0"/>
+                                          </p:stCondLst>
+                                        </p:cTn>
+                                        <p:tgtEl>
+                                          <p:spTgt spid="3">
+                                            <p:txEl>
+                                              <p:pRg st="4" end="4"/>
+                                            </p:txEl>
+                                          </p:spTgt>
+                                        </p:tgtEl>
+                                        <p:attrNameLst>
+                                          <p:attrName>style.visibility</p:attrName>
+                                        </p:attrNameLst>
+                                      </p:cBhvr>
+                                      <p:to>
+                                        <p:strVal val="visible"/>
+                                      </p:to>
+                                    </p:set>
+                                    <p:animEffect transition="in" filter="wipe(up)">
+                                      <p:cBhvr>
+                                        <p:cTn id="27" dur="500"/>
+                                        <p:tgtEl>
+                                          <p:spTgt spid="3">
+                                            <p:txEl>
+                                              <p:pRg st="4" end="4"/>
+                                            </p:txEl>
+                                          </p:spTgt>
+                                        </p:tgtEl>
+                                      </p:cBhvr>
+                                    </p:animEffect>
+                                  </p:childTnLst>
+                                </p:cTn>
+                              </p:par>
+                            </p:childTnLst>
+                          </p:cTn>
+                        </p:par>
+                      </p:childTnLst>
+                    </p:cTn>
+                  </p:par>
+                  <p:par>
+                    <p:cTn id="28" fill="hold">
+                      <p:stCondLst>
+                        <p:cond delay="indefinite"/>
+                      </p:stCondLst>
+                      <p:childTnLst>
+                        <p:par>
+                          <p:cTn id="29" fill="hold">
+                            <p:stCondLst>
+                              <p:cond delay="0"/>
+                            </p:stCondLst>
+                            <p:childTnLst>
+                              <p:par>
+                                <p:cTn id="30" presetID="22" presetClass="entr" presetSubtype="1" fill="hold" grpId="0" nodeType="clickEffect">
+                                  <p:stCondLst>
+                                    <p:cond delay="0"/>
+                                  </p:stCondLst>
+                                  <p:childTnLst>
+                                    <p:set>
+                                      <p:cBhvr>
+                                        <p:cTn id="31" dur="1" fill="hold">
+                                          <p:stCondLst>
+                                            <p:cond delay="0"/>
+                                          </p:stCondLst>
+                                        </p:cTn>
+                                        <p:tgtEl>
+                                          <p:spTgt spid="3">
+                                            <p:txEl>
+                                              <p:pRg st="5" end="5"/>
+                                            </p:txEl>
+                                          </p:spTgt>
+                                        </p:tgtEl>
+                                        <p:attrNameLst>
+                                          <p:attrName>style.visibility</p:attrName>
+                                        </p:attrNameLst>
+                                      </p:cBhvr>
+                                      <p:to>
+                                        <p:strVal val="visible"/>
+                                      </p:to>
+                                    </p:set>
+                                    <p:animEffect transition="in" filter="wipe(up)">
+                                      <p:cBhvr>
+                                        <p:cTn id="32" dur="500"/>
+                                        <p:tgtEl>
+                                          <p:spTgt spid="3">
+                                            <p:txEl>
+                                              <p:pRg st="5" end="5"/>
+                                            </p:txEl>
+                                          </p:spTgt>
+                                        </p:tgtEl>
+                                      </p:cBhvr>
+                                    </p:animEffect>
+                                  </p:childTnLst>
+                                </p:cTn>
+                              </p:par>
+                            </p:childTnLst>
+                          </p:cTn>
+                        </p:par>
+                      </p:childTnLst>
+                    </p:cTn>
+                  </p:par>
+                  <p:par>
+                    <p:cTn id="33" fill="hold">
+                      <p:stCondLst>
+                        <p:cond delay="indefinite"/>
+                      </p:stCondLst>
+                      <p:childTnLst>
+                        <p:par>
+                          <p:cTn id="34" fill="hold">
+                            <p:stCondLst>
+                              <p:cond delay="0"/>
+                            </p:stCondLst>
+                            <p:childTnLst>
+                              <p:par>
+                                <p:cTn id="35" presetID="22" presetClass="entr" presetSubtype="1" fill="hold" grpId="0" nodeType="clickEffect">
+                                  <p:stCondLst>
+                                    <p:cond delay="0"/>
+                                  </p:stCondLst>
+                                  <p:childTnLst>
+                                    <p:set>
+                                      <p:cBhvr>
+                                        <p:cTn id="36" dur="1" fill="hold">
+                                          <p:stCondLst>
+                                            <p:cond delay="0"/>
+                                          </p:stCondLst>
+                                        </p:cTn>
+                                        <p:tgtEl>
+                                          <p:spTgt spid="3">
+                                            <p:txEl>
+                                              <p:pRg st="6" end="6"/>
+                                            </p:txEl>
+                                          </p:spTgt>
+                                        </p:tgtEl>
+                                        <p:attrNameLst>
+                                          <p:attrName>style.visibility</p:attrName>
+                                        </p:attrNameLst>
+                                      </p:cBhvr>
+                                      <p:to>
+                                        <p:strVal val="visible"/>
+                                      </p:to>
+                                    </p:set>
+                                    <p:animEffect transition="in" filter="wipe(up)">
+                                      <p:cBhvr>
+                                        <p:cTn id="37" dur="500"/>
+                                        <p:tgtEl>
+                                          <p:spTgt spid="3">
+                                            <p:txEl>
+                                              <p:pRg st="6" end="6"/>
+                                            </p:txEl>
+                                          </p:spTgt>
+                                        </p:tgtEl>
+                                      </p:cBhvr>
+                                    </p:animEffect>
+                                  </p:childTnLst>
+                                </p:cTn>
+                              </p:par>
+                            </p:childTnLst>
+                          </p:cTn>
+                        </p:par>
+                      </p:childTnLst>
+                    </p:cTn>
+                  </p:par>
+                  <p:par>
+                    <p:cTn id="38" fill="hold">
+                      <p:stCondLst>
+                        <p:cond delay="indefinite"/>
+                      </p:stCondLst>
+                      <p:childTnLst>
+                        <p:par>
+                          <p:cTn id="39" fill="hold">
+                            <p:stCondLst>
+                              <p:cond delay="0"/>
+                            </p:stCondLst>
+                            <p:childTnLst>
+                              <p:par>
+                                <p:cTn id="40" presetID="22" presetClass="entr" presetSubtype="1" fill="hold" grpId="0" nodeType="clickEffect">
+                                  <p:stCondLst>
+                                    <p:cond delay="0"/>
+                                  </p:stCondLst>
+                                  <p:childTnLst>
+                                    <p:set>
+                                      <p:cBhvr>
+                                        <p:cTn id="41" dur="1" fill="hold">
+                                          <p:stCondLst>
+                                            <p:cond delay="0"/>
+                                          </p:stCondLst>
+                                        </p:cTn>
+                                        <p:tgtEl>
+                                          <p:spTgt spid="3">
+                                            <p:txEl>
+                                              <p:pRg st="7" end="7"/>
+                                            </p:txEl>
+                                          </p:spTgt>
+                                        </p:tgtEl>
+                                        <p:attrNameLst>
+                                          <p:attrName>style.visibility</p:attrName>
+                                        </p:attrNameLst>
+                                      </p:cBhvr>
+                                      <p:to>
+                                        <p:strVal val="visible"/>
+                                      </p:to>
+                                    </p:set>
+                                    <p:animEffect transition="in" filter="wipe(up)">
+                                      <p:cBhvr>
+                                        <p:cTn id="42" dur="500"/>
+                                        <p:tgtEl>
+                                          <p:spTgt spid="3">
+                                            <p:txEl>
+                                              <p:pRg st="7" end="7"/>
                                             </p:txEl>
                                           </p:spTgt>
                                         </p:tgtEl>
@@ -7431,6 +7655,191 @@
 </p:sld>
 </file>
 
+<file path=ppt/slides/slide18.xml><?xml version="1.0" encoding="utf-8"?>
+<p:sld xmlns:a="http://schemas.openxmlformats.org/drawingml/2006/main" xmlns:r="http://schemas.openxmlformats.org/officeDocument/2006/relationships" xmlns:p="http://schemas.openxmlformats.org/presentationml/2006/main">
+  <p:cSld>
+    <p:spTree>
+      <p:nvGrpSpPr>
+        <p:cNvPr id="1" name=""/>
+        <p:cNvGrpSpPr/>
+        <p:nvPr/>
+      </p:nvGrpSpPr>
+      <p:grpSpPr>
+        <a:xfrm>
+          <a:off x="0" y="0"/>
+          <a:ext cx="0" cy="0"/>
+          <a:chOff x="0" y="0"/>
+          <a:chExt cx="0" cy="0"/>
+        </a:xfrm>
+      </p:grpSpPr>
+      <p:sp>
+        <p:nvSpPr>
+          <p:cNvPr id="3" name="Platshållare för innehåll 2"/>
+          <p:cNvSpPr>
+            <a:spLocks noGrp="1"/>
+          </p:cNvSpPr>
+          <p:nvPr>
+            <p:ph idx="1"/>
+          </p:nvPr>
+        </p:nvSpPr>
+        <p:spPr>
+          <a:xfrm>
+            <a:off x="1435608" y="404664"/>
+            <a:ext cx="7498080" cy="5843736"/>
+          </a:xfrm>
+        </p:spPr>
+        <p:txBody>
+          <a:bodyPr/>
+          <a:lstStyle/>
+          <a:p>
+            <a:pPr algn="ctr">
+              <a:buNone/>
+            </a:pPr>
+            <a:endParaRPr lang="sv-SE" dirty="0" smtClean="0"/>
+          </a:p>
+          <a:p>
+            <a:pPr algn="ctr">
+              <a:buNone/>
+            </a:pPr>
+            <a:r>
+              <a:rPr lang="sv-SE" dirty="0" smtClean="0"/>
+              <a:t>Tack för visad uppmärksamhet!</a:t>
+            </a:r>
+          </a:p>
+          <a:p>
+            <a:pPr algn="ctr">
+              <a:buNone/>
+            </a:pPr>
+            <a:endParaRPr lang="sv-SE" dirty="0" smtClean="0"/>
+          </a:p>
+          <a:p>
+            <a:pPr algn="ctr">
+              <a:buNone/>
+            </a:pPr>
+            <a:endParaRPr lang="sv-SE" dirty="0" smtClean="0"/>
+          </a:p>
+          <a:p>
+            <a:pPr algn="ctr">
+              <a:buNone/>
+            </a:pPr>
+            <a:endParaRPr lang="sv-SE" dirty="0" smtClean="0"/>
+          </a:p>
+          <a:p>
+            <a:pPr algn="ctr">
+              <a:buNone/>
+            </a:pPr>
+            <a:r>
+              <a:rPr lang="sv-SE" dirty="0" smtClean="0"/>
+              <a:t>Frågor?</a:t>
+            </a:r>
+            <a:endParaRPr lang="sv-SE" dirty="0"/>
+          </a:p>
+        </p:txBody>
+      </p:sp>
+    </p:spTree>
+  </p:cSld>
+  <p:clrMapOvr>
+    <a:masterClrMapping/>
+  </p:clrMapOvr>
+  <p:transition/>
+</p:sld>
+</file>
+
+<file path=ppt/slides/slide2.xml><?xml version="1.0" encoding="utf-8"?>
+<p:sld xmlns:a="http://schemas.openxmlformats.org/drawingml/2006/main" xmlns:r="http://schemas.openxmlformats.org/officeDocument/2006/relationships" xmlns:p="http://schemas.openxmlformats.org/presentationml/2006/main">
+  <p:cSld>
+    <p:spTree>
+      <p:nvGrpSpPr>
+        <p:cNvPr id="1" name=""/>
+        <p:cNvGrpSpPr/>
+        <p:nvPr/>
+      </p:nvGrpSpPr>
+      <p:grpSpPr>
+        <a:xfrm>
+          <a:off x="0" y="0"/>
+          <a:ext cx="0" cy="0"/>
+          <a:chOff x="0" y="0"/>
+          <a:chExt cx="0" cy="0"/>
+        </a:xfrm>
+      </p:grpSpPr>
+      <p:sp>
+        <p:nvSpPr>
+          <p:cNvPr id="2" name="Rubrik 1"/>
+          <p:cNvSpPr>
+            <a:spLocks noGrp="1"/>
+          </p:cNvSpPr>
+          <p:nvPr>
+            <p:ph type="title"/>
+          </p:nvPr>
+        </p:nvSpPr>
+        <p:spPr/>
+        <p:txBody>
+          <a:bodyPr/>
+          <a:lstStyle/>
+          <a:p>
+            <a:r>
+              <a:rPr lang="sv-SE" dirty="0" smtClean="0"/>
+              <a:t>Agenda</a:t>
+            </a:r>
+            <a:endParaRPr lang="sv-SE" dirty="0"/>
+          </a:p>
+        </p:txBody>
+      </p:sp>
+      <p:sp>
+        <p:nvSpPr>
+          <p:cNvPr id="3" name="Platshållare för innehåll 2"/>
+          <p:cNvSpPr>
+            <a:spLocks noGrp="1"/>
+          </p:cNvSpPr>
+          <p:nvPr>
+            <p:ph idx="1"/>
+          </p:nvPr>
+        </p:nvSpPr>
+        <p:spPr/>
+        <p:txBody>
+          <a:bodyPr/>
+          <a:lstStyle/>
+          <a:p>
+            <a:r>
+              <a:rPr lang="sv-SE" dirty="0" smtClean="0"/>
+              <a:t>Bakgrund och syfte</a:t>
+            </a:r>
+          </a:p>
+          <a:p>
+            <a:r>
+              <a:rPr lang="sv-SE" dirty="0" smtClean="0"/>
+              <a:t>Analys och design</a:t>
+            </a:r>
+          </a:p>
+          <a:p>
+            <a:r>
+              <a:rPr lang="sv-SE" dirty="0" smtClean="0"/>
+              <a:t>Implementering</a:t>
+            </a:r>
+          </a:p>
+          <a:p>
+            <a:r>
+              <a:rPr lang="sv-SE" dirty="0" smtClean="0"/>
+              <a:t>Resultat och utvärdering</a:t>
+            </a:r>
+          </a:p>
+          <a:p>
+            <a:r>
+              <a:rPr lang="sv-SE" dirty="0" smtClean="0"/>
+              <a:t>Sammanfattning</a:t>
+            </a:r>
+          </a:p>
+        </p:txBody>
+      </p:sp>
+    </p:spTree>
+  </p:cSld>
+  <p:clrMapOvr>
+    <a:masterClrMapping/>
+  </p:clrMapOvr>
+  <p:transition/>
+</p:sld>
+</file>
+
 <file path=ppt/slides/slide3.xml><?xml version="1.0" encoding="utf-8"?>
 <p:sld xmlns:a="http://schemas.openxmlformats.org/drawingml/2006/main" xmlns:r="http://schemas.openxmlformats.org/officeDocument/2006/relationships" xmlns:p="http://schemas.openxmlformats.org/presentationml/2006/main">
   <p:cSld>
@@ -7450,6 +7859,305 @@
       </p:grpSpPr>
       <p:sp>
         <p:nvSpPr>
+          <p:cNvPr id="2" name="Title 1"/>
+          <p:cNvSpPr>
+            <a:spLocks noGrp="1"/>
+          </p:cNvSpPr>
+          <p:nvPr>
+            <p:ph type="title"/>
+          </p:nvPr>
+        </p:nvSpPr>
+        <p:spPr/>
+        <p:txBody>
+          <a:bodyPr/>
+          <a:lstStyle/>
+          <a:p>
+            <a:r>
+              <a:rPr lang="sv-SE" dirty="0" smtClean="0"/>
+              <a:t>Projektets bakgrund</a:t>
+            </a:r>
+            <a:endParaRPr lang="sv-SE" dirty="0"/>
+          </a:p>
+        </p:txBody>
+      </p:sp>
+      <p:sp>
+        <p:nvSpPr>
+          <p:cNvPr id="3" name="Content Placeholder 2"/>
+          <p:cNvSpPr>
+            <a:spLocks noGrp="1"/>
+          </p:cNvSpPr>
+          <p:nvPr>
+            <p:ph idx="1"/>
+          </p:nvPr>
+        </p:nvSpPr>
+        <p:spPr/>
+        <p:txBody>
+          <a:bodyPr/>
+          <a:lstStyle/>
+          <a:p>
+            <a:r>
+              <a:rPr lang="sv-SE" dirty="0" smtClean="0"/>
+              <a:t>Institutionen för neurovetenskap, BMC</a:t>
+            </a:r>
+          </a:p>
+          <a:p>
+            <a:r>
+              <a:rPr lang="sv-SE" dirty="0" smtClean="0"/>
+              <a:t>Rörelsesyn</a:t>
+            </a:r>
+          </a:p>
+          <a:p>
+            <a:r>
+              <a:rPr lang="sv-SE" dirty="0" smtClean="0"/>
+              <a:t>Beteendestudier på flugor</a:t>
+            </a:r>
+          </a:p>
+        </p:txBody>
+      </p:sp>
+    </p:spTree>
+  </p:cSld>
+  <p:clrMapOvr>
+    <a:masterClrMapping/>
+  </p:clrMapOvr>
+  <p:transition/>
+  <p:timing>
+    <p:tnLst>
+      <p:par>
+        <p:cTn id="1" dur="indefinite" restart="never" nodeType="tmRoot">
+          <p:childTnLst>
+            <p:seq concurrent="1" nextAc="seek">
+              <p:cTn id="2" dur="indefinite" nodeType="mainSeq">
+                <p:childTnLst>
+                  <p:par>
+                    <p:cTn id="3" fill="hold">
+                      <p:stCondLst>
+                        <p:cond delay="indefinite"/>
+                      </p:stCondLst>
+                      <p:childTnLst>
+                        <p:par>
+                          <p:cTn id="4" fill="hold">
+                            <p:stCondLst>
+                              <p:cond delay="0"/>
+                            </p:stCondLst>
+                            <p:childTnLst>
+                              <p:par>
+                                <p:cTn id="5" presetID="22" presetClass="entr" presetSubtype="1" fill="hold" grpId="0" nodeType="clickEffect">
+                                  <p:stCondLst>
+                                    <p:cond delay="0"/>
+                                  </p:stCondLst>
+                                  <p:childTnLst>
+                                    <p:set>
+                                      <p:cBhvr>
+                                        <p:cTn id="6" dur="1" fill="hold">
+                                          <p:stCondLst>
+                                            <p:cond delay="0"/>
+                                          </p:stCondLst>
+                                        </p:cTn>
+                                        <p:tgtEl>
+                                          <p:spTgt spid="3">
+                                            <p:txEl>
+                                              <p:pRg st="0" end="0"/>
+                                            </p:txEl>
+                                          </p:spTgt>
+                                        </p:tgtEl>
+                                        <p:attrNameLst>
+                                          <p:attrName>style.visibility</p:attrName>
+                                        </p:attrNameLst>
+                                      </p:cBhvr>
+                                      <p:to>
+                                        <p:strVal val="visible"/>
+                                      </p:to>
+                                    </p:set>
+                                    <p:animEffect transition="in" filter="wipe(up)">
+                                      <p:cBhvr>
+                                        <p:cTn id="7" dur="500"/>
+                                        <p:tgtEl>
+                                          <p:spTgt spid="3">
+                                            <p:txEl>
+                                              <p:pRg st="0" end="0"/>
+                                            </p:txEl>
+                                          </p:spTgt>
+                                        </p:tgtEl>
+                                      </p:cBhvr>
+                                    </p:animEffect>
+                                  </p:childTnLst>
+                                </p:cTn>
+                              </p:par>
+                            </p:childTnLst>
+                          </p:cTn>
+                        </p:par>
+                      </p:childTnLst>
+                    </p:cTn>
+                  </p:par>
+                  <p:par>
+                    <p:cTn id="8" fill="hold">
+                      <p:stCondLst>
+                        <p:cond delay="indefinite"/>
+                      </p:stCondLst>
+                      <p:childTnLst>
+                        <p:par>
+                          <p:cTn id="9" fill="hold">
+                            <p:stCondLst>
+                              <p:cond delay="0"/>
+                            </p:stCondLst>
+                            <p:childTnLst>
+                              <p:par>
+                                <p:cTn id="10" presetID="22" presetClass="entr" presetSubtype="1" fill="hold" grpId="0" nodeType="clickEffect">
+                                  <p:stCondLst>
+                                    <p:cond delay="0"/>
+                                  </p:stCondLst>
+                                  <p:childTnLst>
+                                    <p:set>
+                                      <p:cBhvr>
+                                        <p:cTn id="11" dur="1" fill="hold">
+                                          <p:stCondLst>
+                                            <p:cond delay="0"/>
+                                          </p:stCondLst>
+                                        </p:cTn>
+                                        <p:tgtEl>
+                                          <p:spTgt spid="3">
+                                            <p:txEl>
+                                              <p:pRg st="1" end="1"/>
+                                            </p:txEl>
+                                          </p:spTgt>
+                                        </p:tgtEl>
+                                        <p:attrNameLst>
+                                          <p:attrName>style.visibility</p:attrName>
+                                        </p:attrNameLst>
+                                      </p:cBhvr>
+                                      <p:to>
+                                        <p:strVal val="visible"/>
+                                      </p:to>
+                                    </p:set>
+                                    <p:animEffect transition="in" filter="wipe(up)">
+                                      <p:cBhvr>
+                                        <p:cTn id="12" dur="500"/>
+                                        <p:tgtEl>
+                                          <p:spTgt spid="3">
+                                            <p:txEl>
+                                              <p:pRg st="1" end="1"/>
+                                            </p:txEl>
+                                          </p:spTgt>
+                                        </p:tgtEl>
+                                      </p:cBhvr>
+                                    </p:animEffect>
+                                  </p:childTnLst>
+                                </p:cTn>
+                              </p:par>
+                            </p:childTnLst>
+                          </p:cTn>
+                        </p:par>
+                      </p:childTnLst>
+                    </p:cTn>
+                  </p:par>
+                  <p:par>
+                    <p:cTn id="13" fill="hold">
+                      <p:stCondLst>
+                        <p:cond delay="indefinite"/>
+                      </p:stCondLst>
+                      <p:childTnLst>
+                        <p:par>
+                          <p:cTn id="14" fill="hold">
+                            <p:stCondLst>
+                              <p:cond delay="0"/>
+                            </p:stCondLst>
+                            <p:childTnLst>
+                              <p:par>
+                                <p:cTn id="15" presetID="22" presetClass="entr" presetSubtype="1" fill="hold" grpId="0" nodeType="clickEffect">
+                                  <p:stCondLst>
+                                    <p:cond delay="0"/>
+                                  </p:stCondLst>
+                                  <p:childTnLst>
+                                    <p:set>
+                                      <p:cBhvr>
+                                        <p:cTn id="16" dur="1" fill="hold">
+                                          <p:stCondLst>
+                                            <p:cond delay="0"/>
+                                          </p:stCondLst>
+                                        </p:cTn>
+                                        <p:tgtEl>
+                                          <p:spTgt spid="3">
+                                            <p:txEl>
+                                              <p:pRg st="2" end="2"/>
+                                            </p:txEl>
+                                          </p:spTgt>
+                                        </p:tgtEl>
+                                        <p:attrNameLst>
+                                          <p:attrName>style.visibility</p:attrName>
+                                        </p:attrNameLst>
+                                      </p:cBhvr>
+                                      <p:to>
+                                        <p:strVal val="visible"/>
+                                      </p:to>
+                                    </p:set>
+                                    <p:animEffect transition="in" filter="wipe(up)">
+                                      <p:cBhvr>
+                                        <p:cTn id="17" dur="500"/>
+                                        <p:tgtEl>
+                                          <p:spTgt spid="3">
+                                            <p:txEl>
+                                              <p:pRg st="2" end="2"/>
+                                            </p:txEl>
+                                          </p:spTgt>
+                                        </p:tgtEl>
+                                      </p:cBhvr>
+                                    </p:animEffect>
+                                  </p:childTnLst>
+                                </p:cTn>
+                              </p:par>
+                            </p:childTnLst>
+                          </p:cTn>
+                        </p:par>
+                      </p:childTnLst>
+                    </p:cTn>
+                  </p:par>
+                </p:childTnLst>
+              </p:cTn>
+              <p:prevCondLst>
+                <p:cond evt="onPrev" delay="0">
+                  <p:tgtEl>
+                    <p:sldTgt/>
+                  </p:tgtEl>
+                </p:cond>
+              </p:prevCondLst>
+              <p:nextCondLst>
+                <p:cond evt="onNext" delay="0">
+                  <p:tgtEl>
+                    <p:sldTgt/>
+                  </p:tgtEl>
+                </p:cond>
+              </p:nextCondLst>
+            </p:seq>
+          </p:childTnLst>
+        </p:cTn>
+      </p:par>
+    </p:tnLst>
+    <p:bldLst>
+      <p:bldP spid="3" grpId="0" build="p"/>
+    </p:bldLst>
+  </p:timing>
+</p:sld>
+</file>
+
+<file path=ppt/slides/slide4.xml><?xml version="1.0" encoding="utf-8"?>
+<p:sld xmlns:a="http://schemas.openxmlformats.org/drawingml/2006/main" xmlns:r="http://schemas.openxmlformats.org/officeDocument/2006/relationships" xmlns:p="http://schemas.openxmlformats.org/presentationml/2006/main">
+  <p:cSld>
+    <p:spTree>
+      <p:nvGrpSpPr>
+        <p:cNvPr id="1" name=""/>
+        <p:cNvGrpSpPr/>
+        <p:nvPr/>
+      </p:nvGrpSpPr>
+      <p:grpSpPr>
+        <a:xfrm>
+          <a:off x="0" y="0"/>
+          <a:ext cx="0" cy="0"/>
+          <a:chOff x="0" y="0"/>
+          <a:chExt cx="0" cy="0"/>
+        </a:xfrm>
+      </p:grpSpPr>
+      <p:sp>
+        <p:nvSpPr>
           <p:cNvPr id="4" name="Title 3"/>
           <p:cNvSpPr>
             <a:spLocks noGrp="1"/>
@@ -7531,15 +8239,7 @@
             <a:pPr lvl="1"/>
             <a:r>
               <a:rPr lang="sv-SE" dirty="0" smtClean="0"/>
-              <a:t>Design och </a:t>
-            </a:r>
-            <a:r>
-              <a:rPr lang="sv-SE" dirty="0" smtClean="0"/>
-              <a:t>implementering </a:t>
-            </a:r>
-            <a:r>
-              <a:rPr lang="sv-SE" dirty="0" smtClean="0"/>
-              <a:t>av ny, användarvänlig mjukvara</a:t>
+              <a:t>Design och implementering av ny, användarvänlig mjukvara</a:t>
             </a:r>
           </a:p>
         </p:txBody>
@@ -7794,7 +8494,7 @@
 </p:sld>
 </file>
 
-<file path=ppt/slides/slide4.xml><?xml version="1.0" encoding="utf-8"?>
+<file path=ppt/slides/slide5.xml><?xml version="1.0" encoding="utf-8"?>
 <p:sld xmlns:a="http://schemas.openxmlformats.org/drawingml/2006/main" xmlns:r="http://schemas.openxmlformats.org/officeDocument/2006/relationships" xmlns:p="http://schemas.openxmlformats.org/presentationml/2006/main">
   <p:cSld>
     <p:spTree>
@@ -7850,12 +8550,6 @@
           <a:lstStyle/>
           <a:p>
             <a:r>
-              <a:rPr lang="sv-SE" dirty="0" smtClean="0"/>
-              <a:t>20 veckor</a:t>
-            </a:r>
-          </a:p>
-          <a:p>
-            <a:r>
               <a:rPr lang="sv-SE" dirty="0" err="1" smtClean="0"/>
               <a:t>Agil</a:t>
             </a:r>
@@ -7875,15 +8569,24 @@
           <a:p>
             <a:r>
               <a:rPr lang="sv-SE" dirty="0" smtClean="0"/>
-              <a:t>Planen:</a:t>
+              <a:t>Planen</a:t>
+            </a:r>
+            <a:r>
+              <a:rPr lang="sv-SE" dirty="0" smtClean="0"/>
+              <a:t>:</a:t>
             </a:r>
           </a:p>
           <a:p>
             <a:pPr lvl="1"/>
             <a:r>
               <a:rPr lang="sv-SE" dirty="0" smtClean="0"/>
-              <a:t>Inledande fas (3 veckor)</a:t>
-            </a:r>
+              <a:t>Inledande </a:t>
+            </a:r>
+            <a:r>
+              <a:rPr lang="sv-SE" dirty="0" smtClean="0"/>
+              <a:t>fas (3 veckor)</a:t>
+            </a:r>
+            <a:endParaRPr lang="sv-SE" dirty="0" smtClean="0"/>
           </a:p>
           <a:p>
             <a:pPr lvl="1"/>
@@ -7891,6 +8594,7 @@
               <a:rPr lang="sv-SE" dirty="0" smtClean="0"/>
               <a:t>Implementering (9 veckor)  </a:t>
             </a:r>
+            <a:endParaRPr lang="sv-SE" dirty="0" smtClean="0"/>
           </a:p>
           <a:p>
             <a:pPr lvl="1"/>
@@ -7898,13 +8602,19 @@
               <a:rPr lang="sv-SE" dirty="0" smtClean="0"/>
               <a:t>Utvärdering (2 veckor) </a:t>
             </a:r>
+            <a:endParaRPr lang="sv-SE" dirty="0" smtClean="0"/>
           </a:p>
           <a:p>
             <a:pPr lvl="1"/>
             <a:r>
               <a:rPr lang="sv-SE" dirty="0" smtClean="0"/>
-              <a:t>Färdigställande av rapport (6 veckor)</a:t>
-            </a:r>
+              <a:t>Färdigställande av </a:t>
+            </a:r>
+            <a:r>
+              <a:rPr lang="sv-SE" dirty="0" smtClean="0"/>
+              <a:t>rapport (6 veckor)</a:t>
+            </a:r>
+            <a:endParaRPr lang="sv-SE" dirty="0" smtClean="0"/>
           </a:p>
           <a:p>
             <a:endParaRPr lang="sv-SE" dirty="0"/>
@@ -8041,33 +8751,15 @@
                                   </p:childTnLst>
                                 </p:cTn>
                               </p:par>
-                            </p:childTnLst>
-                          </p:cTn>
-                        </p:par>
-                      </p:childTnLst>
-                    </p:cTn>
-                  </p:par>
-                  <p:par>
-                    <p:cTn id="13" fill="hold">
-                      <p:stCondLst>
-                        <p:cond delay="indefinite"/>
-                      </p:stCondLst>
-                      <p:childTnLst>
-                        <p:par>
-                          <p:cTn id="14" fill="hold">
-                            <p:stCondLst>
-                              <p:cond delay="0"/>
-                            </p:stCondLst>
-                            <p:childTnLst>
                               <p:par>
-                                <p:cTn id="15" presetID="22" presetClass="entr" presetSubtype="4" fill="hold" grpId="0" nodeType="clickEffect">
+                                <p:cTn id="13" presetID="22" presetClass="entr" presetSubtype="4" fill="hold" grpId="0" nodeType="withEffect">
                                   <p:stCondLst>
                                     <p:cond delay="0"/>
                                   </p:stCondLst>
                                   <p:childTnLst>
                                     <p:set>
                                       <p:cBhvr>
-                                        <p:cTn id="16" dur="1" fill="hold">
+                                        <p:cTn id="14" dur="1" fill="hold">
                                           <p:stCondLst>
                                             <p:cond delay="0"/>
                                           </p:stCondLst>
@@ -8089,7 +8781,7 @@
                                     </p:set>
                                     <p:animEffect transition="in" filter="wipe(down)">
                                       <p:cBhvr>
-                                        <p:cTn id="17" dur="500"/>
+                                        <p:cTn id="15" dur="500"/>
                                         <p:tgtEl>
                                           <p:spTgt spid="3">
                                             <p:txEl>
@@ -8103,14 +8795,14 @@
                                 </p:cTn>
                               </p:par>
                               <p:par>
-                                <p:cTn id="18" presetID="22" presetClass="entr" presetSubtype="4" fill="hold" grpId="0" nodeType="withEffect">
+                                <p:cTn id="16" presetID="22" presetClass="entr" presetSubtype="4" fill="hold" grpId="0" nodeType="withEffect">
                                   <p:stCondLst>
                                     <p:cond delay="0"/>
                                   </p:stCondLst>
                                   <p:childTnLst>
                                     <p:set>
                                       <p:cBhvr>
-                                        <p:cTn id="19" dur="1" fill="hold">
+                                        <p:cTn id="17" dur="1" fill="hold">
                                           <p:stCondLst>
                                             <p:cond delay="0"/>
                                           </p:stCondLst>
@@ -8132,7 +8824,7 @@
                                     </p:set>
                                     <p:animEffect transition="in" filter="wipe(down)">
                                       <p:cBhvr>
-                                        <p:cTn id="20" dur="500"/>
+                                        <p:cTn id="18" dur="500"/>
                                         <p:tgtEl>
                                           <p:spTgt spid="3">
                                             <p:txEl>
@@ -8146,14 +8838,14 @@
                                 </p:cTn>
                               </p:par>
                               <p:par>
-                                <p:cTn id="21" presetID="22" presetClass="entr" presetSubtype="4" fill="hold" grpId="0" nodeType="withEffect">
+                                <p:cTn id="19" presetID="22" presetClass="entr" presetSubtype="4" fill="hold" grpId="0" nodeType="withEffect">
                                   <p:stCondLst>
                                     <p:cond delay="0"/>
                                   </p:stCondLst>
                                   <p:childTnLst>
                                     <p:set>
                                       <p:cBhvr>
-                                        <p:cTn id="22" dur="1" fill="hold">
+                                        <p:cTn id="20" dur="1" fill="hold">
                                           <p:stCondLst>
                                             <p:cond delay="0"/>
                                           </p:stCondLst>
@@ -8175,7 +8867,7 @@
                                     </p:set>
                                     <p:animEffect transition="in" filter="wipe(down)">
                                       <p:cBhvr>
-                                        <p:cTn id="23" dur="500"/>
+                                        <p:cTn id="21" dur="500"/>
                                         <p:tgtEl>
                                           <p:spTgt spid="3">
                                             <p:txEl>
@@ -8189,14 +8881,14 @@
                                 </p:cTn>
                               </p:par>
                               <p:par>
-                                <p:cTn id="24" presetID="22" presetClass="entr" presetSubtype="4" fill="hold" grpId="0" nodeType="withEffect">
+                                <p:cTn id="22" presetID="22" presetClass="entr" presetSubtype="4" fill="hold" grpId="0" nodeType="withEffect">
                                   <p:stCondLst>
                                     <p:cond delay="0"/>
                                   </p:stCondLst>
                                   <p:childTnLst>
                                     <p:set>
                                       <p:cBhvr>
-                                        <p:cTn id="25" dur="1" fill="hold">
+                                        <p:cTn id="23" dur="1" fill="hold">
                                           <p:stCondLst>
                                             <p:cond delay="0"/>
                                           </p:stCondLst>
@@ -8218,354 +8910,11 @@
                                     </p:set>
                                     <p:animEffect transition="in" filter="wipe(down)">
                                       <p:cBhvr>
-                                        <p:cTn id="26" dur="500"/>
+                                        <p:cTn id="24" dur="500"/>
                                         <p:tgtEl>
                                           <p:spTgt spid="3">
                                             <p:txEl>
                                               <p:pRg st="5" end="5"/>
-                                            </p:txEl>
-                                          </p:spTgt>
-                                        </p:tgtEl>
-                                      </p:cBhvr>
-                                    </p:animEffect>
-                                  </p:childTnLst>
-                                </p:cTn>
-                              </p:par>
-                              <p:par>
-                                <p:cTn id="27" presetID="22" presetClass="entr" presetSubtype="4" fill="hold" grpId="0" nodeType="withEffect">
-                                  <p:stCondLst>
-                                    <p:cond delay="0"/>
-                                  </p:stCondLst>
-                                  <p:childTnLst>
-                                    <p:set>
-                                      <p:cBhvr>
-                                        <p:cTn id="28" dur="1" fill="hold">
-                                          <p:stCondLst>
-                                            <p:cond delay="0"/>
-                                          </p:stCondLst>
-                                        </p:cTn>
-                                        <p:tgtEl>
-                                          <p:spTgt spid="3">
-                                            <p:txEl>
-                                              <p:pRg st="6" end="6"/>
-                                            </p:txEl>
-                                          </p:spTgt>
-                                        </p:tgtEl>
-                                        <p:attrNameLst>
-                                          <p:attrName>style.visibility</p:attrName>
-                                        </p:attrNameLst>
-                                      </p:cBhvr>
-                                      <p:to>
-                                        <p:strVal val="visible"/>
-                                      </p:to>
-                                    </p:set>
-                                    <p:animEffect transition="in" filter="wipe(down)">
-                                      <p:cBhvr>
-                                        <p:cTn id="29" dur="500"/>
-                                        <p:tgtEl>
-                                          <p:spTgt spid="3">
-                                            <p:txEl>
-                                              <p:pRg st="6" end="6"/>
-                                            </p:txEl>
-                                          </p:spTgt>
-                                        </p:tgtEl>
-                                      </p:cBhvr>
-                                    </p:animEffect>
-                                  </p:childTnLst>
-                                </p:cTn>
-                              </p:par>
-                            </p:childTnLst>
-                          </p:cTn>
-                        </p:par>
-                      </p:childTnLst>
-                    </p:cTn>
-                  </p:par>
-                </p:childTnLst>
-              </p:cTn>
-              <p:prevCondLst>
-                <p:cond evt="onPrev" delay="0">
-                  <p:tgtEl>
-                    <p:sldTgt/>
-                  </p:tgtEl>
-                </p:cond>
-              </p:prevCondLst>
-              <p:nextCondLst>
-                <p:cond evt="onNext" delay="0">
-                  <p:tgtEl>
-                    <p:sldTgt/>
-                  </p:tgtEl>
-                </p:cond>
-              </p:nextCondLst>
-            </p:seq>
-          </p:childTnLst>
-        </p:cTn>
-      </p:par>
-    </p:tnLst>
-    <p:bldLst>
-      <p:bldP spid="3" grpId="0" build="p"/>
-    </p:bldLst>
-  </p:timing>
-</p:sld>
-</file>
-
-<file path=ppt/slides/slide5.xml><?xml version="1.0" encoding="utf-8"?>
-<p:sld xmlns:a="http://schemas.openxmlformats.org/drawingml/2006/main" xmlns:r="http://schemas.openxmlformats.org/officeDocument/2006/relationships" xmlns:p="http://schemas.openxmlformats.org/presentationml/2006/main">
-  <p:cSld>
-    <p:spTree>
-      <p:nvGrpSpPr>
-        <p:cNvPr id="1" name=""/>
-        <p:cNvGrpSpPr/>
-        <p:nvPr/>
-      </p:nvGrpSpPr>
-      <p:grpSpPr>
-        <a:xfrm>
-          <a:off x="0" y="0"/>
-          <a:ext cx="0" cy="0"/>
-          <a:chOff x="0" y="0"/>
-          <a:chExt cx="0" cy="0"/>
-        </a:xfrm>
-      </p:grpSpPr>
-      <p:sp>
-        <p:nvSpPr>
-          <p:cNvPr id="2" name="Title 1"/>
-          <p:cNvSpPr>
-            <a:spLocks noGrp="1"/>
-          </p:cNvSpPr>
-          <p:nvPr>
-            <p:ph type="title"/>
-          </p:nvPr>
-        </p:nvSpPr>
-        <p:spPr/>
-        <p:txBody>
-          <a:bodyPr/>
-          <a:lstStyle/>
-          <a:p>
-            <a:r>
-              <a:rPr lang="sv-SE" dirty="0" smtClean="0"/>
-              <a:t>Kravanalys</a:t>
-            </a:r>
-            <a:endParaRPr lang="sv-SE" dirty="0"/>
-          </a:p>
-        </p:txBody>
-      </p:sp>
-      <p:sp>
-        <p:nvSpPr>
-          <p:cNvPr id="3" name="Content Placeholder 2"/>
-          <p:cNvSpPr>
-            <a:spLocks noGrp="1"/>
-          </p:cNvSpPr>
-          <p:nvPr>
-            <p:ph idx="1"/>
-          </p:nvPr>
-        </p:nvSpPr>
-        <p:spPr/>
-        <p:txBody>
-          <a:bodyPr/>
-          <a:lstStyle/>
-          <a:p>
-            <a:r>
-              <a:rPr lang="sv-SE" dirty="0" smtClean="0"/>
-              <a:t>Identifiering</a:t>
-            </a:r>
-          </a:p>
-          <a:p>
-            <a:r>
-              <a:rPr lang="sv-SE" dirty="0" smtClean="0"/>
-              <a:t>Definiering</a:t>
-            </a:r>
-          </a:p>
-          <a:p>
-            <a:r>
-              <a:rPr lang="sv-SE" dirty="0" smtClean="0"/>
-              <a:t>Prioritering</a:t>
-            </a:r>
-            <a:endParaRPr lang="sv-SE" dirty="0" smtClean="0"/>
-          </a:p>
-        </p:txBody>
-      </p:sp>
-    </p:spTree>
-  </p:cSld>
-  <p:clrMapOvr>
-    <a:masterClrMapping/>
-  </p:clrMapOvr>
-  <p:transition/>
-  <p:timing>
-    <p:tnLst>
-      <p:par>
-        <p:cTn id="1" dur="indefinite" restart="never" nodeType="tmRoot">
-          <p:childTnLst>
-            <p:seq concurrent="1" nextAc="seek">
-              <p:cTn id="2" dur="indefinite" nodeType="mainSeq">
-                <p:childTnLst>
-                  <p:par>
-                    <p:cTn id="3" fill="hold">
-                      <p:stCondLst>
-                        <p:cond delay="indefinite"/>
-                      </p:stCondLst>
-                      <p:childTnLst>
-                        <p:par>
-                          <p:cTn id="4" fill="hold">
-                            <p:stCondLst>
-                              <p:cond delay="0"/>
-                            </p:stCondLst>
-                            <p:childTnLst>
-                              <p:par>
-                                <p:cTn id="5" presetID="22" presetClass="entr" presetSubtype="1" fill="hold" grpId="0" nodeType="clickEffect">
-                                  <p:stCondLst>
-                                    <p:cond delay="0"/>
-                                  </p:stCondLst>
-                                  <p:childTnLst>
-                                    <p:set>
-                                      <p:cBhvr>
-                                        <p:cTn id="6" dur="1" fill="hold">
-                                          <p:stCondLst>
-                                            <p:cond delay="0"/>
-                                          </p:stCondLst>
-                                        </p:cTn>
-                                        <p:tgtEl>
-                                          <p:spTgt spid="3">
-                                            <p:txEl>
-                                              <p:pRg st="0" end="0"/>
-                                            </p:txEl>
-                                          </p:spTgt>
-                                        </p:tgtEl>
-                                        <p:attrNameLst>
-                                          <p:attrName>style.visibility</p:attrName>
-                                        </p:attrNameLst>
-                                      </p:cBhvr>
-                                      <p:to>
-                                        <p:strVal val="visible"/>
-                                      </p:to>
-                                    </p:set>
-                                    <p:animEffect transition="in" filter="wipe(up)">
-                                      <p:cBhvr>
-                                        <p:cTn id="7" dur="500"/>
-                                        <p:tgtEl>
-                                          <p:spTgt spid="3">
-                                            <p:txEl>
-                                              <p:pRg st="0" end="0"/>
-                                            </p:txEl>
-                                          </p:spTgt>
-                                        </p:tgtEl>
-                                      </p:cBhvr>
-                                    </p:animEffect>
-                                  </p:childTnLst>
-                                </p:cTn>
-                              </p:par>
-                            </p:childTnLst>
-                          </p:cTn>
-                        </p:par>
-                      </p:childTnLst>
-                    </p:cTn>
-                  </p:par>
-                  <p:par>
-                    <p:cTn id="8" fill="hold">
-                      <p:stCondLst>
-                        <p:cond delay="indefinite"/>
-                      </p:stCondLst>
-                      <p:childTnLst>
-                        <p:par>
-                          <p:cTn id="9" fill="hold">
-                            <p:stCondLst>
-                              <p:cond delay="0"/>
-                            </p:stCondLst>
-                            <p:childTnLst>
-                              <p:par>
-                                <p:cTn id="10" presetID="22" presetClass="entr" presetSubtype="1" fill="hold" grpId="0" nodeType="clickEffect">
-                                  <p:stCondLst>
-                                    <p:cond delay="0"/>
-                                  </p:stCondLst>
-                                  <p:childTnLst>
-                                    <p:set>
-                                      <p:cBhvr>
-                                        <p:cTn id="11" dur="1" fill="hold">
-                                          <p:stCondLst>
-                                            <p:cond delay="0"/>
-                                          </p:stCondLst>
-                                        </p:cTn>
-                                        <p:tgtEl>
-                                          <p:spTgt spid="3">
-                                            <p:txEl>
-                                              <p:pRg st="1" end="1"/>
-                                            </p:txEl>
-                                          </p:spTgt>
-                                        </p:tgtEl>
-                                        <p:attrNameLst>
-                                          <p:attrName>style.visibility</p:attrName>
-                                        </p:attrNameLst>
-                                      </p:cBhvr>
-                                      <p:to>
-                                        <p:strVal val="visible"/>
-                                      </p:to>
-                                    </p:set>
-                                    <p:animEffect transition="in" filter="wipe(up)">
-                                      <p:cBhvr>
-                                        <p:cTn id="12" dur="500"/>
-                                        <p:tgtEl>
-                                          <p:spTgt spid="3">
-                                            <p:txEl>
-                                              <p:pRg st="1" end="1"/>
-                                            </p:txEl>
-                                          </p:spTgt>
-                                        </p:tgtEl>
-                                      </p:cBhvr>
-                                    </p:animEffect>
-                                  </p:childTnLst>
-                                </p:cTn>
-                              </p:par>
-                            </p:childTnLst>
-                          </p:cTn>
-                        </p:par>
-                      </p:childTnLst>
-                    </p:cTn>
-                  </p:par>
-                  <p:par>
-                    <p:cTn id="13" fill="hold">
-                      <p:stCondLst>
-                        <p:cond delay="indefinite"/>
-                      </p:stCondLst>
-                      <p:childTnLst>
-                        <p:par>
-                          <p:cTn id="14" fill="hold">
-                            <p:stCondLst>
-                              <p:cond delay="0"/>
-                            </p:stCondLst>
-                            <p:childTnLst>
-                              <p:par>
-                                <p:cTn id="15" presetID="22" presetClass="entr" presetSubtype="1" fill="hold" grpId="0" nodeType="clickEffect">
-                                  <p:stCondLst>
-                                    <p:cond delay="0"/>
-                                  </p:stCondLst>
-                                  <p:childTnLst>
-                                    <p:set>
-                                      <p:cBhvr>
-                                        <p:cTn id="16" dur="1" fill="hold">
-                                          <p:stCondLst>
-                                            <p:cond delay="0"/>
-                                          </p:stCondLst>
-                                        </p:cTn>
-                                        <p:tgtEl>
-                                          <p:spTgt spid="3">
-                                            <p:txEl>
-                                              <p:pRg st="2" end="2"/>
-                                            </p:txEl>
-                                          </p:spTgt>
-                                        </p:tgtEl>
-                                        <p:attrNameLst>
-                                          <p:attrName>style.visibility</p:attrName>
-                                        </p:attrNameLst>
-                                      </p:cBhvr>
-                                      <p:to>
-                                        <p:strVal val="visible"/>
-                                      </p:to>
-                                    </p:set>
-                                    <p:animEffect transition="in" filter="wipe(up)">
-                                      <p:cBhvr>
-                                        <p:cTn id="17" dur="500"/>
-                                        <p:tgtEl>
-                                          <p:spTgt spid="3">
-                                            <p:txEl>
-                                              <p:pRg st="2" end="2"/>
                                             </p:txEl>
                                           </p:spTgt>
                                         </p:tgtEl>
@@ -8627,7 +8976,7 @@
       </p:grpSpPr>
       <p:sp>
         <p:nvSpPr>
-          <p:cNvPr id="2" name="Rubrik 1"/>
+          <p:cNvPr id="2" name="Title 1"/>
           <p:cNvSpPr>
             <a:spLocks noGrp="1"/>
           </p:cNvSpPr>
@@ -8637,14 +8986,12 @@
         </p:nvSpPr>
         <p:spPr/>
         <p:txBody>
-          <a:bodyPr>
-            <a:normAutofit/>
-          </a:bodyPr>
+          <a:bodyPr/>
           <a:lstStyle/>
           <a:p>
             <a:r>
               <a:rPr lang="sv-SE" dirty="0" smtClean="0"/>
-              <a:t>Kravanalys forts.</a:t>
+              <a:t>Kravanalys</a:t>
             </a:r>
             <a:endParaRPr lang="sv-SE" dirty="0"/>
           </a:p>
@@ -8652,7 +8999,7 @@
       </p:sp>
       <p:sp>
         <p:nvSpPr>
-          <p:cNvPr id="3" name="Platshållare för innehåll 2"/>
+          <p:cNvPr id="3" name="Content Placeholder 2"/>
           <p:cNvSpPr>
             <a:spLocks noGrp="1"/>
           </p:cNvSpPr>
@@ -8667,50 +9014,49 @@
           <a:p>
             <a:r>
               <a:rPr lang="sv-SE" dirty="0" smtClean="0"/>
-              <a:t>Resultat:</a:t>
+              <a:t>Identifiering</a:t>
             </a:r>
           </a:p>
           <a:p>
             <a:pPr lvl="1"/>
             <a:r>
               <a:rPr lang="sv-SE" dirty="0" smtClean="0"/>
-              <a:t>Musdata </a:t>
-            </a:r>
-            <a:r>
-              <a:rPr lang="sv-SE" dirty="0" smtClean="0">
-                <a:sym typeface="Wingdings" pitchFamily="2" charset="2"/>
-              </a:rPr>
-              <a:t> Koordinater i flugans referensplan</a:t>
+              <a:t>Möten med slutanvändarna</a:t>
             </a:r>
           </a:p>
           <a:p>
             <a:pPr lvl="1"/>
             <a:r>
-              <a:rPr lang="sv-SE" dirty="0" smtClean="0">
-                <a:sym typeface="Wingdings" pitchFamily="2" charset="2"/>
-              </a:rPr>
-              <a:t>Spara och presentera data i ett passande format</a:t>
+              <a:rPr lang="sv-SE" dirty="0" smtClean="0"/>
+              <a:t>Iterativt</a:t>
+            </a:r>
+            <a:endParaRPr lang="sv-SE" dirty="0" smtClean="0"/>
+          </a:p>
+          <a:p>
+            <a:r>
+              <a:rPr lang="sv-SE" dirty="0" smtClean="0"/>
+              <a:t>Definiering</a:t>
             </a:r>
           </a:p>
           <a:p>
             <a:pPr lvl="1"/>
             <a:r>
-              <a:rPr lang="sv-SE" dirty="0" smtClean="0">
-                <a:sym typeface="Wingdings" pitchFamily="2" charset="2"/>
-              </a:rPr>
-              <a:t>”</a:t>
-            </a:r>
-            <a:r>
-              <a:rPr lang="sv-SE" dirty="0" err="1" smtClean="0">
-                <a:sym typeface="Wingdings" pitchFamily="2" charset="2"/>
-              </a:rPr>
-              <a:t>Trigger</a:t>
-            </a:r>
-            <a:r>
-              <a:rPr lang="sv-SE" dirty="0" smtClean="0">
-                <a:sym typeface="Wingdings" pitchFamily="2" charset="2"/>
-              </a:rPr>
-              <a:t>”</a:t>
+              <a:rPr lang="sv-SE" dirty="0" smtClean="0"/>
+              <a:t>Tydlighet</a:t>
+            </a:r>
+          </a:p>
+          <a:p>
+            <a:pPr lvl="1"/>
+            <a:r>
+              <a:rPr lang="sv-SE" dirty="0" smtClean="0"/>
+              <a:t>Kravdokument</a:t>
+            </a:r>
+            <a:endParaRPr lang="sv-SE" dirty="0" smtClean="0"/>
+          </a:p>
+          <a:p>
+            <a:r>
+              <a:rPr lang="sv-SE" dirty="0" smtClean="0"/>
+              <a:t>Prioritering</a:t>
             </a:r>
           </a:p>
         </p:txBody>
@@ -8784,33 +9130,15 @@
                                   </p:childTnLst>
                                 </p:cTn>
                               </p:par>
-                            </p:childTnLst>
-                          </p:cTn>
-                        </p:par>
-                      </p:childTnLst>
-                    </p:cTn>
-                  </p:par>
-                  <p:par>
-                    <p:cTn id="8" fill="hold">
-                      <p:stCondLst>
-                        <p:cond delay="indefinite"/>
-                      </p:stCondLst>
-                      <p:childTnLst>
-                        <p:par>
-                          <p:cTn id="9" fill="hold">
-                            <p:stCondLst>
-                              <p:cond delay="0"/>
-                            </p:stCondLst>
-                            <p:childTnLst>
                               <p:par>
-                                <p:cTn id="10" presetID="22" presetClass="entr" presetSubtype="1" fill="hold" grpId="0" nodeType="clickEffect">
+                                <p:cTn id="8" presetID="22" presetClass="entr" presetSubtype="1" fill="hold" grpId="0" nodeType="withEffect">
                                   <p:stCondLst>
                                     <p:cond delay="0"/>
                                   </p:stCondLst>
                                   <p:childTnLst>
                                     <p:set>
                                       <p:cBhvr>
-                                        <p:cTn id="11" dur="1" fill="hold">
+                                        <p:cTn id="9" dur="1" fill="hold">
                                           <p:stCondLst>
                                             <p:cond delay="0"/>
                                           </p:stCondLst>
@@ -8832,11 +9160,54 @@
                                     </p:set>
                                     <p:animEffect transition="in" filter="wipe(up)">
                                       <p:cBhvr>
-                                        <p:cTn id="12" dur="500"/>
+                                        <p:cTn id="10" dur="500"/>
                                         <p:tgtEl>
                                           <p:spTgt spid="3">
                                             <p:txEl>
                                               <p:pRg st="1" end="1"/>
+                                            </p:txEl>
+                                          </p:spTgt>
+                                        </p:tgtEl>
+                                      </p:cBhvr>
+                                    </p:animEffect>
+                                  </p:childTnLst>
+                                </p:cTn>
+                              </p:par>
+                              <p:par>
+                                <p:cTn id="11" presetID="22" presetClass="entr" presetSubtype="1" fill="hold" grpId="0" nodeType="withEffect">
+                                  <p:stCondLst>
+                                    <p:cond delay="0"/>
+                                  </p:stCondLst>
+                                  <p:childTnLst>
+                                    <p:set>
+                                      <p:cBhvr>
+                                        <p:cTn id="12" dur="1" fill="hold">
+                                          <p:stCondLst>
+                                            <p:cond delay="0"/>
+                                          </p:stCondLst>
+                                        </p:cTn>
+                                        <p:tgtEl>
+                                          <p:spTgt spid="3">
+                                            <p:txEl>
+                                              <p:pRg st="2" end="2"/>
+                                            </p:txEl>
+                                          </p:spTgt>
+                                        </p:tgtEl>
+                                        <p:attrNameLst>
+                                          <p:attrName>style.visibility</p:attrName>
+                                        </p:attrNameLst>
+                                      </p:cBhvr>
+                                      <p:to>
+                                        <p:strVal val="visible"/>
+                                      </p:to>
+                                    </p:set>
+                                    <p:animEffect transition="in" filter="wipe(up)">
+                                      <p:cBhvr>
+                                        <p:cTn id="13" dur="500"/>
+                                        <p:tgtEl>
+                                          <p:spTgt spid="3">
+                                            <p:txEl>
+                                              <p:pRg st="2" end="2"/>
                                             </p:txEl>
                                           </p:spTgt>
                                         </p:tgtEl>
@@ -8852,26 +9223,26 @@
                     </p:cTn>
                   </p:par>
                   <p:par>
-                    <p:cTn id="13" fill="hold">
+                    <p:cTn id="14" fill="hold">
                       <p:stCondLst>
                         <p:cond delay="indefinite"/>
                       </p:stCondLst>
                       <p:childTnLst>
                         <p:par>
-                          <p:cTn id="14" fill="hold">
+                          <p:cTn id="15" fill="hold">
                             <p:stCondLst>
                               <p:cond delay="0"/>
                             </p:stCondLst>
                             <p:childTnLst>
                               <p:par>
-                                <p:cTn id="15" presetID="22" presetClass="entr" presetSubtype="1" fill="hold" grpId="0" nodeType="clickEffect">
+                                <p:cTn id="16" presetID="22" presetClass="entr" presetSubtype="1" fill="hold" grpId="0" nodeType="clickEffect">
                                   <p:stCondLst>
                                     <p:cond delay="0"/>
                                   </p:stCondLst>
                                   <p:childTnLst>
                                     <p:set>
                                       <p:cBhvr>
-                                        <p:cTn id="16" dur="1" fill="hold">
+                                        <p:cTn id="17" dur="1" fill="hold">
                                           <p:stCondLst>
                                             <p:cond delay="0"/>
                                           </p:stCondLst>
@@ -8879,7 +9250,7 @@
                                         <p:tgtEl>
                                           <p:spTgt spid="3">
                                             <p:txEl>
-                                              <p:pRg st="2" end="2"/>
+                                              <p:pRg st="3" end="3"/>
                                             </p:txEl>
                                           </p:spTgt>
                                         </p:tgtEl>
@@ -8893,11 +9264,97 @@
                                     </p:set>
                                     <p:animEffect transition="in" filter="wipe(up)">
                                       <p:cBhvr>
-                                        <p:cTn id="17" dur="500"/>
+                                        <p:cTn id="18" dur="500"/>
                                         <p:tgtEl>
                                           <p:spTgt spid="3">
                                             <p:txEl>
-                                              <p:pRg st="2" end="2"/>
+                                              <p:pRg st="3" end="3"/>
+                                            </p:txEl>
+                                          </p:spTgt>
+                                        </p:tgtEl>
+                                      </p:cBhvr>
+                                    </p:animEffect>
+                                  </p:childTnLst>
+                                </p:cTn>
+                              </p:par>
+                              <p:par>
+                                <p:cTn id="19" presetID="22" presetClass="entr" presetSubtype="1" fill="hold" grpId="0" nodeType="withEffect">
+                                  <p:stCondLst>
+                                    <p:cond delay="0"/>
+                                  </p:stCondLst>
+                                  <p:childTnLst>
+                                    <p:set>
+                                      <p:cBhvr>
+                                        <p:cTn id="20" dur="1" fill="hold">
+                                          <p:stCondLst>
+                                            <p:cond delay="0"/>
+                                          </p:stCondLst>
+                                        </p:cTn>
+                                        <p:tgtEl>
+                                          <p:spTgt spid="3">
+                                            <p:txEl>
+                                              <p:pRg st="4" end="4"/>
+                                            </p:txEl>
+                                          </p:spTgt>
+                                        </p:tgtEl>
+                                        <p:attrNameLst>
+                                          <p:attrName>style.visibility</p:attrName>
+                                        </p:attrNameLst>
+                                      </p:cBhvr>
+                                      <p:to>
+                                        <p:strVal val="visible"/>
+                                      </p:to>
+                                    </p:set>
+                                    <p:animEffect transition="in" filter="wipe(up)">
+                                      <p:cBhvr>
+                                        <p:cTn id="21" dur="500"/>
+                                        <p:tgtEl>
+                                          <p:spTgt spid="3">
+                                            <p:txEl>
+                                              <p:pRg st="4" end="4"/>
+                                            </p:txEl>
+                                          </p:spTgt>
+                                        </p:tgtEl>
+                                      </p:cBhvr>
+                                    </p:animEffect>
+                                  </p:childTnLst>
+                                </p:cTn>
+                              </p:par>
+                              <p:par>
+                                <p:cTn id="22" presetID="22" presetClass="entr" presetSubtype="1" fill="hold" grpId="0" nodeType="withEffect">
+                                  <p:stCondLst>
+                                    <p:cond delay="0"/>
+                                  </p:stCondLst>
+                                  <p:childTnLst>
+                                    <p:set>
+                                      <p:cBhvr>
+                                        <p:cTn id="23" dur="1" fill="hold">
+                                          <p:stCondLst>
+                                            <p:cond delay="0"/>
+                                          </p:stCondLst>
+                                        </p:cTn>
+                                        <p:tgtEl>
+                                          <p:spTgt spid="3">
+                                            <p:txEl>
+                                              <p:pRg st="5" end="5"/>
+                                            </p:txEl>
+                                          </p:spTgt>
+                                        </p:tgtEl>
+                                        <p:attrNameLst>
+                                          <p:attrName>style.visibility</p:attrName>
+                                        </p:attrNameLst>
+                                      </p:cBhvr>
+                                      <p:to>
+                                        <p:strVal val="visible"/>
+                                      </p:to>
+                                    </p:set>
+                                    <p:animEffect transition="in" filter="wipe(up)">
+                                      <p:cBhvr>
+                                        <p:cTn id="24" dur="500"/>
+                                        <p:tgtEl>
+                                          <p:spTgt spid="3">
+                                            <p:txEl>
+                                              <p:pRg st="5" end="5"/>
                                             </p:txEl>
                                           </p:spTgt>
                                         </p:tgtEl>
@@ -8913,26 +9370,26 @@
                     </p:cTn>
                   </p:par>
                   <p:par>
-                    <p:cTn id="18" fill="hold">
+                    <p:cTn id="25" fill="hold">
                       <p:stCondLst>
                         <p:cond delay="indefinite"/>
                       </p:stCondLst>
                       <p:childTnLst>
                         <p:par>
-                          <p:cTn id="19" fill="hold">
+                          <p:cTn id="26" fill="hold">
                             <p:stCondLst>
                               <p:cond delay="0"/>
                             </p:stCondLst>
                             <p:childTnLst>
                               <p:par>
-                                <p:cTn id="20" presetID="22" presetClass="entr" presetSubtype="1" fill="hold" grpId="0" nodeType="clickEffect">
+                                <p:cTn id="27" presetID="22" presetClass="entr" presetSubtype="1" fill="hold" grpId="0" nodeType="clickEffect">
                                   <p:stCondLst>
                                     <p:cond delay="0"/>
                                   </p:stCondLst>
                                   <p:childTnLst>
                                     <p:set>
                                       <p:cBhvr>
-                                        <p:cTn id="21" dur="1" fill="hold">
+                                        <p:cTn id="28" dur="1" fill="hold">
                                           <p:stCondLst>
                                             <p:cond delay="0"/>
                                           </p:stCondLst>
@@ -8940,7 +9397,7 @@
                                         <p:tgtEl>
                                           <p:spTgt spid="3">
                                             <p:txEl>
-                                              <p:pRg st="3" end="3"/>
+                                              <p:pRg st="6" end="6"/>
                                             </p:txEl>
                                           </p:spTgt>
                                         </p:tgtEl>
@@ -8954,11 +9411,11 @@
                                     </p:set>
                                     <p:animEffect transition="in" filter="wipe(up)">
                                       <p:cBhvr>
-                                        <p:cTn id="22" dur="500"/>
+                                        <p:cTn id="29" dur="500"/>
                                         <p:tgtEl>
                                           <p:spTgt spid="3">
                                             <p:txEl>
-                                              <p:pRg st="3" end="3"/>
+                                              <p:pRg st="6" end="6"/>
                                             </p:txEl>
                                           </p:spTgt>
                                         </p:tgtEl>
@@ -9037,7 +9494,7 @@
           <a:p>
             <a:r>
               <a:rPr lang="sv-SE" dirty="0" smtClean="0"/>
-              <a:t>Design</a:t>
+              <a:t>Kravanalys forts.</a:t>
             </a:r>
             <a:endParaRPr lang="sv-SE" dirty="0"/>
           </a:p>
@@ -9060,41 +9517,52 @@
           <a:p>
             <a:r>
               <a:rPr lang="sv-SE" dirty="0" smtClean="0"/>
-              <a:t>Iterativ design</a:t>
-            </a:r>
-          </a:p>
-          <a:p>
+              <a:t>Viktigaste kraven:</a:t>
+            </a:r>
+            <a:endParaRPr lang="sv-SE" dirty="0" smtClean="0"/>
+          </a:p>
+          <a:p>
+            <a:pPr lvl="1"/>
             <a:r>
               <a:rPr lang="sv-SE" dirty="0" smtClean="0"/>
-              <a:t>Användarfokus</a:t>
-            </a:r>
-          </a:p>
-          <a:p>
-            <a:r>
-              <a:rPr lang="sv-SE" dirty="0" smtClean="0"/>
-              <a:t>Pappersprototyp</a:t>
-            </a:r>
-          </a:p>
-          <a:p>
-            <a:r>
-              <a:rPr lang="sv-SE" dirty="0" smtClean="0"/>
-              <a:t>Resultat:</a:t>
+              <a:t>Musdata </a:t>
+            </a:r>
+            <a:r>
+              <a:rPr lang="sv-SE" dirty="0" smtClean="0">
+                <a:sym typeface="Wingdings" pitchFamily="2" charset="2"/>
+              </a:rPr>
+              <a:t> Koordinater i flugans referensplan</a:t>
             </a:r>
           </a:p>
           <a:p>
             <a:pPr lvl="1"/>
             <a:r>
-              <a:rPr lang="sv-SE" dirty="0" smtClean="0"/>
-              <a:t>Kalibreringsdel</a:t>
+              <a:rPr lang="sv-SE" dirty="0" smtClean="0">
+                <a:sym typeface="Wingdings" pitchFamily="2" charset="2"/>
+              </a:rPr>
+              <a:t>Spara och presentera data i ett passande format</a:t>
             </a:r>
           </a:p>
           <a:p>
             <a:pPr lvl="1"/>
             <a:r>
-              <a:rPr lang="sv-SE" dirty="0" err="1" smtClean="0"/>
-              <a:t>Experimentsdel</a:t>
-            </a:r>
-            <a:endParaRPr lang="sv-SE" dirty="0" smtClean="0"/>
+              <a:rPr lang="sv-SE" dirty="0" smtClean="0">
+                <a:sym typeface="Wingdings" pitchFamily="2" charset="2"/>
+              </a:rPr>
+              <a:t>”</a:t>
+            </a:r>
+            <a:r>
+              <a:rPr lang="sv-SE" dirty="0" err="1" smtClean="0">
+                <a:sym typeface="Wingdings" pitchFamily="2" charset="2"/>
+              </a:rPr>
+              <a:t>Trigger</a:t>
+            </a:r>
+            <a:r>
+              <a:rPr lang="sv-SE" dirty="0" smtClean="0">
+                <a:sym typeface="Wingdings" pitchFamily="2" charset="2"/>
+              </a:rPr>
+              <a:t>”</a:t>
+            </a:r>
           </a:p>
         </p:txBody>
       </p:sp>
@@ -9342,110 +9810,6 @@
                                           <p:spTgt spid="3">
                                             <p:txEl>
                                               <p:pRg st="3" end="3"/>
-                                            </p:txEl>
-                                          </p:spTgt>
-                                        </p:tgtEl>
-                                      </p:cBhvr>
-                                    </p:animEffect>
-                                  </p:childTnLst>
-                                </p:cTn>
-                              </p:par>
-                            </p:childTnLst>
-                          </p:cTn>
-                        </p:par>
-                      </p:childTnLst>
-                    </p:cTn>
-                  </p:par>
-                  <p:par>
-                    <p:cTn id="23" fill="hold">
-                      <p:stCondLst>
-                        <p:cond delay="indefinite"/>
-                      </p:stCondLst>
-                      <p:childTnLst>
-                        <p:par>
-                          <p:cTn id="24" fill="hold">
-                            <p:stCondLst>
-                              <p:cond delay="0"/>
-                            </p:stCondLst>
-                            <p:childTnLst>
-                              <p:par>
-                                <p:cTn id="25" presetID="22" presetClass="entr" presetSubtype="1" fill="hold" grpId="0" nodeType="clickEffect">
-                                  <p:stCondLst>
-                                    <p:cond delay="0"/>
-                                  </p:stCondLst>
-                                  <p:childTnLst>
-                                    <p:set>
-                                      <p:cBhvr>
-                                        <p:cTn id="26" dur="1" fill="hold">
-                                          <p:stCondLst>
-                                            <p:cond delay="0"/>
-                                          </p:stCondLst>
-                                        </p:cTn>
-                                        <p:tgtEl>
-                                          <p:spTgt spid="3">
-                                            <p:txEl>
-                                              <p:pRg st="4" end="4"/>
-                                            </p:txEl>
-                                          </p:spTgt>
-                                        </p:tgtEl>
-                                        <p:attrNameLst>
-                                          <p:attrName>style.visibility</p:attrName>
-                                        </p:attrNameLst>
-                                      </p:cBhvr>
-                                      <p:to>
-                                        <p:strVal val="visible"/>
-                                      </p:to>
-                                    </p:set>
-                                    <p:animEffect transition="in" filter="wipe(up)">
-                                      <p:cBhvr>
-                                        <p:cTn id="27" dur="500"/>
-                                        <p:tgtEl>
-                                          <p:spTgt spid="3">
-                                            <p:txEl>
-                                              <p:pRg st="4" end="4"/>
-                                            </p:txEl>
-                                          </p:spTgt>
-                                        </p:tgtEl>
-                                      </p:cBhvr>
-                                    </p:animEffect>
-                                  </p:childTnLst>
-                                </p:cTn>
-                              </p:par>
-                              <p:par>
-                                <p:cTn id="28" presetID="22" presetClass="entr" presetSubtype="1" fill="hold" grpId="0" nodeType="withEffect">
-                                  <p:stCondLst>
-                                    <p:cond delay="0"/>
-                                  </p:stCondLst>
-                                  <p:childTnLst>
-                                    <p:set>
-                                      <p:cBhvr>
-                                        <p:cTn id="29" dur="1" fill="hold">
-                                          <p:stCondLst>
-                                            <p:cond delay="0"/>
-                                          </p:stCondLst>
-                                        </p:cTn>
-                                        <p:tgtEl>
-                                          <p:spTgt spid="3">
-                                            <p:txEl>
-                                              <p:pRg st="5" end="5"/>
-                                            </p:txEl>
-                                          </p:spTgt>
-                                        </p:tgtEl>
-                                        <p:attrNameLst>
-                                          <p:attrName>style.visibility</p:attrName>
-                                        </p:attrNameLst>
-                                      </p:cBhvr>
-                                      <p:to>
-                                        <p:strVal val="visible"/>
-                                      </p:to>
-                                    </p:set>
-                                    <p:animEffect transition="in" filter="wipe(up)">
-                                      <p:cBhvr>
-                                        <p:cTn id="30" dur="500"/>
-                                        <p:tgtEl>
-                                          <p:spTgt spid="3">
-                                            <p:txEl>
-                                              <p:pRg st="5" end="5"/>
                                             </p:txEl>
                                           </p:spTgt>
                                         </p:tgtEl>
@@ -9507,6 +9871,493 @@
       </p:grpSpPr>
       <p:sp>
         <p:nvSpPr>
+          <p:cNvPr id="2" name="Rubrik 1"/>
+          <p:cNvSpPr>
+            <a:spLocks noGrp="1"/>
+          </p:cNvSpPr>
+          <p:nvPr>
+            <p:ph type="title"/>
+          </p:nvPr>
+        </p:nvSpPr>
+        <p:spPr/>
+        <p:txBody>
+          <a:bodyPr>
+            <a:normAutofit/>
+          </a:bodyPr>
+          <a:lstStyle/>
+          <a:p>
+            <a:r>
+              <a:rPr lang="sv-SE" dirty="0" smtClean="0"/>
+              <a:t>Design</a:t>
+            </a:r>
+            <a:endParaRPr lang="sv-SE" dirty="0"/>
+          </a:p>
+        </p:txBody>
+      </p:sp>
+      <p:sp>
+        <p:nvSpPr>
+          <p:cNvPr id="3" name="Platshållare för innehåll 2"/>
+          <p:cNvSpPr>
+            <a:spLocks noGrp="1"/>
+          </p:cNvSpPr>
+          <p:nvPr>
+            <p:ph idx="1"/>
+          </p:nvPr>
+        </p:nvSpPr>
+        <p:spPr/>
+        <p:txBody>
+          <a:bodyPr/>
+          <a:lstStyle/>
+          <a:p>
+            <a:r>
+              <a:rPr lang="sv-SE" dirty="0" smtClean="0"/>
+              <a:t>Iterativ design</a:t>
+            </a:r>
+          </a:p>
+          <a:p>
+            <a:r>
+              <a:rPr lang="sv-SE" dirty="0" smtClean="0"/>
+              <a:t>Användarfokus</a:t>
+            </a:r>
+          </a:p>
+          <a:p>
+            <a:r>
+              <a:rPr lang="sv-SE" dirty="0" smtClean="0"/>
+              <a:t>Pappersprototyp</a:t>
+            </a:r>
+          </a:p>
+          <a:p>
+            <a:r>
+              <a:rPr lang="sv-SE" dirty="0" smtClean="0"/>
+              <a:t>Resultat:</a:t>
+            </a:r>
+          </a:p>
+          <a:p>
+            <a:pPr lvl="1"/>
+            <a:r>
+              <a:rPr lang="sv-SE" dirty="0" smtClean="0"/>
+              <a:t>Kalibreringsdel</a:t>
+            </a:r>
+          </a:p>
+          <a:p>
+            <a:pPr lvl="1"/>
+            <a:r>
+              <a:rPr lang="sv-SE" dirty="0" err="1" smtClean="0"/>
+              <a:t>Experimentsdel</a:t>
+            </a:r>
+            <a:endParaRPr lang="sv-SE" dirty="0" smtClean="0"/>
+          </a:p>
+        </p:txBody>
+      </p:sp>
+    </p:spTree>
+  </p:cSld>
+  <p:clrMapOvr>
+    <a:masterClrMapping/>
+  </p:clrMapOvr>
+  <p:transition/>
+  <p:timing>
+    <p:tnLst>
+      <p:par>
+        <p:cTn id="1" dur="indefinite" restart="never" nodeType="tmRoot">
+          <p:childTnLst>
+            <p:seq concurrent="1" nextAc="seek">
+              <p:cTn id="2" dur="indefinite" nodeType="mainSeq">
+                <p:childTnLst>
+                  <p:par>
+                    <p:cTn id="3" fill="hold">
+                      <p:stCondLst>
+                        <p:cond delay="indefinite"/>
+                      </p:stCondLst>
+                      <p:childTnLst>
+                        <p:par>
+                          <p:cTn id="4" fill="hold">
+                            <p:stCondLst>
+                              <p:cond delay="0"/>
+                            </p:stCondLst>
+                            <p:childTnLst>
+                              <p:par>
+                                <p:cTn id="5" presetID="22" presetClass="entr" presetSubtype="1" fill="hold" grpId="0" nodeType="clickEffect">
+                                  <p:stCondLst>
+                                    <p:cond delay="0"/>
+                                  </p:stCondLst>
+                                  <p:childTnLst>
+                                    <p:set>
+                                      <p:cBhvr>
+                                        <p:cTn id="6" dur="1" fill="hold">
+                                          <p:stCondLst>
+                                            <p:cond delay="0"/>
+                                          </p:stCondLst>
+                                        </p:cTn>
+                                        <p:tgtEl>
+                                          <p:spTgt spid="3">
+                                            <p:txEl>
+                                              <p:pRg st="0" end="0"/>
+                                            </p:txEl>
+                                          </p:spTgt>
+                                        </p:tgtEl>
+                                        <p:attrNameLst>
+                                          <p:attrName>style.visibility</p:attrName>
+                                        </p:attrNameLst>
+                                      </p:cBhvr>
+                                      <p:to>
+                                        <p:strVal val="visible"/>
+                                      </p:to>
+                                    </p:set>
+                                    <p:animEffect transition="in" filter="wipe(up)">
+                                      <p:cBhvr>
+                                        <p:cTn id="7" dur="500"/>
+                                        <p:tgtEl>
+                                          <p:spTgt spid="3">
+                                            <p:txEl>
+                                              <p:pRg st="0" end="0"/>
+                                            </p:txEl>
+                                          </p:spTgt>
+                                        </p:tgtEl>
+                                      </p:cBhvr>
+                                    </p:animEffect>
+                                  </p:childTnLst>
+                                </p:cTn>
+                              </p:par>
+                            </p:childTnLst>
+                          </p:cTn>
+                        </p:par>
+                      </p:childTnLst>
+                    </p:cTn>
+                  </p:par>
+                  <p:par>
+                    <p:cTn id="8" fill="hold">
+                      <p:stCondLst>
+                        <p:cond delay="indefinite"/>
+                      </p:stCondLst>
+                      <p:childTnLst>
+                        <p:par>
+                          <p:cTn id="9" fill="hold">
+                            <p:stCondLst>
+                              <p:cond delay="0"/>
+                            </p:stCondLst>
+                            <p:childTnLst>
+                              <p:par>
+                                <p:cTn id="10" presetID="22" presetClass="entr" presetSubtype="1" fill="hold" grpId="0" nodeType="clickEffect">
+                                  <p:stCondLst>
+                                    <p:cond delay="0"/>
+                                  </p:stCondLst>
+                                  <p:childTnLst>
+                                    <p:set>
+                                      <p:cBhvr>
+                                        <p:cTn id="11" dur="1" fill="hold">
+                                          <p:stCondLst>
+                                            <p:cond delay="0"/>
+                                          </p:stCondLst>
+                                        </p:cTn>
+                                        <p:tgtEl>
+                                          <p:spTgt spid="3">
+                                            <p:txEl>
+                                              <p:pRg st="1" end="1"/>
+                                            </p:txEl>
+                                          </p:spTgt>
+                                        </p:tgtEl>
+                                        <p:attrNameLst>
+                                          <p:attrName>style.visibility</p:attrName>
+                                        </p:attrNameLst>
+                                      </p:cBhvr>
+                                      <p:to>
+                                        <p:strVal val="visible"/>
+                                      </p:to>
+                                    </p:set>
+                                    <p:animEffect transition="in" filter="wipe(up)">
+                                      <p:cBhvr>
+                                        <p:cTn id="12" dur="500"/>
+                                        <p:tgtEl>
+                                          <p:spTgt spid="3">
+                                            <p:txEl>
+                                              <p:pRg st="1" end="1"/>
+                                            </p:txEl>
+                                          </p:spTgt>
+                                        </p:tgtEl>
+                                      </p:cBhvr>
+                                    </p:animEffect>
+                                  </p:childTnLst>
+                                </p:cTn>
+                              </p:par>
+                            </p:childTnLst>
+                          </p:cTn>
+                        </p:par>
+                      </p:childTnLst>
+                    </p:cTn>
+                  </p:par>
+                  <p:par>
+                    <p:cTn id="13" fill="hold">
+                      <p:stCondLst>
+                        <p:cond delay="indefinite"/>
+                      </p:stCondLst>
+                      <p:childTnLst>
+                        <p:par>
+                          <p:cTn id="14" fill="hold">
+                            <p:stCondLst>
+                              <p:cond delay="0"/>
+                            </p:stCondLst>
+                            <p:childTnLst>
+                              <p:par>
+                                <p:cTn id="15" presetID="22" presetClass="entr" presetSubtype="1" fill="hold" grpId="0" nodeType="clickEffect">
+                                  <p:stCondLst>
+                                    <p:cond delay="0"/>
+                                  </p:stCondLst>
+                                  <p:childTnLst>
+                                    <p:set>
+                                      <p:cBhvr>
+                                        <p:cTn id="16" dur="1" fill="hold">
+                                          <p:stCondLst>
+                                            <p:cond delay="0"/>
+                                          </p:stCondLst>
+                                        </p:cTn>
+                                        <p:tgtEl>
+                                          <p:spTgt spid="3">
+                                            <p:txEl>
+                                              <p:pRg st="2" end="2"/>
+                                            </p:txEl>
+                                          </p:spTgt>
+                                        </p:tgtEl>
+                                        <p:attrNameLst>
+                                          <p:attrName>style.visibility</p:attrName>
+                                        </p:attrNameLst>
+                                      </p:cBhvr>
+                                      <p:to>
+                                        <p:strVal val="visible"/>
+                                      </p:to>
+                                    </p:set>
+                                    <p:animEffect transition="in" filter="wipe(up)">
+                                      <p:cBhvr>
+                                        <p:cTn id="17" dur="500"/>
+                                        <p:tgtEl>
+                                          <p:spTgt spid="3">
+                                            <p:txEl>
+                                              <p:pRg st="2" end="2"/>
+                                            </p:txEl>
+                                          </p:spTgt>
+                                        </p:tgtEl>
+                                      </p:cBhvr>
+                                    </p:animEffect>
+                                  </p:childTnLst>
+                                </p:cTn>
+                              </p:par>
+                            </p:childTnLst>
+                          </p:cTn>
+                        </p:par>
+                      </p:childTnLst>
+                    </p:cTn>
+                  </p:par>
+                  <p:par>
+                    <p:cTn id="18" fill="hold">
+                      <p:stCondLst>
+                        <p:cond delay="indefinite"/>
+                      </p:stCondLst>
+                      <p:childTnLst>
+                        <p:par>
+                          <p:cTn id="19" fill="hold">
+                            <p:stCondLst>
+                              <p:cond delay="0"/>
+                            </p:stCondLst>
+                            <p:childTnLst>
+                              <p:par>
+                                <p:cTn id="20" presetID="22" presetClass="entr" presetSubtype="1" fill="hold" grpId="0" nodeType="clickEffect">
+                                  <p:stCondLst>
+                                    <p:cond delay="0"/>
+                                  </p:stCondLst>
+                                  <p:childTnLst>
+                                    <p:set>
+                                      <p:cBhvr>
+                                        <p:cTn id="21" dur="1" fill="hold">
+                                          <p:stCondLst>
+                                            <p:cond delay="0"/>
+                                          </p:stCondLst>
+                                        </p:cTn>
+                                        <p:tgtEl>
+                                          <p:spTgt spid="3">
+                                            <p:txEl>
+                                              <p:pRg st="3" end="3"/>
+                                            </p:txEl>
+                                          </p:spTgt>
+                                        </p:tgtEl>
+                                        <p:attrNameLst>
+                                          <p:attrName>style.visibility</p:attrName>
+                                        </p:attrNameLst>
+                                      </p:cBhvr>
+                                      <p:to>
+                                        <p:strVal val="visible"/>
+                                      </p:to>
+                                    </p:set>
+                                    <p:animEffect transition="in" filter="wipe(up)">
+                                      <p:cBhvr>
+                                        <p:cTn id="22" dur="500"/>
+                                        <p:tgtEl>
+                                          <p:spTgt spid="3">
+                                            <p:txEl>
+                                              <p:pRg st="3" end="3"/>
+                                            </p:txEl>
+                                          </p:spTgt>
+                                        </p:tgtEl>
+                                      </p:cBhvr>
+                                    </p:animEffect>
+                                  </p:childTnLst>
+                                </p:cTn>
+                              </p:par>
+                            </p:childTnLst>
+                          </p:cTn>
+                        </p:par>
+                      </p:childTnLst>
+                    </p:cTn>
+                  </p:par>
+                  <p:par>
+                    <p:cTn id="23" fill="hold">
+                      <p:stCondLst>
+                        <p:cond delay="indefinite"/>
+                      </p:stCondLst>
+                      <p:childTnLst>
+                        <p:par>
+                          <p:cTn id="24" fill="hold">
+                            <p:stCondLst>
+                              <p:cond delay="0"/>
+                            </p:stCondLst>
+                            <p:childTnLst>
+                              <p:par>
+                                <p:cTn id="25" presetID="22" presetClass="entr" presetSubtype="1" fill="hold" grpId="0" nodeType="clickEffect">
+                                  <p:stCondLst>
+                                    <p:cond delay="0"/>
+                                  </p:stCondLst>
+                                  <p:childTnLst>
+                                    <p:set>
+                                      <p:cBhvr>
+                                        <p:cTn id="26" dur="1" fill="hold">
+                                          <p:stCondLst>
+                                            <p:cond delay="0"/>
+                                          </p:stCondLst>
+                                        </p:cTn>
+                                        <p:tgtEl>
+                                          <p:spTgt spid="3">
+                                            <p:txEl>
+                                              <p:pRg st="4" end="4"/>
+                                            </p:txEl>
+                                          </p:spTgt>
+                                        </p:tgtEl>
+                                        <p:attrNameLst>
+                                          <p:attrName>style.visibility</p:attrName>
+                                        </p:attrNameLst>
+                                      </p:cBhvr>
+                                      <p:to>
+                                        <p:strVal val="visible"/>
+                                      </p:to>
+                                    </p:set>
+                                    <p:animEffect transition="in" filter="wipe(up)">
+                                      <p:cBhvr>
+                                        <p:cTn id="27" dur="500"/>
+                                        <p:tgtEl>
+                                          <p:spTgt spid="3">
+                                            <p:txEl>
+                                              <p:pRg st="4" end="4"/>
+                                            </p:txEl>
+                                          </p:spTgt>
+                                        </p:tgtEl>
+                                      </p:cBhvr>
+                                    </p:animEffect>
+                                  </p:childTnLst>
+                                </p:cTn>
+                              </p:par>
+                              <p:par>
+                                <p:cTn id="28" presetID="22" presetClass="entr" presetSubtype="1" fill="hold" grpId="0" nodeType="withEffect">
+                                  <p:stCondLst>
+                                    <p:cond delay="0"/>
+                                  </p:stCondLst>
+                                  <p:childTnLst>
+                                    <p:set>
+                                      <p:cBhvr>
+                                        <p:cTn id="29" dur="1" fill="hold">
+                                          <p:stCondLst>
+                                            <p:cond delay="0"/>
+                                          </p:stCondLst>
+                                        </p:cTn>
+                                        <p:tgtEl>
+                                          <p:spTgt spid="3">
+                                            <p:txEl>
+                                              <p:pRg st="5" end="5"/>
+                                            </p:txEl>
+                                          </p:spTgt>
+                                        </p:tgtEl>
+                                        <p:attrNameLst>
+                                          <p:attrName>style.visibility</p:attrName>
+                                        </p:attrNameLst>
+                                      </p:cBhvr>
+                                      <p:to>
+                                        <p:strVal val="visible"/>
+                                      </p:to>
+                                    </p:set>
+                                    <p:animEffect transition="in" filter="wipe(up)">
+                                      <p:cBhvr>
+                                        <p:cTn id="30" dur="500"/>
+                                        <p:tgtEl>
+                                          <p:spTgt spid="3">
+                                            <p:txEl>
+                                              <p:pRg st="5" end="5"/>
+                                            </p:txEl>
+                                          </p:spTgt>
+                                        </p:tgtEl>
+                                      </p:cBhvr>
+                                    </p:animEffect>
+                                  </p:childTnLst>
+                                </p:cTn>
+                              </p:par>
+                            </p:childTnLst>
+                          </p:cTn>
+                        </p:par>
+                      </p:childTnLst>
+                    </p:cTn>
+                  </p:par>
+                </p:childTnLst>
+              </p:cTn>
+              <p:prevCondLst>
+                <p:cond evt="onPrev" delay="0">
+                  <p:tgtEl>
+                    <p:sldTgt/>
+                  </p:tgtEl>
+                </p:cond>
+              </p:prevCondLst>
+              <p:nextCondLst>
+                <p:cond evt="onNext" delay="0">
+                  <p:tgtEl>
+                    <p:sldTgt/>
+                  </p:tgtEl>
+                </p:cond>
+              </p:nextCondLst>
+            </p:seq>
+          </p:childTnLst>
+        </p:cTn>
+      </p:par>
+    </p:tnLst>
+    <p:bldLst>
+      <p:bldP spid="3" grpId="0" build="p"/>
+    </p:bldLst>
+  </p:timing>
+</p:sld>
+</file>
+
+<file path=ppt/slides/slide9.xml><?xml version="1.0" encoding="utf-8"?>
+<p:sld xmlns:a="http://schemas.openxmlformats.org/drawingml/2006/main" xmlns:r="http://schemas.openxmlformats.org/officeDocument/2006/relationships" xmlns:p="http://schemas.openxmlformats.org/presentationml/2006/main">
+  <p:cSld>
+    <p:spTree>
+      <p:nvGrpSpPr>
+        <p:cNvPr id="1" name=""/>
+        <p:cNvGrpSpPr/>
+        <p:nvPr/>
+      </p:nvGrpSpPr>
+      <p:grpSpPr>
+        <a:xfrm>
+          <a:off x="0" y="0"/>
+          <a:ext cx="0" cy="0"/>
+          <a:chOff x="0" y="0"/>
+          <a:chExt cx="0" cy="0"/>
+        </a:xfrm>
+      </p:grpSpPr>
+      <p:sp>
+        <p:nvSpPr>
           <p:cNvPr id="7" name="Rubrik 6"/>
           <p:cNvSpPr>
             <a:spLocks noGrp="1"/>
@@ -9739,267 +10590,6 @@
     </p:tnLst>
     <p:bldLst>
       <p:bldP spid="8" grpId="0" build="p"/>
-    </p:bldLst>
-  </p:timing>
-</p:sld>
-</file>
-
-<file path=ppt/slides/slide9.xml><?xml version="1.0" encoding="utf-8"?>
-<p:sld xmlns:a="http://schemas.openxmlformats.org/drawingml/2006/main" xmlns:r="http://schemas.openxmlformats.org/officeDocument/2006/relationships" xmlns:p="http://schemas.openxmlformats.org/presentationml/2006/main">
-  <p:cSld>
-    <p:spTree>
-      <p:nvGrpSpPr>
-        <p:cNvPr id="1" name=""/>
-        <p:cNvGrpSpPr/>
-        <p:nvPr/>
-      </p:nvGrpSpPr>
-      <p:grpSpPr>
-        <a:xfrm>
-          <a:off x="0" y="0"/>
-          <a:ext cx="0" cy="0"/>
-          <a:chOff x="0" y="0"/>
-          <a:chExt cx="0" cy="0"/>
-        </a:xfrm>
-      </p:grpSpPr>
-      <p:sp>
-        <p:nvSpPr>
-          <p:cNvPr id="2" name="Rubrik 1"/>
-          <p:cNvSpPr>
-            <a:spLocks noGrp="1"/>
-          </p:cNvSpPr>
-          <p:nvPr>
-            <p:ph type="title"/>
-          </p:nvPr>
-        </p:nvSpPr>
-        <p:spPr/>
-        <p:txBody>
-          <a:bodyPr/>
-          <a:lstStyle/>
-          <a:p>
-            <a:r>
-              <a:rPr lang="sv-SE" dirty="0" err="1" smtClean="0"/>
-              <a:t>Experimentvyn</a:t>
-            </a:r>
-            <a:endParaRPr lang="sv-SE" dirty="0"/>
-          </a:p>
-        </p:txBody>
-      </p:sp>
-      <p:sp>
-        <p:nvSpPr>
-          <p:cNvPr id="3" name="Platshållare för innehåll 2"/>
-          <p:cNvSpPr>
-            <a:spLocks noGrp="1"/>
-          </p:cNvSpPr>
-          <p:nvPr>
-            <p:ph sz="half" idx="1"/>
-          </p:nvPr>
-        </p:nvSpPr>
-        <p:spPr>
-          <a:xfrm>
-            <a:off x="1435608" y="1524000"/>
-            <a:ext cx="5224624" cy="2049016"/>
-          </a:xfrm>
-        </p:spPr>
-        <p:txBody>
-          <a:bodyPr/>
-          <a:lstStyle/>
-          <a:p>
-            <a:r>
-              <a:rPr lang="sv-SE" dirty="0" smtClean="0"/>
-              <a:t>Mycket enklare!</a:t>
-            </a:r>
-          </a:p>
-          <a:p>
-            <a:r>
-              <a:rPr lang="sv-SE" dirty="0" err="1" smtClean="0"/>
-              <a:t>Användarbarhetsheuristik</a:t>
-            </a:r>
-            <a:endParaRPr lang="sv-SE" dirty="0"/>
-          </a:p>
-        </p:txBody>
-      </p:sp>
-      <p:pic>
-        <p:nvPicPr>
-          <p:cNvPr id="5" name="Content Placeholder 6" descr="mainwindow.png"/>
-          <p:cNvPicPr>
-            <a:picLocks noGrp="1" noChangeAspect="1"/>
-          </p:cNvPicPr>
-          <p:nvPr>
-            <p:ph sz="half" idx="2"/>
-          </p:nvPr>
-        </p:nvPicPr>
-        <p:blipFill>
-          <a:blip r:embed="rId2" cstate="print"/>
-          <a:stretch>
-            <a:fillRect/>
-          </a:stretch>
-        </p:blipFill>
-        <p:spPr>
-          <a:xfrm>
-            <a:off x="2771800" y="2852936"/>
-            <a:ext cx="4809728" cy="3734361"/>
-          </a:xfrm>
-        </p:spPr>
-      </p:pic>
-    </p:spTree>
-  </p:cSld>
-  <p:clrMapOvr>
-    <a:masterClrMapping/>
-  </p:clrMapOvr>
-  <p:transition/>
-  <p:timing>
-    <p:tnLst>
-      <p:par>
-        <p:cTn id="1" dur="indefinite" restart="never" nodeType="tmRoot">
-          <p:childTnLst>
-            <p:seq concurrent="1" nextAc="seek">
-              <p:cTn id="2" dur="indefinite" nodeType="mainSeq">
-                <p:childTnLst>
-                  <p:par>
-                    <p:cTn id="3" fill="hold">
-                      <p:stCondLst>
-                        <p:cond delay="indefinite"/>
-                      </p:stCondLst>
-                      <p:childTnLst>
-                        <p:par>
-                          <p:cTn id="4" fill="hold">
-                            <p:stCondLst>
-                              <p:cond delay="0"/>
-                            </p:stCondLst>
-                            <p:childTnLst>
-                              <p:par>
-                                <p:cTn id="5" presetID="22" presetClass="entr" presetSubtype="1" fill="hold" grpId="0" nodeType="clickEffect">
-                                  <p:stCondLst>
-                                    <p:cond delay="0"/>
-                                  </p:stCondLst>
-                                  <p:childTnLst>
-                                    <p:set>
-                                      <p:cBhvr>
-                                        <p:cTn id="6" dur="1" fill="hold">
-                                          <p:stCondLst>
-                                            <p:cond delay="0"/>
-                                          </p:stCondLst>
-                                        </p:cTn>
-                                        <p:tgtEl>
-                                          <p:spTgt spid="3">
-                                            <p:txEl>
-                                              <p:pRg st="0" end="0"/>
-                                            </p:txEl>
-                                          </p:spTgt>
-                                        </p:tgtEl>
-                                        <p:attrNameLst>
-                                          <p:attrName>style.visibility</p:attrName>
-                                        </p:attrNameLst>
-                                      </p:cBhvr>
-                                      <p:to>
-                                        <p:strVal val="visible"/>
-                                      </p:to>
-                                    </p:set>
-                                    <p:animEffect transition="in" filter="wipe(up)">
-                                      <p:cBhvr>
-                                        <p:cTn id="7" dur="500"/>
-                                        <p:tgtEl>
-                                          <p:spTgt spid="3">
-                                            <p:txEl>
-                                              <p:pRg st="0" end="0"/>
-                                            </p:txEl>
-                                          </p:spTgt>
-                                        </p:tgtEl>
-                                      </p:cBhvr>
-                                    </p:animEffect>
-                                  </p:childTnLst>
-                                </p:cTn>
-                              </p:par>
-                            </p:childTnLst>
-                          </p:cTn>
-                        </p:par>
-                      </p:childTnLst>
-                    </p:cTn>
-                  </p:par>
-                  <p:par>
-                    <p:cTn id="8" fill="hold">
-                      <p:stCondLst>
-                        <p:cond delay="indefinite"/>
-                      </p:stCondLst>
-                      <p:childTnLst>
-                        <p:par>
-                          <p:cTn id="9" fill="hold">
-                            <p:stCondLst>
-                              <p:cond delay="0"/>
-                            </p:stCondLst>
-                            <p:childTnLst>
-                              <p:par>
-                                <p:cTn id="10" presetID="22" presetClass="entr" presetSubtype="1" fill="hold" grpId="0" nodeType="clickEffect">
-                                  <p:stCondLst>
-                                    <p:cond delay="0"/>
-                                  </p:stCondLst>
-                                  <p:childTnLst>
-                                    <p:set>
-                                      <p:cBhvr>
-                                        <p:cTn id="11" dur="1" fill="hold">
-                                          <p:stCondLst>
-                                            <p:cond delay="0"/>
-                                          </p:stCondLst>
-                                        </p:cTn>
-                                        <p:tgtEl>
-                                          <p:spTgt spid="3">
-                                            <p:txEl>
-                                              <p:pRg st="1" end="1"/>
-                                            </p:txEl>
-                                          </p:spTgt>
-                                        </p:tgtEl>
-                                        <p:attrNameLst>
-                                          <p:attrName>style.visibility</p:attrName>
-                                        </p:attrNameLst>
-                                      </p:cBhvr>
-                                      <p:to>
-                                        <p:strVal val="visible"/>
-                                      </p:to>
-                                    </p:set>
-                                    <p:animEffect transition="in" filter="wipe(up)">
-                                      <p:cBhvr>
-                                        <p:cTn id="12" dur="500"/>
-                                        <p:tgtEl>
-                                          <p:spTgt spid="3">
-                                            <p:txEl>
-                                              <p:pRg st="1" end="1"/>
-                                            </p:txEl>
-                                          </p:spTgt>
-                                        </p:tgtEl>
-                                      </p:cBhvr>
-                                    </p:animEffect>
-                                  </p:childTnLst>
-                                </p:cTn>
-                              </p:par>
-                            </p:childTnLst>
-                          </p:cTn>
-                        </p:par>
-                      </p:childTnLst>
-                    </p:cTn>
-                  </p:par>
-                </p:childTnLst>
-              </p:cTn>
-              <p:prevCondLst>
-                <p:cond evt="onPrev" delay="0">
-                  <p:tgtEl>
-                    <p:sldTgt/>
-                  </p:tgtEl>
-                </p:cond>
-              </p:prevCondLst>
-              <p:nextCondLst>
-                <p:cond evt="onNext" delay="0">
-                  <p:tgtEl>
-                    <p:sldTgt/>
-                  </p:tgtEl>
-                </p:cond>
-              </p:nextCondLst>
-            </p:seq>
-          </p:childTnLst>
-        </p:cTn>
-      </p:par>
-    </p:tnLst>
-    <p:bldLst>
-      <p:bldP spid="3" grpId="0" build="p"/>
     </p:bldLst>
   </p:timing>
 </p:sld>

--- a/presentations/presentation_swe.pptx
+++ b/presentations/presentation_swe.pptx
@@ -210,7 +210,7 @@
             <a:fld id="{95B0EECD-C57A-4101-A3EB-3048063A3D1A}" type="datetimeFigureOut">
               <a:rPr lang="sv-SE" smtClean="0"/>
               <a:pPr/>
-              <a:t>2014-08-22</a:t>
+              <a:t>2014-08-24</a:t>
             </a:fld>
             <a:endParaRPr lang="sv-SE"/>
           </a:p>
@@ -522,6 +522,14 @@
           </a:bodyPr>
           <a:lstStyle/>
           <a:p>
+            <a:r>
+              <a:rPr lang="sv-SE" dirty="0" smtClean="0"/>
+              <a:t>-</a:t>
+            </a:r>
+            <a:r>
+              <a:rPr lang="sv-SE" baseline="0" dirty="0" smtClean="0"/>
+              <a:t> Hälsa alla välkomna och presentera dig</a:t>
+            </a:r>
             <a:endParaRPr lang="sv-SE" dirty="0"/>
           </a:p>
         </p:txBody>
@@ -544,7 +552,7 @@
             <a:fld id="{0002D4AA-ECCD-4AAE-928A-061DA56661C0}" type="slidenum">
               <a:rPr lang="sv-SE" smtClean="0"/>
               <a:pPr/>
-              <a:t>3</a:t>
+              <a:t>1</a:t>
             </a:fld>
             <a:endParaRPr lang="sv-SE"/>
           </a:p>
@@ -577,7 +585,7 @@
       </p:grpSpPr>
       <p:sp>
         <p:nvSpPr>
-          <p:cNvPr id="2" name="Slide Image Placeholder 1"/>
+          <p:cNvPr id="2" name="Platshållare för bildobjekt 1"/>
           <p:cNvSpPr>
             <a:spLocks noGrp="1" noRot="1" noChangeAspect="1"/>
           </p:cNvSpPr>
@@ -589,7 +597,7 @@
       </p:sp>
       <p:sp>
         <p:nvSpPr>
-          <p:cNvPr id="3" name="Notes Placeholder 2"/>
+          <p:cNvPr id="3" name="Platshållare för anteckningar 2"/>
           <p:cNvSpPr>
             <a:spLocks noGrp="1"/>
           </p:cNvSpPr>
@@ -604,13 +612,415 @@
           </a:bodyPr>
           <a:lstStyle/>
           <a:p>
+            <a:endParaRPr lang="sv-SE" dirty="0"/>
+          </a:p>
+        </p:txBody>
+      </p:sp>
+      <p:sp>
+        <p:nvSpPr>
+          <p:cNvPr id="4" name="Platshållare för bildnummer 3"/>
+          <p:cNvSpPr>
+            <a:spLocks noGrp="1"/>
+          </p:cNvSpPr>
+          <p:nvPr>
+            <p:ph type="sldNum" sz="quarter" idx="10"/>
+          </p:nvPr>
+        </p:nvSpPr>
+        <p:spPr/>
+        <p:txBody>
+          <a:bodyPr/>
+          <a:lstStyle/>
+          <a:p>
+            <a:fld id="{0002D4AA-ECCD-4AAE-928A-061DA56661C0}" type="slidenum">
+              <a:rPr lang="sv-SE" smtClean="0"/>
+              <a:pPr/>
+              <a:t>2</a:t>
+            </a:fld>
+            <a:endParaRPr lang="sv-SE"/>
+          </a:p>
+        </p:txBody>
+      </p:sp>
+    </p:spTree>
+  </p:cSld>
+  <p:clrMapOvr>
+    <a:masterClrMapping/>
+  </p:clrMapOvr>
+</p:notes>
+</file>
+
+<file path=ppt/notesSlides/notesSlide3.xml><?xml version="1.0" encoding="utf-8"?>
+<p:notes xmlns:a="http://schemas.openxmlformats.org/drawingml/2006/main" xmlns:r="http://schemas.openxmlformats.org/officeDocument/2006/relationships" xmlns:p="http://schemas.openxmlformats.org/presentationml/2006/main">
+  <p:cSld>
+    <p:spTree>
+      <p:nvGrpSpPr>
+        <p:cNvPr id="1" name=""/>
+        <p:cNvGrpSpPr/>
+        <p:nvPr/>
+      </p:nvGrpSpPr>
+      <p:grpSpPr>
+        <a:xfrm>
+          <a:off x="0" y="0"/>
+          <a:ext cx="0" cy="0"/>
+          <a:chOff x="0" y="0"/>
+          <a:chExt cx="0" cy="0"/>
+        </a:xfrm>
+      </p:grpSpPr>
+      <p:sp>
+        <p:nvSpPr>
+          <p:cNvPr id="2" name="Platshållare för bildobjekt 1"/>
+          <p:cNvSpPr>
+            <a:spLocks noGrp="1" noRot="1" noChangeAspect="1"/>
+          </p:cNvSpPr>
+          <p:nvPr>
+            <p:ph type="sldImg"/>
+          </p:nvPr>
+        </p:nvSpPr>
+        <p:spPr/>
+      </p:sp>
+      <p:sp>
+        <p:nvSpPr>
+          <p:cNvPr id="3" name="Platshållare för anteckningar 2"/>
+          <p:cNvSpPr>
+            <a:spLocks noGrp="1"/>
+          </p:cNvSpPr>
+          <p:nvPr>
+            <p:ph type="body" idx="1"/>
+          </p:nvPr>
+        </p:nvSpPr>
+        <p:spPr/>
+        <p:txBody>
+          <a:bodyPr>
+            <a:normAutofit/>
+          </a:bodyPr>
+          <a:lstStyle/>
+          <a:p>
             <a:r>
               <a:rPr lang="sv-SE" dirty="0" smtClean="0"/>
-              <a:t>Mention that you shouldnt be able to read the</a:t>
+              <a:t>- Beskriv vad rörelsesyn</a:t>
             </a:r>
             <a:r>
               <a:rPr lang="sv-SE" baseline="0" dirty="0" smtClean="0"/>
-              <a:t> text</a:t>
+              <a:t> är</a:t>
+            </a:r>
+            <a:endParaRPr lang="sv-SE" dirty="0"/>
+          </a:p>
+        </p:txBody>
+      </p:sp>
+      <p:sp>
+        <p:nvSpPr>
+          <p:cNvPr id="4" name="Platshållare för bildnummer 3"/>
+          <p:cNvSpPr>
+            <a:spLocks noGrp="1"/>
+          </p:cNvSpPr>
+          <p:nvPr>
+            <p:ph type="sldNum" sz="quarter" idx="10"/>
+          </p:nvPr>
+        </p:nvSpPr>
+        <p:spPr/>
+        <p:txBody>
+          <a:bodyPr/>
+          <a:lstStyle/>
+          <a:p>
+            <a:fld id="{0002D4AA-ECCD-4AAE-928A-061DA56661C0}" type="slidenum">
+              <a:rPr lang="sv-SE" smtClean="0"/>
+              <a:pPr/>
+              <a:t>3</a:t>
+            </a:fld>
+            <a:endParaRPr lang="sv-SE"/>
+          </a:p>
+        </p:txBody>
+      </p:sp>
+    </p:spTree>
+  </p:cSld>
+  <p:clrMapOvr>
+    <a:masterClrMapping/>
+  </p:clrMapOvr>
+</p:notes>
+</file>
+
+<file path=ppt/notesSlides/notesSlide4.xml><?xml version="1.0" encoding="utf-8"?>
+<p:notes xmlns:a="http://schemas.openxmlformats.org/drawingml/2006/main" xmlns:r="http://schemas.openxmlformats.org/officeDocument/2006/relationships" xmlns:p="http://schemas.openxmlformats.org/presentationml/2006/main">
+  <p:cSld>
+    <p:spTree>
+      <p:nvGrpSpPr>
+        <p:cNvPr id="1" name=""/>
+        <p:cNvGrpSpPr/>
+        <p:nvPr/>
+      </p:nvGrpSpPr>
+      <p:grpSpPr>
+        <a:xfrm>
+          <a:off x="0" y="0"/>
+          <a:ext cx="0" cy="0"/>
+          <a:chOff x="0" y="0"/>
+          <a:chExt cx="0" cy="0"/>
+        </a:xfrm>
+      </p:grpSpPr>
+      <p:sp>
+        <p:nvSpPr>
+          <p:cNvPr id="2" name="Platshållare för bildobjekt 1"/>
+          <p:cNvSpPr>
+            <a:spLocks noGrp="1" noRot="1" noChangeAspect="1"/>
+          </p:cNvSpPr>
+          <p:nvPr>
+            <p:ph type="sldImg"/>
+          </p:nvPr>
+        </p:nvSpPr>
+        <p:spPr/>
+      </p:sp>
+      <p:sp>
+        <p:nvSpPr>
+          <p:cNvPr id="3" name="Platshållare för anteckningar 2"/>
+          <p:cNvSpPr>
+            <a:spLocks noGrp="1"/>
+          </p:cNvSpPr>
+          <p:nvPr>
+            <p:ph type="body" idx="1"/>
+          </p:nvPr>
+        </p:nvSpPr>
+        <p:spPr/>
+        <p:txBody>
+          <a:bodyPr>
+            <a:normAutofit/>
+          </a:bodyPr>
+          <a:lstStyle/>
+          <a:p>
+            <a:pPr>
+              <a:buFontTx/>
+              <a:buChar char="-"/>
+            </a:pPr>
+            <a:r>
+              <a:rPr lang="sv-SE" dirty="0" smtClean="0"/>
+              <a:t>Beskriv</a:t>
+            </a:r>
+            <a:r>
+              <a:rPr lang="sv-SE" baseline="0" dirty="0" smtClean="0"/>
+              <a:t> först </a:t>
+            </a:r>
+            <a:r>
+              <a:rPr lang="sv-SE" baseline="0" dirty="0" err="1" smtClean="0"/>
+              <a:t>trackballen</a:t>
+            </a:r>
+            <a:r>
+              <a:rPr lang="sv-SE" baseline="0" dirty="0" smtClean="0"/>
+              <a:t>:</a:t>
+            </a:r>
+            <a:br>
+              <a:rPr lang="sv-SE" baseline="0" dirty="0" smtClean="0"/>
+            </a:br>
+            <a:r>
+              <a:rPr lang="sv-SE" baseline="0" dirty="0" smtClean="0"/>
+              <a:t>	- Kopp med en boll i och lufttryck underifrån</a:t>
+            </a:r>
+          </a:p>
+          <a:p>
+            <a:pPr lvl="2">
+              <a:buFontTx/>
+              <a:buChar char="-"/>
+            </a:pPr>
+            <a:r>
+              <a:rPr lang="sv-SE" baseline="0" dirty="0" smtClean="0"/>
+              <a:t> fluga monteras ovanpå bollen så att när den går snurras bollen</a:t>
+            </a:r>
+          </a:p>
+          <a:p>
+            <a:pPr lvl="2">
+              <a:buFontTx/>
+              <a:buChar char="-"/>
+            </a:pPr>
+            <a:r>
+              <a:rPr lang="sv-SE" baseline="0" dirty="0" smtClean="0"/>
+              <a:t> Två sensorer extraherade från två datamöss</a:t>
+            </a:r>
+          </a:p>
+        </p:txBody>
+      </p:sp>
+      <p:sp>
+        <p:nvSpPr>
+          <p:cNvPr id="4" name="Platshållare för bildnummer 3"/>
+          <p:cNvSpPr>
+            <a:spLocks noGrp="1"/>
+          </p:cNvSpPr>
+          <p:nvPr>
+            <p:ph type="sldNum" sz="quarter" idx="10"/>
+          </p:nvPr>
+        </p:nvSpPr>
+        <p:spPr/>
+        <p:txBody>
+          <a:bodyPr/>
+          <a:lstStyle/>
+          <a:p>
+            <a:fld id="{0002D4AA-ECCD-4AAE-928A-061DA56661C0}" type="slidenum">
+              <a:rPr lang="sv-SE" smtClean="0"/>
+              <a:pPr/>
+              <a:t>4</a:t>
+            </a:fld>
+            <a:endParaRPr lang="sv-SE"/>
+          </a:p>
+        </p:txBody>
+      </p:sp>
+    </p:spTree>
+  </p:cSld>
+  <p:clrMapOvr>
+    <a:masterClrMapping/>
+  </p:clrMapOvr>
+</p:notes>
+</file>
+
+<file path=ppt/notesSlides/notesSlide5.xml><?xml version="1.0" encoding="utf-8"?>
+<p:notes xmlns:a="http://schemas.openxmlformats.org/drawingml/2006/main" xmlns:r="http://schemas.openxmlformats.org/officeDocument/2006/relationships" xmlns:p="http://schemas.openxmlformats.org/presentationml/2006/main">
+  <p:cSld>
+    <p:spTree>
+      <p:nvGrpSpPr>
+        <p:cNvPr id="1" name=""/>
+        <p:cNvGrpSpPr/>
+        <p:nvPr/>
+      </p:nvGrpSpPr>
+      <p:grpSpPr>
+        <a:xfrm>
+          <a:off x="0" y="0"/>
+          <a:ext cx="0" cy="0"/>
+          <a:chOff x="0" y="0"/>
+          <a:chExt cx="0" cy="0"/>
+        </a:xfrm>
+      </p:grpSpPr>
+      <p:sp>
+        <p:nvSpPr>
+          <p:cNvPr id="2" name="Platshållare för bildobjekt 1"/>
+          <p:cNvSpPr>
+            <a:spLocks noGrp="1" noRot="1" noChangeAspect="1"/>
+          </p:cNvSpPr>
+          <p:nvPr>
+            <p:ph type="sldImg"/>
+          </p:nvPr>
+        </p:nvSpPr>
+        <p:spPr/>
+      </p:sp>
+      <p:sp>
+        <p:nvSpPr>
+          <p:cNvPr id="3" name="Platshållare för anteckningar 2"/>
+          <p:cNvSpPr>
+            <a:spLocks noGrp="1"/>
+          </p:cNvSpPr>
+          <p:nvPr>
+            <p:ph type="body" idx="1"/>
+          </p:nvPr>
+        </p:nvSpPr>
+        <p:spPr/>
+        <p:txBody>
+          <a:bodyPr>
+            <a:normAutofit/>
+          </a:bodyPr>
+          <a:lstStyle/>
+          <a:p>
+            <a:r>
+              <a:rPr lang="sv-SE" dirty="0" smtClean="0"/>
+              <a:t>Förklara varför du valde </a:t>
+            </a:r>
+            <a:r>
+              <a:rPr lang="sv-SE" dirty="0" err="1" smtClean="0"/>
+              <a:t>uscd</a:t>
+            </a:r>
+            <a:r>
+              <a:rPr lang="sv-SE" baseline="0" dirty="0" smtClean="0"/>
+              <a:t>, </a:t>
+            </a:r>
+            <a:r>
+              <a:rPr lang="sv-SE" baseline="0" dirty="0" err="1" smtClean="0"/>
+              <a:t>dvs</a:t>
+            </a:r>
+            <a:r>
+              <a:rPr lang="sv-SE" baseline="0" dirty="0" smtClean="0"/>
+              <a:t> för att du arbetade i samma labb som slutanvändarna</a:t>
+            </a:r>
+            <a:endParaRPr lang="sv-SE" dirty="0"/>
+          </a:p>
+        </p:txBody>
+      </p:sp>
+      <p:sp>
+        <p:nvSpPr>
+          <p:cNvPr id="4" name="Platshållare för bildnummer 3"/>
+          <p:cNvSpPr>
+            <a:spLocks noGrp="1"/>
+          </p:cNvSpPr>
+          <p:nvPr>
+            <p:ph type="sldNum" sz="quarter" idx="10"/>
+          </p:nvPr>
+        </p:nvSpPr>
+        <p:spPr/>
+        <p:txBody>
+          <a:bodyPr/>
+          <a:lstStyle/>
+          <a:p>
+            <a:fld id="{0002D4AA-ECCD-4AAE-928A-061DA56661C0}" type="slidenum">
+              <a:rPr lang="sv-SE" smtClean="0"/>
+              <a:pPr/>
+              <a:t>5</a:t>
+            </a:fld>
+            <a:endParaRPr lang="sv-SE"/>
+          </a:p>
+        </p:txBody>
+      </p:sp>
+    </p:spTree>
+  </p:cSld>
+  <p:clrMapOvr>
+    <a:masterClrMapping/>
+  </p:clrMapOvr>
+</p:notes>
+</file>
+
+<file path=ppt/notesSlides/notesSlide6.xml><?xml version="1.0" encoding="utf-8"?>
+<p:notes xmlns:a="http://schemas.openxmlformats.org/drawingml/2006/main" xmlns:r="http://schemas.openxmlformats.org/officeDocument/2006/relationships" xmlns:p="http://schemas.openxmlformats.org/presentationml/2006/main">
+  <p:cSld>
+    <p:spTree>
+      <p:nvGrpSpPr>
+        <p:cNvPr id="1" name=""/>
+        <p:cNvGrpSpPr/>
+        <p:nvPr/>
+      </p:nvGrpSpPr>
+      <p:grpSpPr>
+        <a:xfrm>
+          <a:off x="0" y="0"/>
+          <a:ext cx="0" cy="0"/>
+          <a:chOff x="0" y="0"/>
+          <a:chExt cx="0" cy="0"/>
+        </a:xfrm>
+      </p:grpSpPr>
+      <p:sp>
+        <p:nvSpPr>
+          <p:cNvPr id="2" name="Slide Image Placeholder 1"/>
+          <p:cNvSpPr>
+            <a:spLocks noGrp="1" noRot="1" noChangeAspect="1"/>
+          </p:cNvSpPr>
+          <p:nvPr>
+            <p:ph type="sldImg"/>
+          </p:nvPr>
+        </p:nvSpPr>
+        <p:spPr/>
+      </p:sp>
+      <p:sp>
+        <p:nvSpPr>
+          <p:cNvPr id="3" name="Notes Placeholder 2"/>
+          <p:cNvSpPr>
+            <a:spLocks noGrp="1"/>
+          </p:cNvSpPr>
+          <p:nvPr>
+            <p:ph type="body" idx="1"/>
+          </p:nvPr>
+        </p:nvSpPr>
+        <p:spPr/>
+        <p:txBody>
+          <a:bodyPr>
+            <a:normAutofit/>
+          </a:bodyPr>
+          <a:lstStyle/>
+          <a:p>
+            <a:r>
+              <a:rPr lang="sv-SE" dirty="0" smtClean="0"/>
+              <a:t>- Förklara att detta är ett exempel på en pappersprototyp</a:t>
+            </a:r>
+            <a:r>
+              <a:rPr lang="sv-SE" baseline="0" dirty="0" smtClean="0"/>
+              <a:t> och att det inte är meningen att man ska kunna se detaljer utan det är bara för att illustrera principen</a:t>
             </a:r>
             <a:endParaRPr lang="sv-SE" dirty="0"/>
           </a:p>
@@ -783,7 +1193,7 @@
             <a:fld id="{2F70612F-D101-4AD4-8F3C-BE6AA2F3E7E9}" type="datetimeFigureOut">
               <a:rPr lang="sv-SE" smtClean="0"/>
               <a:pPr/>
-              <a:t>2014-08-22</a:t>
+              <a:t>2014-08-24</a:t>
             </a:fld>
             <a:endParaRPr lang="sv-SE"/>
           </a:p>
@@ -1099,7 +1509,7 @@
             <a:fld id="{2F70612F-D101-4AD4-8F3C-BE6AA2F3E7E9}" type="datetimeFigureOut">
               <a:rPr lang="sv-SE" smtClean="0"/>
               <a:pPr/>
-              <a:t>2014-08-22</a:t>
+              <a:t>2014-08-24</a:t>
             </a:fld>
             <a:endParaRPr lang="sv-SE"/>
           </a:p>
@@ -1287,7 +1697,7 @@
             <a:fld id="{2F70612F-D101-4AD4-8F3C-BE6AA2F3E7E9}" type="datetimeFigureOut">
               <a:rPr lang="sv-SE" smtClean="0"/>
               <a:pPr/>
-              <a:t>2014-08-22</a:t>
+              <a:t>2014-08-24</a:t>
             </a:fld>
             <a:endParaRPr lang="sv-SE"/>
           </a:p>
@@ -1465,7 +1875,7 @@
             <a:fld id="{2F70612F-D101-4AD4-8F3C-BE6AA2F3E7E9}" type="datetimeFigureOut">
               <a:rPr lang="sv-SE" smtClean="0"/>
               <a:pPr/>
-              <a:t>2014-08-22</a:t>
+              <a:t>2014-08-24</a:t>
             </a:fld>
             <a:endParaRPr lang="sv-SE"/>
           </a:p>
@@ -1736,7 +2146,7 @@
             <a:fld id="{2F70612F-D101-4AD4-8F3C-BE6AA2F3E7E9}" type="datetimeFigureOut">
               <a:rPr lang="sv-SE" smtClean="0"/>
               <a:pPr/>
-              <a:t>2014-08-22</a:t>
+              <a:t>2014-08-24</a:t>
             </a:fld>
             <a:endParaRPr lang="sv-SE"/>
           </a:p>
@@ -2207,7 +2617,7 @@
             <a:fld id="{2F70612F-D101-4AD4-8F3C-BE6AA2F3E7E9}" type="datetimeFigureOut">
               <a:rPr lang="sv-SE" smtClean="0"/>
               <a:pPr/>
-              <a:t>2014-08-22</a:t>
+              <a:t>2014-08-24</a:t>
             </a:fld>
             <a:endParaRPr lang="sv-SE"/>
           </a:p>
@@ -2699,7 +3109,7 @@
             <a:fld id="{2F70612F-D101-4AD4-8F3C-BE6AA2F3E7E9}" type="datetimeFigureOut">
               <a:rPr lang="sv-SE" smtClean="0"/>
               <a:pPr/>
-              <a:t>2014-08-22</a:t>
+              <a:t>2014-08-24</a:t>
             </a:fld>
             <a:endParaRPr lang="sv-SE"/>
           </a:p>
@@ -2828,7 +3238,7 @@
             <a:fld id="{2F70612F-D101-4AD4-8F3C-BE6AA2F3E7E9}" type="datetimeFigureOut">
               <a:rPr lang="sv-SE" smtClean="0"/>
               <a:pPr/>
-              <a:t>2014-08-22</a:t>
+              <a:t>2014-08-24</a:t>
             </a:fld>
             <a:endParaRPr lang="sv-SE"/>
           </a:p>
@@ -2975,7 +3385,7 @@
             <a:fld id="{2F70612F-D101-4AD4-8F3C-BE6AA2F3E7E9}" type="datetimeFigureOut">
               <a:rPr lang="sv-SE" smtClean="0"/>
               <a:pPr/>
-              <a:t>2014-08-22</a:t>
+              <a:t>2014-08-24</a:t>
             </a:fld>
             <a:endParaRPr lang="sv-SE"/>
           </a:p>
@@ -3300,7 +3710,7 @@
             <a:fld id="{2F70612F-D101-4AD4-8F3C-BE6AA2F3E7E9}" type="datetimeFigureOut">
               <a:rPr lang="sv-SE" smtClean="0"/>
               <a:pPr/>
-              <a:t>2014-08-22</a:t>
+              <a:t>2014-08-24</a:t>
             </a:fld>
             <a:endParaRPr lang="sv-SE"/>
           </a:p>
@@ -3437,7 +3847,7 @@
             <a:fld id="{2F70612F-D101-4AD4-8F3C-BE6AA2F3E7E9}" type="datetimeFigureOut">
               <a:rPr lang="sv-SE" smtClean="0"/>
               <a:pPr/>
-              <a:t>2014-08-22</a:t>
+              <a:t>2014-08-24</a:t>
             </a:fld>
             <a:endParaRPr lang="sv-SE"/>
           </a:p>
@@ -4221,7 +4631,7 @@
             <a:fld id="{2F70612F-D101-4AD4-8F3C-BE6AA2F3E7E9}" type="datetimeFigureOut">
               <a:rPr lang="sv-SE" smtClean="0"/>
               <a:pPr/>
-              <a:t>2014-08-22</a:t>
+              <a:t>2014-08-24</a:t>
             </a:fld>
             <a:endParaRPr lang="sv-SE"/>
           </a:p>
@@ -4870,7 +5280,7 @@
           </p:nvPr>
         </p:nvPicPr>
         <p:blipFill>
-          <a:blip r:embed="rId2" cstate="print"/>
+          <a:blip r:embed="rId3" cstate="print"/>
           <a:stretch>
             <a:fillRect/>
           </a:stretch>
@@ -4883,6 +5293,9 @@
         </p:spPr>
       </p:pic>
     </p:spTree>
+    <p:custDataLst>
+      <p:tags r:id="rId1"/>
+    </p:custDataLst>
   </p:cSld>
   <p:clrMapOvr>
     <a:masterClrMapping/>
@@ -5107,13 +5520,8 @@
           <a:p>
             <a:r>
               <a:rPr lang="sv-SE" dirty="0" smtClean="0"/>
-              <a:t>Arbeta i </a:t>
-            </a:r>
-            <a:r>
-              <a:rPr lang="sv-SE" dirty="0" smtClean="0"/>
-              <a:t>sprintar</a:t>
-            </a:r>
-            <a:endParaRPr lang="sv-SE" dirty="0" smtClean="0"/>
+              <a:t>Arbeta i sprintar</a:t>
+            </a:r>
           </a:p>
           <a:p>
             <a:r>
@@ -5182,6 +5590,9 @@
         </p:txBody>
       </p:sp>
     </p:spTree>
+    <p:custDataLst>
+      <p:tags r:id="rId1"/>
+    </p:custDataLst>
   </p:cSld>
   <p:clrMapOvr>
     <a:masterClrMapping/>
@@ -5794,6 +6205,9 @@
         </p:txBody>
       </p:sp>
     </p:spTree>
+    <p:custDataLst>
+      <p:tags r:id="rId1"/>
+    </p:custDataLst>
   </p:cSld>
   <p:clrMapOvr>
     <a:masterClrMapping/>
@@ -6085,16 +6499,13 @@
           <a:p>
             <a:r>
               <a:rPr lang="sv-SE" dirty="0" smtClean="0"/>
-              <a:t>Används dagligen i labbet</a:t>
+              <a:t>Används dagligen i labbet </a:t>
             </a:r>
             <a:r>
               <a:rPr lang="sv-SE" dirty="0" smtClean="0"/>
-              <a:t> </a:t>
-            </a:r>
-            <a:r>
-              <a:rPr lang="sv-SE" dirty="0" smtClean="0"/>
-              <a:t>för riktig forskning</a:t>
-            </a:r>
+              <a:t>för forskning</a:t>
+            </a:r>
+            <a:endParaRPr lang="sv-SE" dirty="0" smtClean="0"/>
           </a:p>
           <a:p>
             <a:r>
@@ -6110,6 +6521,13 @@
     <a:masterClrMapping/>
   </p:clrMapOvr>
   <p:transition/>
+  <p:timing>
+    <p:tnLst>
+      <p:par>
+        <p:cTn id="1" dur="indefinite" restart="never" nodeType="tmRoot"/>
+      </p:par>
+    </p:tnLst>
+  </p:timing>
 </p:sld>
 </file>
 
@@ -6145,7 +6563,11 @@
           <a:bodyPr/>
           <a:lstStyle/>
           <a:p>
-            <a:endParaRPr lang="sv-SE"/>
+            <a:r>
+              <a:rPr lang="sv-SE" dirty="0" err="1" smtClean="0"/>
+              <a:t>FlyTracker</a:t>
+            </a:r>
+            <a:endParaRPr lang="sv-SE" dirty="0"/>
           </a:p>
         </p:txBody>
       </p:sp>
@@ -6209,6 +6631,13 @@
     <a:masterClrMapping/>
   </p:clrMapOvr>
   <p:transition/>
+  <p:timing>
+    <p:tnLst>
+      <p:par>
+        <p:cTn id="1" dur="indefinite" restart="never" nodeType="tmRoot"/>
+      </p:par>
+    </p:tnLst>
+  </p:timing>
 </p:sld>
 </file>
 
@@ -6244,10 +6673,6 @@
           <a:bodyPr/>
           <a:lstStyle/>
           <a:p>
-            <a:r>
-              <a:rPr lang="sv-SE" dirty="0" smtClean="0"/>
-              <a:t>Resultatet: </a:t>
-            </a:r>
             <a:r>
               <a:rPr lang="sv-SE" dirty="0" err="1" smtClean="0"/>
               <a:t>FlyTracker</a:t>
@@ -6554,6 +6979,9 @@
         </p:txBody>
       </p:sp>
     </p:spTree>
+    <p:custDataLst>
+      <p:tags r:id="rId1"/>
+    </p:custDataLst>
   </p:cSld>
   <p:clrMapOvr>
     <a:masterClrMapping/>
@@ -7074,7 +7502,56 @@
           <a:p>
             <a:r>
               <a:rPr lang="sv-SE" dirty="0" smtClean="0"/>
-              <a:t>Resultat: </a:t>
+              <a:t>Utmaningar</a:t>
+            </a:r>
+            <a:r>
+              <a:rPr lang="sv-SE" dirty="0" smtClean="0"/>
+              <a:t>:</a:t>
+            </a:r>
+          </a:p>
+          <a:p>
+            <a:pPr lvl="1"/>
+            <a:r>
+              <a:rPr lang="sv-SE" dirty="0" smtClean="0"/>
+              <a:t>Kalibrering</a:t>
+            </a:r>
+          </a:p>
+          <a:p>
+            <a:pPr lvl="1"/>
+            <a:r>
+              <a:rPr lang="sv-SE" dirty="0" err="1" smtClean="0"/>
+              <a:t>Trigger</a:t>
+            </a:r>
+            <a:endParaRPr lang="sv-SE" dirty="0" smtClean="0"/>
+          </a:p>
+          <a:p>
+            <a:pPr lvl="1"/>
+            <a:r>
+              <a:rPr lang="sv-SE" dirty="0" smtClean="0"/>
+              <a:t>Kortare sprintar</a:t>
+            </a:r>
+          </a:p>
+          <a:p>
+            <a:r>
+              <a:rPr lang="sv-SE" dirty="0" smtClean="0"/>
+              <a:t>Vidare forskning</a:t>
+            </a:r>
+          </a:p>
+          <a:p>
+            <a:pPr lvl="1"/>
+            <a:r>
+              <a:rPr lang="sv-SE" dirty="0" smtClean="0"/>
+              <a:t>Utvärdering av naiva användare</a:t>
+            </a:r>
+          </a:p>
+          <a:p>
+            <a:r>
+              <a:rPr lang="sv-SE" dirty="0" smtClean="0"/>
+              <a:t>Resultat</a:t>
+            </a:r>
+            <a:r>
+              <a:rPr lang="sv-SE" dirty="0" smtClean="0"/>
+              <a:t>: </a:t>
             </a:r>
             <a:r>
               <a:rPr lang="sv-SE" dirty="0" err="1" smtClean="0"/>
@@ -7082,50 +7559,12 @@
             </a:r>
             <a:endParaRPr lang="sv-SE" dirty="0" smtClean="0"/>
           </a:p>
-          <a:p>
-            <a:r>
-              <a:rPr lang="sv-SE" dirty="0" smtClean="0"/>
-              <a:t>Utmaningar:</a:t>
-            </a:r>
-          </a:p>
-          <a:p>
-            <a:pPr lvl="1"/>
-            <a:r>
-              <a:rPr lang="sv-SE" dirty="0" smtClean="0"/>
-              <a:t>Kalibrering</a:t>
-            </a:r>
-          </a:p>
-          <a:p>
-            <a:pPr lvl="1"/>
-            <a:r>
-              <a:rPr lang="sv-SE" dirty="0" err="1" smtClean="0"/>
-              <a:t>Trigger</a:t>
-            </a:r>
-            <a:endParaRPr lang="sv-SE" dirty="0" smtClean="0"/>
-          </a:p>
-          <a:p>
-            <a:pPr lvl="1"/>
-            <a:r>
-              <a:rPr lang="sv-SE" dirty="0" smtClean="0"/>
-              <a:t>Kortare sprintar</a:t>
-            </a:r>
-          </a:p>
-          <a:p>
-            <a:r>
-              <a:rPr lang="sv-SE" dirty="0" smtClean="0"/>
-              <a:t>Vidare forskning</a:t>
-            </a:r>
-          </a:p>
-          <a:p>
-            <a:pPr lvl="1"/>
-            <a:r>
-              <a:rPr lang="sv-SE" dirty="0" smtClean="0"/>
-              <a:t>Utvärdering av naiva användare</a:t>
-            </a:r>
-          </a:p>
         </p:txBody>
       </p:sp>
     </p:spTree>
+    <p:custDataLst>
+      <p:tags r:id="rId1"/>
+    </p:custDataLst>
   </p:cSld>
   <p:clrMapOvr>
     <a:masterClrMapping/>
@@ -7255,33 +7694,15 @@
                                   </p:childTnLst>
                                 </p:cTn>
                               </p:par>
-                            </p:childTnLst>
-                          </p:cTn>
-                        </p:par>
-                      </p:childTnLst>
-                    </p:cTn>
-                  </p:par>
-                  <p:par>
-                    <p:cTn id="13" fill="hold">
-                      <p:stCondLst>
-                        <p:cond delay="indefinite"/>
-                      </p:stCondLst>
-                      <p:childTnLst>
-                        <p:par>
-                          <p:cTn id="14" fill="hold">
-                            <p:stCondLst>
-                              <p:cond delay="0"/>
-                            </p:stCondLst>
-                            <p:childTnLst>
                               <p:par>
-                                <p:cTn id="15" presetID="22" presetClass="entr" presetSubtype="1" fill="hold" grpId="0" nodeType="clickEffect">
+                                <p:cTn id="13" presetID="22" presetClass="entr" presetSubtype="1" fill="hold" grpId="0" nodeType="withEffect">
                                   <p:stCondLst>
                                     <p:cond delay="0"/>
                                   </p:stCondLst>
                                   <p:childTnLst>
                                     <p:set>
                                       <p:cBhvr>
-                                        <p:cTn id="16" dur="1" fill="hold">
+                                        <p:cTn id="14" dur="1" fill="hold">
                                           <p:stCondLst>
                                             <p:cond delay="0"/>
                                           </p:stCondLst>
@@ -7303,11 +7724,97 @@
                                     </p:set>
                                     <p:animEffect transition="in" filter="wipe(up)">
                                       <p:cBhvr>
-                                        <p:cTn id="17" dur="500"/>
+                                        <p:cTn id="15" dur="500"/>
                                         <p:tgtEl>
                                           <p:spTgt spid="3">
                                             <p:txEl>
                                               <p:pRg st="2" end="2"/>
+                                            </p:txEl>
+                                          </p:spTgt>
+                                        </p:tgtEl>
+                                      </p:cBhvr>
+                                    </p:animEffect>
+                                  </p:childTnLst>
+                                </p:cTn>
+                              </p:par>
+                              <p:par>
+                                <p:cTn id="16" presetID="22" presetClass="entr" presetSubtype="1" fill="hold" grpId="0" nodeType="withEffect">
+                                  <p:stCondLst>
+                                    <p:cond delay="0"/>
+                                  </p:stCondLst>
+                                  <p:childTnLst>
+                                    <p:set>
+                                      <p:cBhvr>
+                                        <p:cTn id="17" dur="1" fill="hold">
+                                          <p:stCondLst>
+                                            <p:cond delay="0"/>
+                                          </p:stCondLst>
+                                        </p:cTn>
+                                        <p:tgtEl>
+                                          <p:spTgt spid="3">
+                                            <p:txEl>
+                                              <p:pRg st="3" end="3"/>
+                                            </p:txEl>
+                                          </p:spTgt>
+                                        </p:tgtEl>
+                                        <p:attrNameLst>
+                                          <p:attrName>style.visibility</p:attrName>
+                                        </p:attrNameLst>
+                                      </p:cBhvr>
+                                      <p:to>
+                                        <p:strVal val="visible"/>
+                                      </p:to>
+                                    </p:set>
+                                    <p:animEffect transition="in" filter="wipe(up)">
+                                      <p:cBhvr>
+                                        <p:cTn id="18" dur="500"/>
+                                        <p:tgtEl>
+                                          <p:spTgt spid="3">
+                                            <p:txEl>
+                                              <p:pRg st="3" end="3"/>
+                                            </p:txEl>
+                                          </p:spTgt>
+                                        </p:tgtEl>
+                                      </p:cBhvr>
+                                    </p:animEffect>
+                                  </p:childTnLst>
+                                </p:cTn>
+                              </p:par>
+                              <p:par>
+                                <p:cTn id="19" presetID="22" presetClass="entr" presetSubtype="1" fill="hold" grpId="0" nodeType="withEffect">
+                                  <p:stCondLst>
+                                    <p:cond delay="0"/>
+                                  </p:stCondLst>
+                                  <p:childTnLst>
+                                    <p:set>
+                                      <p:cBhvr>
+                                        <p:cTn id="20" dur="1" fill="hold">
+                                          <p:stCondLst>
+                                            <p:cond delay="0"/>
+                                          </p:stCondLst>
+                                        </p:cTn>
+                                        <p:tgtEl>
+                                          <p:spTgt spid="3">
+                                            <p:txEl>
+                                              <p:pRg st="4" end="4"/>
+                                            </p:txEl>
+                                          </p:spTgt>
+                                        </p:tgtEl>
+                                        <p:attrNameLst>
+                                          <p:attrName>style.visibility</p:attrName>
+                                        </p:attrNameLst>
+                                      </p:cBhvr>
+                                      <p:to>
+                                        <p:strVal val="visible"/>
+                                      </p:to>
+                                    </p:set>
+                                    <p:animEffect transition="in" filter="wipe(up)">
+                                      <p:cBhvr>
+                                        <p:cTn id="21" dur="500"/>
+                                        <p:tgtEl>
+                                          <p:spTgt spid="3">
+                                            <p:txEl>
+                                              <p:pRg st="4" end="4"/>
                                             </p:txEl>
                                           </p:spTgt>
                                         </p:tgtEl>
@@ -7323,26 +7830,26 @@
                     </p:cTn>
                   </p:par>
                   <p:par>
-                    <p:cTn id="18" fill="hold">
+                    <p:cTn id="22" fill="hold">
                       <p:stCondLst>
                         <p:cond delay="indefinite"/>
                       </p:stCondLst>
                       <p:childTnLst>
                         <p:par>
-                          <p:cTn id="19" fill="hold">
+                          <p:cTn id="23" fill="hold">
                             <p:stCondLst>
                               <p:cond delay="0"/>
                             </p:stCondLst>
                             <p:childTnLst>
                               <p:par>
-                                <p:cTn id="20" presetID="22" presetClass="entr" presetSubtype="1" fill="hold" grpId="0" nodeType="clickEffect">
+                                <p:cTn id="24" presetID="22" presetClass="entr" presetSubtype="1" fill="hold" grpId="0" nodeType="clickEffect">
                                   <p:stCondLst>
                                     <p:cond delay="0"/>
                                   </p:stCondLst>
                                   <p:childTnLst>
                                     <p:set>
                                       <p:cBhvr>
-                                        <p:cTn id="21" dur="1" fill="hold">
+                                        <p:cTn id="25" dur="1" fill="hold">
                                           <p:stCondLst>
                                             <p:cond delay="0"/>
                                           </p:stCondLst>
@@ -7350,7 +7857,7 @@
                                         <p:tgtEl>
                                           <p:spTgt spid="3">
                                             <p:txEl>
-                                              <p:pRg st="3" end="3"/>
+                                              <p:pRg st="5" end="5"/>
                                             </p:txEl>
                                           </p:spTgt>
                                         </p:tgtEl>
@@ -7364,11 +7871,54 @@
                                     </p:set>
                                     <p:animEffect transition="in" filter="wipe(up)">
                                       <p:cBhvr>
-                                        <p:cTn id="22" dur="500"/>
+                                        <p:cTn id="26" dur="500"/>
                                         <p:tgtEl>
                                           <p:spTgt spid="3">
                                             <p:txEl>
-                                              <p:pRg st="3" end="3"/>
+                                              <p:pRg st="5" end="5"/>
+                                            </p:txEl>
+                                          </p:spTgt>
+                                        </p:tgtEl>
+                                      </p:cBhvr>
+                                    </p:animEffect>
+                                  </p:childTnLst>
+                                </p:cTn>
+                              </p:par>
+                              <p:par>
+                                <p:cTn id="27" presetID="22" presetClass="entr" presetSubtype="1" fill="hold" grpId="0" nodeType="withEffect">
+                                  <p:stCondLst>
+                                    <p:cond delay="0"/>
+                                  </p:stCondLst>
+                                  <p:childTnLst>
+                                    <p:set>
+                                      <p:cBhvr>
+                                        <p:cTn id="28" dur="1" fill="hold">
+                                          <p:stCondLst>
+                                            <p:cond delay="0"/>
+                                          </p:stCondLst>
+                                        </p:cTn>
+                                        <p:tgtEl>
+                                          <p:spTgt spid="3">
+                                            <p:txEl>
+                                              <p:pRg st="6" end="6"/>
+                                            </p:txEl>
+                                          </p:spTgt>
+                                        </p:tgtEl>
+                                        <p:attrNameLst>
+                                          <p:attrName>style.visibility</p:attrName>
+                                        </p:attrNameLst>
+                                      </p:cBhvr>
+                                      <p:to>
+                                        <p:strVal val="visible"/>
+                                      </p:to>
+                                    </p:set>
+                                    <p:animEffect transition="in" filter="wipe(up)">
+                                      <p:cBhvr>
+                                        <p:cTn id="29" dur="500"/>
+                                        <p:tgtEl>
+                                          <p:spTgt spid="3">
+                                            <p:txEl>
+                                              <p:pRg st="6" end="6"/>
                                             </p:txEl>
                                           </p:spTgt>
                                         </p:tgtEl>
@@ -7384,26 +7934,26 @@
                     </p:cTn>
                   </p:par>
                   <p:par>
-                    <p:cTn id="23" fill="hold">
+                    <p:cTn id="30" fill="hold">
                       <p:stCondLst>
                         <p:cond delay="indefinite"/>
                       </p:stCondLst>
                       <p:childTnLst>
                         <p:par>
-                          <p:cTn id="24" fill="hold">
+                          <p:cTn id="31" fill="hold">
                             <p:stCondLst>
                               <p:cond delay="0"/>
                             </p:stCondLst>
                             <p:childTnLst>
                               <p:par>
-                                <p:cTn id="25" presetID="22" presetClass="entr" presetSubtype="1" fill="hold" grpId="0" nodeType="clickEffect">
+                                <p:cTn id="32" presetID="22" presetClass="entr" presetSubtype="1" fill="hold" grpId="0" nodeType="clickEffect">
                                   <p:stCondLst>
                                     <p:cond delay="0"/>
                                   </p:stCondLst>
                                   <p:childTnLst>
                                     <p:set>
                                       <p:cBhvr>
-                                        <p:cTn id="26" dur="1" fill="hold">
+                                        <p:cTn id="33" dur="1" fill="hold">
                                           <p:stCondLst>
                                             <p:cond delay="0"/>
                                           </p:stCondLst>
@@ -7411,7 +7961,7 @@
                                         <p:tgtEl>
                                           <p:spTgt spid="3">
                                             <p:txEl>
-                                              <p:pRg st="4" end="4"/>
+                                              <p:pRg st="7" end="7"/>
                                             </p:txEl>
                                           </p:spTgt>
                                         </p:tgtEl>
@@ -7425,190 +7975,7 @@
                                     </p:set>
                                     <p:animEffect transition="in" filter="wipe(up)">
                                       <p:cBhvr>
-                                        <p:cTn id="27" dur="500"/>
-                                        <p:tgtEl>
-                                          <p:spTgt spid="3">
-                                            <p:txEl>
-                                              <p:pRg st="4" end="4"/>
-                                            </p:txEl>
-                                          </p:spTgt>
-                                        </p:tgtEl>
-                                      </p:cBhvr>
-                                    </p:animEffect>
-                                  </p:childTnLst>
-                                </p:cTn>
-                              </p:par>
-                            </p:childTnLst>
-                          </p:cTn>
-                        </p:par>
-                      </p:childTnLst>
-                    </p:cTn>
-                  </p:par>
-                  <p:par>
-                    <p:cTn id="28" fill="hold">
-                      <p:stCondLst>
-                        <p:cond delay="indefinite"/>
-                      </p:stCondLst>
-                      <p:childTnLst>
-                        <p:par>
-                          <p:cTn id="29" fill="hold">
-                            <p:stCondLst>
-                              <p:cond delay="0"/>
-                            </p:stCondLst>
-                            <p:childTnLst>
-                              <p:par>
-                                <p:cTn id="30" presetID="22" presetClass="entr" presetSubtype="1" fill="hold" grpId="0" nodeType="clickEffect">
-                                  <p:stCondLst>
-                                    <p:cond delay="0"/>
-                                  </p:stCondLst>
-                                  <p:childTnLst>
-                                    <p:set>
-                                      <p:cBhvr>
-                                        <p:cTn id="31" dur="1" fill="hold">
-                                          <p:stCondLst>
-                                            <p:cond delay="0"/>
-                                          </p:stCondLst>
-                                        </p:cTn>
-                                        <p:tgtEl>
-                                          <p:spTgt spid="3">
-                                            <p:txEl>
-                                              <p:pRg st="5" end="5"/>
-                                            </p:txEl>
-                                          </p:spTgt>
-                                        </p:tgtEl>
-                                        <p:attrNameLst>
-                                          <p:attrName>style.visibility</p:attrName>
-                                        </p:attrNameLst>
-                                      </p:cBhvr>
-                                      <p:to>
-                                        <p:strVal val="visible"/>
-                                      </p:to>
-                                    </p:set>
-                                    <p:animEffect transition="in" filter="wipe(up)">
-                                      <p:cBhvr>
-                                        <p:cTn id="32" dur="500"/>
-                                        <p:tgtEl>
-                                          <p:spTgt spid="3">
-                                            <p:txEl>
-                                              <p:pRg st="5" end="5"/>
-                                            </p:txEl>
-                                          </p:spTgt>
-                                        </p:tgtEl>
-                                      </p:cBhvr>
-                                    </p:animEffect>
-                                  </p:childTnLst>
-                                </p:cTn>
-                              </p:par>
-                            </p:childTnLst>
-                          </p:cTn>
-                        </p:par>
-                      </p:childTnLst>
-                    </p:cTn>
-                  </p:par>
-                  <p:par>
-                    <p:cTn id="33" fill="hold">
-                      <p:stCondLst>
-                        <p:cond delay="indefinite"/>
-                      </p:stCondLst>
-                      <p:childTnLst>
-                        <p:par>
-                          <p:cTn id="34" fill="hold">
-                            <p:stCondLst>
-                              <p:cond delay="0"/>
-                            </p:stCondLst>
-                            <p:childTnLst>
-                              <p:par>
-                                <p:cTn id="35" presetID="22" presetClass="entr" presetSubtype="1" fill="hold" grpId="0" nodeType="clickEffect">
-                                  <p:stCondLst>
-                                    <p:cond delay="0"/>
-                                  </p:stCondLst>
-                                  <p:childTnLst>
-                                    <p:set>
-                                      <p:cBhvr>
-                                        <p:cTn id="36" dur="1" fill="hold">
-                                          <p:stCondLst>
-                                            <p:cond delay="0"/>
-                                          </p:stCondLst>
-                                        </p:cTn>
-                                        <p:tgtEl>
-                                          <p:spTgt spid="3">
-                                            <p:txEl>
-                                              <p:pRg st="6" end="6"/>
-                                            </p:txEl>
-                                          </p:spTgt>
-                                        </p:tgtEl>
-                                        <p:attrNameLst>
-                                          <p:attrName>style.visibility</p:attrName>
-                                        </p:attrNameLst>
-                                      </p:cBhvr>
-                                      <p:to>
-                                        <p:strVal val="visible"/>
-                                      </p:to>
-                                    </p:set>
-                                    <p:animEffect transition="in" filter="wipe(up)">
-                                      <p:cBhvr>
-                                        <p:cTn id="37" dur="500"/>
-                                        <p:tgtEl>
-                                          <p:spTgt spid="3">
-                                            <p:txEl>
-                                              <p:pRg st="6" end="6"/>
-                                            </p:txEl>
-                                          </p:spTgt>
-                                        </p:tgtEl>
-                                      </p:cBhvr>
-                                    </p:animEffect>
-                                  </p:childTnLst>
-                                </p:cTn>
-                              </p:par>
-                            </p:childTnLst>
-                          </p:cTn>
-                        </p:par>
-                      </p:childTnLst>
-                    </p:cTn>
-                  </p:par>
-                  <p:par>
-                    <p:cTn id="38" fill="hold">
-                      <p:stCondLst>
-                        <p:cond delay="indefinite"/>
-                      </p:stCondLst>
-                      <p:childTnLst>
-                        <p:par>
-                          <p:cTn id="39" fill="hold">
-                            <p:stCondLst>
-                              <p:cond delay="0"/>
-                            </p:stCondLst>
-                            <p:childTnLst>
-                              <p:par>
-                                <p:cTn id="40" presetID="22" presetClass="entr" presetSubtype="1" fill="hold" grpId="0" nodeType="clickEffect">
-                                  <p:stCondLst>
-                                    <p:cond delay="0"/>
-                                  </p:stCondLst>
-                                  <p:childTnLst>
-                                    <p:set>
-                                      <p:cBhvr>
-                                        <p:cTn id="41" dur="1" fill="hold">
-                                          <p:stCondLst>
-                                            <p:cond delay="0"/>
-                                          </p:stCondLst>
-                                        </p:cTn>
-                                        <p:tgtEl>
-                                          <p:spTgt spid="3">
-                                            <p:txEl>
-                                              <p:pRg st="7" end="7"/>
-                                            </p:txEl>
-                                          </p:spTgt>
-                                        </p:tgtEl>
-                                        <p:attrNameLst>
-                                          <p:attrName>style.visibility</p:attrName>
-                                        </p:attrNameLst>
-                                      </p:cBhvr>
-                                      <p:to>
-                                        <p:strVal val="visible"/>
-                                      </p:to>
-                                    </p:set>
-                                    <p:animEffect transition="in" filter="wipe(up)">
-                                      <p:cBhvr>
-                                        <p:cTn id="42" dur="500"/>
+                                        <p:cTn id="34" dur="500"/>
                                         <p:tgtEl>
                                           <p:spTgt spid="3">
                                             <p:txEl>
@@ -7742,6 +8109,13 @@
     <a:masterClrMapping/>
   </p:clrMapOvr>
   <p:transition/>
+  <p:timing>
+    <p:tnLst>
+      <p:par>
+        <p:cTn id="1" dur="indefinite" restart="never" nodeType="tmRoot"/>
+      </p:par>
+    </p:tnLst>
+  </p:timing>
 </p:sld>
 </file>
 
@@ -7837,6 +8211,13 @@
     <a:masterClrMapping/>
   </p:clrMapOvr>
   <p:transition/>
+  <p:timing>
+    <p:tnLst>
+      <p:par>
+        <p:cTn id="1" dur="indefinite" restart="never" nodeType="tmRoot"/>
+      </p:par>
+    </p:tnLst>
+  </p:timing>
 </p:sld>
 </file>
 
@@ -7915,6 +8296,9 @@
         </p:txBody>
       </p:sp>
     </p:spTree>
+    <p:custDataLst>
+      <p:tags r:id="rId1"/>
+    </p:custDataLst>
   </p:cSld>
   <p:clrMapOvr>
     <a:masterClrMapping/>
@@ -8190,7 +8574,7 @@
           </p:nvPr>
         </p:nvPicPr>
         <p:blipFill>
-          <a:blip r:embed="rId2" cstate="print"/>
+          <a:blip r:embed="rId4" cstate="print"/>
           <a:stretch>
             <a:fillRect/>
           </a:stretch>
@@ -8226,7 +8610,15 @@
             <a:pPr lvl="1"/>
             <a:r>
               <a:rPr lang="sv-SE" dirty="0" smtClean="0"/>
-              <a:t>Studera en rörelse som funktion av visuellt stimuli</a:t>
+              <a:t>Studera en rörelse </a:t>
+            </a:r>
+            <a:r>
+              <a:rPr lang="sv-SE" dirty="0" smtClean="0"/>
+              <a:t>som en </a:t>
+            </a:r>
+            <a:r>
+              <a:rPr lang="sv-SE" dirty="0" smtClean="0"/>
+              <a:t>funktion av visuellt stimuli</a:t>
             </a:r>
           </a:p>
           <a:p>
@@ -8245,6 +8637,9 @@
         </p:txBody>
       </p:sp>
     </p:spTree>
+    <p:custDataLst>
+      <p:tags r:id="rId1"/>
+    </p:custDataLst>
   </p:cSld>
   <p:clrMapOvr>
     <a:masterClrMapping/>
@@ -8569,24 +8964,15 @@
           <a:p>
             <a:r>
               <a:rPr lang="sv-SE" dirty="0" smtClean="0"/>
-              <a:t>Planen</a:t>
-            </a:r>
+              <a:t>Planen:</a:t>
+            </a:r>
+          </a:p>
+          <a:p>
+            <a:pPr lvl="1"/>
             <a:r>
               <a:rPr lang="sv-SE" dirty="0" smtClean="0"/>
-              <a:t>:</a:t>
-            </a:r>
-          </a:p>
-          <a:p>
-            <a:pPr lvl="1"/>
-            <a:r>
-              <a:rPr lang="sv-SE" dirty="0" smtClean="0"/>
-              <a:t>Inledande </a:t>
-            </a:r>
-            <a:r>
-              <a:rPr lang="sv-SE" dirty="0" smtClean="0"/>
-              <a:t>fas (3 veckor)</a:t>
-            </a:r>
-            <a:endParaRPr lang="sv-SE" dirty="0" smtClean="0"/>
+              <a:t>Inledande fas (3 veckor)</a:t>
+            </a:r>
           </a:p>
           <a:p>
             <a:pPr lvl="1"/>
@@ -8594,7 +8980,6 @@
               <a:rPr lang="sv-SE" dirty="0" smtClean="0"/>
               <a:t>Implementering (9 veckor)  </a:t>
             </a:r>
-            <a:endParaRPr lang="sv-SE" dirty="0" smtClean="0"/>
           </a:p>
           <a:p>
             <a:pPr lvl="1"/>
@@ -8602,19 +8987,13 @@
               <a:rPr lang="sv-SE" dirty="0" smtClean="0"/>
               <a:t>Utvärdering (2 veckor) </a:t>
             </a:r>
-            <a:endParaRPr lang="sv-SE" dirty="0" smtClean="0"/>
           </a:p>
           <a:p>
             <a:pPr lvl="1"/>
             <a:r>
               <a:rPr lang="sv-SE" dirty="0" smtClean="0"/>
-              <a:t>Färdigställande av </a:t>
-            </a:r>
-            <a:r>
-              <a:rPr lang="sv-SE" dirty="0" smtClean="0"/>
-              <a:t>rapport (6 veckor)</a:t>
-            </a:r>
-            <a:endParaRPr lang="sv-SE" dirty="0" smtClean="0"/>
+              <a:t>Färdigställande av rapport (6 veckor)</a:t>
+            </a:r>
           </a:p>
           <a:p>
             <a:endParaRPr lang="sv-SE" dirty="0"/>
@@ -8622,6 +9001,9 @@
         </p:txBody>
       </p:sp>
     </p:spTree>
+    <p:custDataLst>
+      <p:tags r:id="rId1"/>
+    </p:custDataLst>
   </p:cSld>
   <p:clrMapOvr>
     <a:masterClrMapping/>
@@ -9030,7 +9412,6 @@
               <a:rPr lang="sv-SE" dirty="0" smtClean="0"/>
               <a:t>Iterativt</a:t>
             </a:r>
-            <a:endParaRPr lang="sv-SE" dirty="0" smtClean="0"/>
           </a:p>
           <a:p>
             <a:r>
@@ -9051,7 +9432,6 @@
               <a:rPr lang="sv-SE" dirty="0" smtClean="0"/>
               <a:t>Kravdokument</a:t>
             </a:r>
-            <a:endParaRPr lang="sv-SE" dirty="0" smtClean="0"/>
           </a:p>
           <a:p>
             <a:r>
@@ -9062,6 +9442,9 @@
         </p:txBody>
       </p:sp>
     </p:spTree>
+    <p:custDataLst>
+      <p:tags r:id="rId1"/>
+    </p:custDataLst>
   </p:cSld>
   <p:clrMapOvr>
     <a:masterClrMapping/>
@@ -9519,7 +9902,6 @@
               <a:rPr lang="sv-SE" dirty="0" smtClean="0"/>
               <a:t>Viktigaste kraven:</a:t>
             </a:r>
-            <a:endParaRPr lang="sv-SE" dirty="0" smtClean="0"/>
           </a:p>
           <a:p>
             <a:pPr lvl="1"/>
@@ -9567,6 +9949,9 @@
         </p:txBody>
       </p:sp>
     </p:spTree>
+    <p:custDataLst>
+      <p:tags r:id="rId1"/>
+    </p:custDataLst>
   </p:cSld>
   <p:clrMapOvr>
     <a:masterClrMapping/>
@@ -9925,31 +10310,14 @@
               <a:rPr lang="sv-SE" dirty="0" smtClean="0"/>
               <a:t>Pappersprototyp</a:t>
             </a:r>
-          </a:p>
-          <a:p>
-            <a:r>
-              <a:rPr lang="sv-SE" dirty="0" smtClean="0"/>
-              <a:t>Resultat:</a:t>
-            </a:r>
-          </a:p>
-          <a:p>
-            <a:pPr lvl="1"/>
-            <a:r>
-              <a:rPr lang="sv-SE" dirty="0" smtClean="0"/>
-              <a:t>Kalibreringsdel</a:t>
-            </a:r>
-          </a:p>
-          <a:p>
-            <a:pPr lvl="1"/>
-            <a:r>
-              <a:rPr lang="sv-SE" dirty="0" err="1" smtClean="0"/>
-              <a:t>Experimentsdel</a:t>
-            </a:r>
             <a:endParaRPr lang="sv-SE" dirty="0" smtClean="0"/>
           </a:p>
         </p:txBody>
       </p:sp>
     </p:spTree>
+    <p:custDataLst>
+      <p:tags r:id="rId1"/>
+    </p:custDataLst>
   </p:cSld>
   <p:clrMapOvr>
     <a:masterClrMapping/>
@@ -10132,171 +10500,6 @@
                                           <p:spTgt spid="3">
                                             <p:txEl>
                                               <p:pRg st="2" end="2"/>
-                                            </p:txEl>
-                                          </p:spTgt>
-                                        </p:tgtEl>
-                                      </p:cBhvr>
-                                    </p:animEffect>
-                                  </p:childTnLst>
-                                </p:cTn>
-                              </p:par>
-                            </p:childTnLst>
-                          </p:cTn>
-                        </p:par>
-                      </p:childTnLst>
-                    </p:cTn>
-                  </p:par>
-                  <p:par>
-                    <p:cTn id="18" fill="hold">
-                      <p:stCondLst>
-                        <p:cond delay="indefinite"/>
-                      </p:stCondLst>
-                      <p:childTnLst>
-                        <p:par>
-                          <p:cTn id="19" fill="hold">
-                            <p:stCondLst>
-                              <p:cond delay="0"/>
-                            </p:stCondLst>
-                            <p:childTnLst>
-                              <p:par>
-                                <p:cTn id="20" presetID="22" presetClass="entr" presetSubtype="1" fill="hold" grpId="0" nodeType="clickEffect">
-                                  <p:stCondLst>
-                                    <p:cond delay="0"/>
-                                  </p:stCondLst>
-                                  <p:childTnLst>
-                                    <p:set>
-                                      <p:cBhvr>
-                                        <p:cTn id="21" dur="1" fill="hold">
-                                          <p:stCondLst>
-                                            <p:cond delay="0"/>
-                                          </p:stCondLst>
-                                        </p:cTn>
-                                        <p:tgtEl>
-                                          <p:spTgt spid="3">
-                                            <p:txEl>
-                                              <p:pRg st="3" end="3"/>
-                                            </p:txEl>
-                                          </p:spTgt>
-                                        </p:tgtEl>
-                                        <p:attrNameLst>
-                                          <p:attrName>style.visibility</p:attrName>
-                                        </p:attrNameLst>
-                                      </p:cBhvr>
-                                      <p:to>
-                                        <p:strVal val="visible"/>
-                                      </p:to>
-                                    </p:set>
-                                    <p:animEffect transition="in" filter="wipe(up)">
-                                      <p:cBhvr>
-                                        <p:cTn id="22" dur="500"/>
-                                        <p:tgtEl>
-                                          <p:spTgt spid="3">
-                                            <p:txEl>
-                                              <p:pRg st="3" end="3"/>
-                                            </p:txEl>
-                                          </p:spTgt>
-                                        </p:tgtEl>
-                                      </p:cBhvr>
-                                    </p:animEffect>
-                                  </p:childTnLst>
-                                </p:cTn>
-                              </p:par>
-                            </p:childTnLst>
-                          </p:cTn>
-                        </p:par>
-                      </p:childTnLst>
-                    </p:cTn>
-                  </p:par>
-                  <p:par>
-                    <p:cTn id="23" fill="hold">
-                      <p:stCondLst>
-                        <p:cond delay="indefinite"/>
-                      </p:stCondLst>
-                      <p:childTnLst>
-                        <p:par>
-                          <p:cTn id="24" fill="hold">
-                            <p:stCondLst>
-                              <p:cond delay="0"/>
-                            </p:stCondLst>
-                            <p:childTnLst>
-                              <p:par>
-                                <p:cTn id="25" presetID="22" presetClass="entr" presetSubtype="1" fill="hold" grpId="0" nodeType="clickEffect">
-                                  <p:stCondLst>
-                                    <p:cond delay="0"/>
-                                  </p:stCondLst>
-                                  <p:childTnLst>
-                                    <p:set>
-                                      <p:cBhvr>
-                                        <p:cTn id="26" dur="1" fill="hold">
-                                          <p:stCondLst>
-                                            <p:cond delay="0"/>
-                                          </p:stCondLst>
-                                        </p:cTn>
-                                        <p:tgtEl>
-                                          <p:spTgt spid="3">
-                                            <p:txEl>
-                                              <p:pRg st="4" end="4"/>
-                                            </p:txEl>
-                                          </p:spTgt>
-                                        </p:tgtEl>
-                                        <p:attrNameLst>
-                                          <p:attrName>style.visibility</p:attrName>
-                                        </p:attrNameLst>
-                                      </p:cBhvr>
-                                      <p:to>
-                                        <p:strVal val="visible"/>
-                                      </p:to>
-                                    </p:set>
-                                    <p:animEffect transition="in" filter="wipe(up)">
-                                      <p:cBhvr>
-                                        <p:cTn id="27" dur="500"/>
-                                        <p:tgtEl>
-                                          <p:spTgt spid="3">
-                                            <p:txEl>
-                                              <p:pRg st="4" end="4"/>
-                                            </p:txEl>
-                                          </p:spTgt>
-                                        </p:tgtEl>
-                                      </p:cBhvr>
-                                    </p:animEffect>
-                                  </p:childTnLst>
-                                </p:cTn>
-                              </p:par>
-                              <p:par>
-                                <p:cTn id="28" presetID="22" presetClass="entr" presetSubtype="1" fill="hold" grpId="0" nodeType="withEffect">
-                                  <p:stCondLst>
-                                    <p:cond delay="0"/>
-                                  </p:stCondLst>
-                                  <p:childTnLst>
-                                    <p:set>
-                                      <p:cBhvr>
-                                        <p:cTn id="29" dur="1" fill="hold">
-                                          <p:stCondLst>
-                                            <p:cond delay="0"/>
-                                          </p:stCondLst>
-                                        </p:cTn>
-                                        <p:tgtEl>
-                                          <p:spTgt spid="3">
-                                            <p:txEl>
-                                              <p:pRg st="5" end="5"/>
-                                            </p:txEl>
-                                          </p:spTgt>
-                                        </p:tgtEl>
-                                        <p:attrNameLst>
-                                          <p:attrName>style.visibility</p:attrName>
-                                        </p:attrNameLst>
-                                      </p:cBhvr>
-                                      <p:to>
-                                        <p:strVal val="visible"/>
-                                      </p:to>
-                                    </p:set>
-                                    <p:animEffect transition="in" filter="wipe(up)">
-                                      <p:cBhvr>
-                                        <p:cTn id="30" dur="500"/>
-                                        <p:tgtEl>
-                                          <p:spTgt spid="3">
-                                            <p:txEl>
-                                              <p:pRg st="5" end="5"/>
                                             </p:txEl>
                                           </p:spTgt>
                                         </p:tgtEl>
@@ -10419,7 +10622,7 @@
           </p:nvPr>
         </p:nvPicPr>
         <p:blipFill>
-          <a:blip r:embed="rId3" cstate="print"/>
+          <a:blip r:embed="rId4" cstate="print"/>
           <a:stretch>
             <a:fillRect/>
           </a:stretch>
@@ -10432,6 +10635,9 @@
         </p:spPr>
       </p:pic>
     </p:spTree>
+    <p:custDataLst>
+      <p:tags r:id="rId1"/>
+    </p:custDataLst>
   </p:cSld>
   <p:clrMapOvr>
     <a:masterClrMapping/>
@@ -10593,6 +10799,78 @@
     </p:bldLst>
   </p:timing>
 </p:sld>
+</file>
+
+<file path=ppt/tags/tag1.xml><?xml version="1.0" encoding="utf-8"?>
+<p:tagLst xmlns:a="http://schemas.openxmlformats.org/drawingml/2006/main" xmlns:r="http://schemas.openxmlformats.org/officeDocument/2006/relationships" xmlns:p="http://schemas.openxmlformats.org/presentationml/2006/main">
+  <p:tag name="TIMING" val="|1.8|10.1|37"/>
+</p:tagLst>
+</file>
+
+<file path=ppt/tags/tag10.xml><?xml version="1.0" encoding="utf-8"?>
+<p:tagLst xmlns:a="http://schemas.openxmlformats.org/drawingml/2006/main" xmlns:r="http://schemas.openxmlformats.org/officeDocument/2006/relationships" xmlns:p="http://schemas.openxmlformats.org/presentationml/2006/main">
+  <p:tag name="TIMING" val="|0.7|1.7|7.5"/>
+</p:tagLst>
+</file>
+
+<file path=ppt/tags/tag11.xml><?xml version="1.0" encoding="utf-8"?>
+<p:tagLst xmlns:a="http://schemas.openxmlformats.org/drawingml/2006/main" xmlns:r="http://schemas.openxmlformats.org/officeDocument/2006/relationships" xmlns:p="http://schemas.openxmlformats.org/presentationml/2006/main">
+  <p:tag name="TIMING" val="|0.6|32.2|4.6|3.8|8.7|25.3"/>
+</p:tagLst>
+</file>
+
+<file path=ppt/tags/tag12.xml><?xml version="1.0" encoding="utf-8"?>
+<p:tagLst xmlns:a="http://schemas.openxmlformats.org/drawingml/2006/main" xmlns:r="http://schemas.openxmlformats.org/officeDocument/2006/relationships" xmlns:p="http://schemas.openxmlformats.org/presentationml/2006/main">
+  <p:tag name="TIMING" val="|0.6|1.4|7.8|18.4|6.7|51.7|32|13.6|1.6"/>
+</p:tagLst>
+</file>
+
+<file path=ppt/tags/tag2.xml><?xml version="1.0" encoding="utf-8"?>
+<p:tagLst xmlns:a="http://schemas.openxmlformats.org/drawingml/2006/main" xmlns:r="http://schemas.openxmlformats.org/officeDocument/2006/relationships" xmlns:p="http://schemas.openxmlformats.org/presentationml/2006/main">
+  <p:tag name="TIMING" val="|92.4|19.7"/>
+</p:tagLst>
+</file>
+
+<file path=ppt/tags/tag3.xml><?xml version="1.0" encoding="utf-8"?>
+<p:tagLst xmlns:a="http://schemas.openxmlformats.org/drawingml/2006/main" xmlns:r="http://schemas.openxmlformats.org/officeDocument/2006/relationships" xmlns:p="http://schemas.openxmlformats.org/presentationml/2006/main">
+  <p:tag name="TIMING" val="|0.6|32.6"/>
+</p:tagLst>
+</file>
+
+<file path=ppt/tags/tag4.xml><?xml version="1.0" encoding="utf-8"?>
+<p:tagLst xmlns:a="http://schemas.openxmlformats.org/drawingml/2006/main" xmlns:r="http://schemas.openxmlformats.org/officeDocument/2006/relationships" xmlns:p="http://schemas.openxmlformats.org/presentationml/2006/main">
+  <p:tag name="TIMING" val="|3.4|32.5|38.1"/>
+</p:tagLst>
+</file>
+
+<file path=ppt/tags/tag5.xml><?xml version="1.0" encoding="utf-8"?>
+<p:tagLst xmlns:a="http://schemas.openxmlformats.org/drawingml/2006/main" xmlns:r="http://schemas.openxmlformats.org/officeDocument/2006/relationships" xmlns:p="http://schemas.openxmlformats.org/presentationml/2006/main">
+  <p:tag name="TIMING" val="|0.7|2.7|16.5|15.1"/>
+</p:tagLst>
+</file>
+
+<file path=ppt/tags/tag6.xml><?xml version="1.0" encoding="utf-8"?>
+<p:tagLst xmlns:a="http://schemas.openxmlformats.org/drawingml/2006/main" xmlns:r="http://schemas.openxmlformats.org/officeDocument/2006/relationships" xmlns:p="http://schemas.openxmlformats.org/presentationml/2006/main">
+  <p:tag name="TIMING" val="|0.3|5.7|1.6|19.6|13.1|1.4"/>
+</p:tagLst>
+</file>
+
+<file path=ppt/tags/tag7.xml><?xml version="1.0" encoding="utf-8"?>
+<p:tagLst xmlns:a="http://schemas.openxmlformats.org/drawingml/2006/main" xmlns:r="http://schemas.openxmlformats.org/officeDocument/2006/relationships" xmlns:p="http://schemas.openxmlformats.org/presentationml/2006/main">
+  <p:tag name="TIMING" val="|24.6|27.8"/>
+</p:tagLst>
+</file>
+
+<file path=ppt/tags/tag8.xml><?xml version="1.0" encoding="utf-8"?>
+<p:tagLst xmlns:a="http://schemas.openxmlformats.org/drawingml/2006/main" xmlns:r="http://schemas.openxmlformats.org/officeDocument/2006/relationships" xmlns:p="http://schemas.openxmlformats.org/presentationml/2006/main">
+  <p:tag name="TIMING" val="|2.5|4.8"/>
+</p:tagLst>
+</file>
+
+<file path=ppt/tags/tag9.xml><?xml version="1.0" encoding="utf-8"?>
+<p:tagLst xmlns:a="http://schemas.openxmlformats.org/drawingml/2006/main" xmlns:r="http://schemas.openxmlformats.org/officeDocument/2006/relationships" xmlns:p="http://schemas.openxmlformats.org/presentationml/2006/main">
+  <p:tag name="TIMING" val="|1.1|56|2.9|14.6|39|10.2|1.7|0.8|9.9"/>
+</p:tagLst>
 </file>
 
 <file path=ppt/theme/theme1.xml><?xml version="1.0" encoding="utf-8"?>

--- a/presentations/presentation_swe.pptx
+++ b/presentations/presentation_swe.pptx
@@ -210,7 +210,7 @@
             <a:fld id="{95B0EECD-C57A-4101-A3EB-3048063A3D1A}" type="datetimeFigureOut">
               <a:rPr lang="sv-SE" smtClean="0"/>
               <a:pPr/>
-              <a:t>2014-08-24</a:t>
+              <a:t>2014-08-26</a:t>
             </a:fld>
             <a:endParaRPr lang="sv-SE"/>
           </a:p>
@@ -1193,7 +1193,7 @@
             <a:fld id="{2F70612F-D101-4AD4-8F3C-BE6AA2F3E7E9}" type="datetimeFigureOut">
               <a:rPr lang="sv-SE" smtClean="0"/>
               <a:pPr/>
-              <a:t>2014-08-24</a:t>
+              <a:t>2014-08-26</a:t>
             </a:fld>
             <a:endParaRPr lang="sv-SE"/>
           </a:p>
@@ -1509,7 +1509,7 @@
             <a:fld id="{2F70612F-D101-4AD4-8F3C-BE6AA2F3E7E9}" type="datetimeFigureOut">
               <a:rPr lang="sv-SE" smtClean="0"/>
               <a:pPr/>
-              <a:t>2014-08-24</a:t>
+              <a:t>2014-08-26</a:t>
             </a:fld>
             <a:endParaRPr lang="sv-SE"/>
           </a:p>
@@ -1697,7 +1697,7 @@
             <a:fld id="{2F70612F-D101-4AD4-8F3C-BE6AA2F3E7E9}" type="datetimeFigureOut">
               <a:rPr lang="sv-SE" smtClean="0"/>
               <a:pPr/>
-              <a:t>2014-08-24</a:t>
+              <a:t>2014-08-26</a:t>
             </a:fld>
             <a:endParaRPr lang="sv-SE"/>
           </a:p>
@@ -1875,7 +1875,7 @@
             <a:fld id="{2F70612F-D101-4AD4-8F3C-BE6AA2F3E7E9}" type="datetimeFigureOut">
               <a:rPr lang="sv-SE" smtClean="0"/>
               <a:pPr/>
-              <a:t>2014-08-24</a:t>
+              <a:t>2014-08-26</a:t>
             </a:fld>
             <a:endParaRPr lang="sv-SE"/>
           </a:p>
@@ -2146,7 +2146,7 @@
             <a:fld id="{2F70612F-D101-4AD4-8F3C-BE6AA2F3E7E9}" type="datetimeFigureOut">
               <a:rPr lang="sv-SE" smtClean="0"/>
               <a:pPr/>
-              <a:t>2014-08-24</a:t>
+              <a:t>2014-08-26</a:t>
             </a:fld>
             <a:endParaRPr lang="sv-SE"/>
           </a:p>
@@ -2617,7 +2617,7 @@
             <a:fld id="{2F70612F-D101-4AD4-8F3C-BE6AA2F3E7E9}" type="datetimeFigureOut">
               <a:rPr lang="sv-SE" smtClean="0"/>
               <a:pPr/>
-              <a:t>2014-08-24</a:t>
+              <a:t>2014-08-26</a:t>
             </a:fld>
             <a:endParaRPr lang="sv-SE"/>
           </a:p>
@@ -3109,7 +3109,7 @@
             <a:fld id="{2F70612F-D101-4AD4-8F3C-BE6AA2F3E7E9}" type="datetimeFigureOut">
               <a:rPr lang="sv-SE" smtClean="0"/>
               <a:pPr/>
-              <a:t>2014-08-24</a:t>
+              <a:t>2014-08-26</a:t>
             </a:fld>
             <a:endParaRPr lang="sv-SE"/>
           </a:p>
@@ -3238,7 +3238,7 @@
             <a:fld id="{2F70612F-D101-4AD4-8F3C-BE6AA2F3E7E9}" type="datetimeFigureOut">
               <a:rPr lang="sv-SE" smtClean="0"/>
               <a:pPr/>
-              <a:t>2014-08-24</a:t>
+              <a:t>2014-08-26</a:t>
             </a:fld>
             <a:endParaRPr lang="sv-SE"/>
           </a:p>
@@ -3385,7 +3385,7 @@
             <a:fld id="{2F70612F-D101-4AD4-8F3C-BE6AA2F3E7E9}" type="datetimeFigureOut">
               <a:rPr lang="sv-SE" smtClean="0"/>
               <a:pPr/>
-              <a:t>2014-08-24</a:t>
+              <a:t>2014-08-26</a:t>
             </a:fld>
             <a:endParaRPr lang="sv-SE"/>
           </a:p>
@@ -3710,7 +3710,7 @@
             <a:fld id="{2F70612F-D101-4AD4-8F3C-BE6AA2F3E7E9}" type="datetimeFigureOut">
               <a:rPr lang="sv-SE" smtClean="0"/>
               <a:pPr/>
-              <a:t>2014-08-24</a:t>
+              <a:t>2014-08-26</a:t>
             </a:fld>
             <a:endParaRPr lang="sv-SE"/>
           </a:p>
@@ -3847,7 +3847,7 @@
             <a:fld id="{2F70612F-D101-4AD4-8F3C-BE6AA2F3E7E9}" type="datetimeFigureOut">
               <a:rPr lang="sv-SE" smtClean="0"/>
               <a:pPr/>
-              <a:t>2014-08-24</a:t>
+              <a:t>2014-08-26</a:t>
             </a:fld>
             <a:endParaRPr lang="sv-SE"/>
           </a:p>
@@ -4631,7 +4631,7 @@
             <a:fld id="{2F70612F-D101-4AD4-8F3C-BE6AA2F3E7E9}" type="datetimeFigureOut">
               <a:rPr lang="sv-SE" smtClean="0"/>
               <a:pPr/>
-              <a:t>2014-08-24</a:t>
+              <a:t>2014-08-26</a:t>
             </a:fld>
             <a:endParaRPr lang="sv-SE"/>
           </a:p>
@@ -5184,7 +5184,7 @@
   <p:clrMapOvr>
     <a:masterClrMapping/>
   </p:clrMapOvr>
-  <p:transition/>
+  <p:transition advTm="19437"/>
   <p:timing>
     <p:tnLst>
       <p:par>
@@ -6205,9 +6205,6 @@
         </p:txBody>
       </p:sp>
     </p:spTree>
-    <p:custDataLst>
-      <p:tags r:id="rId1"/>
-    </p:custDataLst>
   </p:cSld>
   <p:clrMapOvr>
     <a:masterClrMapping/>
@@ -6499,13 +6496,8 @@
           <a:p>
             <a:r>
               <a:rPr lang="sv-SE" dirty="0" smtClean="0"/>
-              <a:t>Används dagligen i labbet </a:t>
-            </a:r>
-            <a:r>
-              <a:rPr lang="sv-SE" dirty="0" smtClean="0"/>
-              <a:t>för forskning</a:t>
-            </a:r>
-            <a:endParaRPr lang="sv-SE" dirty="0" smtClean="0"/>
+              <a:t>Används dagligen i labbet för forskning</a:t>
+            </a:r>
           </a:p>
           <a:p>
             <a:r>
@@ -6524,9 +6516,218 @@
   <p:timing>
     <p:tnLst>
       <p:par>
-        <p:cTn id="1" dur="indefinite" restart="never" nodeType="tmRoot"/>
+        <p:cTn id="1" dur="indefinite" restart="never" nodeType="tmRoot">
+          <p:childTnLst>
+            <p:seq concurrent="1" nextAc="seek">
+              <p:cTn id="2" dur="indefinite" nodeType="mainSeq">
+                <p:childTnLst>
+                  <p:par>
+                    <p:cTn id="3" fill="hold">
+                      <p:stCondLst>
+                        <p:cond delay="indefinite"/>
+                      </p:stCondLst>
+                      <p:childTnLst>
+                        <p:par>
+                          <p:cTn id="4" fill="hold">
+                            <p:stCondLst>
+                              <p:cond delay="0"/>
+                            </p:stCondLst>
+                            <p:childTnLst>
+                              <p:par>
+                                <p:cTn id="5" presetID="22" presetClass="entr" presetSubtype="1" fill="hold" grpId="0" nodeType="clickEffect">
+                                  <p:stCondLst>
+                                    <p:cond delay="0"/>
+                                  </p:stCondLst>
+                                  <p:childTnLst>
+                                    <p:set>
+                                      <p:cBhvr>
+                                        <p:cTn id="6" dur="1" fill="hold">
+                                          <p:stCondLst>
+                                            <p:cond delay="0"/>
+                                          </p:stCondLst>
+                                        </p:cTn>
+                                        <p:tgtEl>
+                                          <p:spTgt spid="3">
+                                            <p:txEl>
+                                              <p:pRg st="0" end="0"/>
+                                            </p:txEl>
+                                          </p:spTgt>
+                                        </p:tgtEl>
+                                        <p:attrNameLst>
+                                          <p:attrName>style.visibility</p:attrName>
+                                        </p:attrNameLst>
+                                      </p:cBhvr>
+                                      <p:to>
+                                        <p:strVal val="visible"/>
+                                      </p:to>
+                                    </p:set>
+                                    <p:animEffect transition="in" filter="wipe(up)">
+                                      <p:cBhvr>
+                                        <p:cTn id="7" dur="500"/>
+                                        <p:tgtEl>
+                                          <p:spTgt spid="3">
+                                            <p:txEl>
+                                              <p:pRg st="0" end="0"/>
+                                            </p:txEl>
+                                          </p:spTgt>
+                                        </p:tgtEl>
+                                      </p:cBhvr>
+                                    </p:animEffect>
+                                  </p:childTnLst>
+                                </p:cTn>
+                              </p:par>
+                            </p:childTnLst>
+                          </p:cTn>
+                        </p:par>
+                      </p:childTnLst>
+                    </p:cTn>
+                  </p:par>
+                  <p:par>
+                    <p:cTn id="8" fill="hold">
+                      <p:stCondLst>
+                        <p:cond delay="indefinite"/>
+                      </p:stCondLst>
+                      <p:childTnLst>
+                        <p:par>
+                          <p:cTn id="9" fill="hold">
+                            <p:stCondLst>
+                              <p:cond delay="0"/>
+                            </p:stCondLst>
+                            <p:childTnLst>
+                              <p:par>
+                                <p:cTn id="10" presetID="22" presetClass="entr" presetSubtype="1" fill="hold" grpId="0" nodeType="clickEffect">
+                                  <p:stCondLst>
+                                    <p:cond delay="0"/>
+                                  </p:stCondLst>
+                                  <p:childTnLst>
+                                    <p:set>
+                                      <p:cBhvr>
+                                        <p:cTn id="11" dur="1" fill="hold">
+                                          <p:stCondLst>
+                                            <p:cond delay="0"/>
+                                          </p:stCondLst>
+                                        </p:cTn>
+                                        <p:tgtEl>
+                                          <p:spTgt spid="3">
+                                            <p:txEl>
+                                              <p:pRg st="1" end="1"/>
+                                            </p:txEl>
+                                          </p:spTgt>
+                                        </p:tgtEl>
+                                        <p:attrNameLst>
+                                          <p:attrName>style.visibility</p:attrName>
+                                        </p:attrNameLst>
+                                      </p:cBhvr>
+                                      <p:to>
+                                        <p:strVal val="visible"/>
+                                      </p:to>
+                                    </p:set>
+                                    <p:animEffect transition="in" filter="wipe(up)">
+                                      <p:cBhvr>
+                                        <p:cTn id="12" dur="500"/>
+                                        <p:tgtEl>
+                                          <p:spTgt spid="3">
+                                            <p:txEl>
+                                              <p:pRg st="1" end="1"/>
+                                            </p:txEl>
+                                          </p:spTgt>
+                                        </p:tgtEl>
+                                      </p:cBhvr>
+                                    </p:animEffect>
+                                  </p:childTnLst>
+                                </p:cTn>
+                              </p:par>
+                            </p:childTnLst>
+                          </p:cTn>
+                        </p:par>
+                      </p:childTnLst>
+                    </p:cTn>
+                  </p:par>
+                  <p:par>
+                    <p:cTn id="13" fill="hold">
+                      <p:stCondLst>
+                        <p:cond delay="indefinite"/>
+                      </p:stCondLst>
+                      <p:childTnLst>
+                        <p:par>
+                          <p:cTn id="14" fill="hold">
+                            <p:stCondLst>
+                              <p:cond delay="0"/>
+                            </p:stCondLst>
+                            <p:childTnLst>
+                              <p:par>
+                                <p:cTn id="15" presetID="22" presetClass="entr" presetSubtype="1" fill="hold" grpId="0" nodeType="clickEffect">
+                                  <p:stCondLst>
+                                    <p:cond delay="0"/>
+                                  </p:stCondLst>
+                                  <p:childTnLst>
+                                    <p:set>
+                                      <p:cBhvr>
+                                        <p:cTn id="16" dur="1" fill="hold">
+                                          <p:stCondLst>
+                                            <p:cond delay="0"/>
+                                          </p:stCondLst>
+                                        </p:cTn>
+                                        <p:tgtEl>
+                                          <p:spTgt spid="3">
+                                            <p:txEl>
+                                              <p:pRg st="2" end="2"/>
+                                            </p:txEl>
+                                          </p:spTgt>
+                                        </p:tgtEl>
+                                        <p:attrNameLst>
+                                          <p:attrName>style.visibility</p:attrName>
+                                        </p:attrNameLst>
+                                      </p:cBhvr>
+                                      <p:to>
+                                        <p:strVal val="visible"/>
+                                      </p:to>
+                                    </p:set>
+                                    <p:animEffect transition="in" filter="wipe(up)">
+                                      <p:cBhvr>
+                                        <p:cTn id="17" dur="500"/>
+                                        <p:tgtEl>
+                                          <p:spTgt spid="3">
+                                            <p:txEl>
+                                              <p:pRg st="2" end="2"/>
+                                            </p:txEl>
+                                          </p:spTgt>
+                                        </p:tgtEl>
+                                      </p:cBhvr>
+                                    </p:animEffect>
+                                  </p:childTnLst>
+                                </p:cTn>
+                              </p:par>
+                            </p:childTnLst>
+                          </p:cTn>
+                        </p:par>
+                      </p:childTnLst>
+                    </p:cTn>
+                  </p:par>
+                </p:childTnLst>
+              </p:cTn>
+              <p:prevCondLst>
+                <p:cond evt="onPrev" delay="0">
+                  <p:tgtEl>
+                    <p:sldTgt/>
+                  </p:tgtEl>
+                </p:cond>
+              </p:prevCondLst>
+              <p:nextCondLst>
+                <p:cond evt="onNext" delay="0">
+                  <p:tgtEl>
+                    <p:sldTgt/>
+                  </p:tgtEl>
+                </p:cond>
+              </p:nextCondLst>
+            </p:seq>
+          </p:childTnLst>
+        </p:cTn>
       </p:par>
     </p:tnLst>
+    <p:bldLst>
+      <p:bldP spid="3" grpId="0" build="p"/>
+    </p:bldLst>
   </p:timing>
 </p:sld>
 </file>
@@ -6571,60 +6772,52 @@
           </a:p>
         </p:txBody>
       </p:sp>
-      <p:sp>
-        <p:nvSpPr>
-          <p:cNvPr id="5" name="Platshållare för innehåll 4"/>
-          <p:cNvSpPr>
-            <a:spLocks noGrp="1"/>
-          </p:cNvSpPr>
+      <p:pic>
+        <p:nvPicPr>
+          <p:cNvPr id="8" name="Platshållare för innehåll 7" descr="ouptut.png"/>
+          <p:cNvPicPr>
+            <a:picLocks noGrp="1" noChangeAspect="1"/>
+          </p:cNvPicPr>
           <p:nvPr>
             <p:ph sz="half" idx="1"/>
           </p:nvPr>
-        </p:nvSpPr>
-        <p:spPr/>
-        <p:txBody>
-          <a:bodyPr/>
-          <a:lstStyle/>
-          <a:p>
-            <a:r>
-              <a:rPr lang="sv-SE" dirty="0" err="1" smtClean="0"/>
-              <a:t>Insert</a:t>
-            </a:r>
-            <a:r>
-              <a:rPr lang="sv-SE" dirty="0" smtClean="0"/>
-              <a:t> </a:t>
-            </a:r>
-            <a:r>
-              <a:rPr lang="sv-SE" dirty="0" err="1" smtClean="0"/>
-              <a:t>actual</a:t>
-            </a:r>
-            <a:r>
-              <a:rPr lang="sv-SE" dirty="0" smtClean="0"/>
-              <a:t> interface	</a:t>
-            </a:r>
-            <a:endParaRPr lang="sv-SE" dirty="0"/>
-          </a:p>
-        </p:txBody>
-      </p:sp>
-      <p:sp>
-        <p:nvSpPr>
-          <p:cNvPr id="6" name="Platshållare för innehåll 5"/>
-          <p:cNvSpPr>
-            <a:spLocks noGrp="1"/>
-          </p:cNvSpPr>
+        </p:nvPicPr>
+        <p:blipFill>
+          <a:blip r:embed="rId2" cstate="print"/>
+          <a:stretch>
+            <a:fillRect/>
+          </a:stretch>
+        </p:blipFill>
+        <p:spPr>
+          <a:xfrm>
+            <a:off x="1331640" y="2780928"/>
+            <a:ext cx="3657600" cy="2284558"/>
+          </a:xfrm>
+        </p:spPr>
+      </p:pic>
+      <p:pic>
+        <p:nvPicPr>
+          <p:cNvPr id="7" name="Platshållare för innehåll 6" descr="mainwin.png"/>
+          <p:cNvPicPr>
+            <a:picLocks noGrp="1" noChangeAspect="1"/>
+          </p:cNvPicPr>
           <p:nvPr>
             <p:ph sz="half" idx="2"/>
           </p:nvPr>
-        </p:nvSpPr>
-        <p:spPr/>
-        <p:txBody>
-          <a:bodyPr/>
-          <a:lstStyle/>
-          <a:p>
-            <a:endParaRPr lang="sv-SE" dirty="0"/>
-          </a:p>
-        </p:txBody>
-      </p:sp>
+        </p:nvPicPr>
+        <p:blipFill>
+          <a:blip r:embed="rId3" cstate="print"/>
+          <a:stretch>
+            <a:fillRect/>
+          </a:stretch>
+        </p:blipFill>
+        <p:spPr>
+          <a:xfrm>
+            <a:off x="5292080" y="2708920"/>
+            <a:ext cx="3657600" cy="2287112"/>
+          </a:xfrm>
+        </p:spPr>
+      </p:pic>
     </p:spTree>
   </p:cSld>
   <p:clrMapOvr>
@@ -6973,8 +7166,13 @@
             <a:pPr lvl="1"/>
             <a:r>
               <a:rPr lang="sv-SE" dirty="0" smtClean="0"/>
-              <a:t>Mindre problem: Presentera mer information, bättre ordval</a:t>
-            </a:r>
+              <a:t>Mindre problem: Presentera mer information, </a:t>
+            </a:r>
+            <a:r>
+              <a:rPr lang="sv-SE" dirty="0" smtClean="0"/>
+              <a:t>ordval</a:t>
+            </a:r>
+            <a:endParaRPr lang="sv-SE" dirty="0" smtClean="0"/>
           </a:p>
         </p:txBody>
       </p:sp>
@@ -7008,7 +7206,7 @@
                             </p:stCondLst>
                             <p:childTnLst>
                               <p:par>
-                                <p:cTn id="5" presetID="10" presetClass="entr" presetSubtype="0" fill="hold" grpId="0" nodeType="clickEffect">
+                                <p:cTn id="5" presetID="22" presetClass="entr" presetSubtype="4" fill="hold" grpId="0" nodeType="clickEffect">
                                   <p:stCondLst>
                                     <p:cond delay="0"/>
                                   </p:stCondLst>
@@ -7035,9 +7233,9 @@
                                         <p:strVal val="visible"/>
                                       </p:to>
                                     </p:set>
-                                    <p:animEffect transition="in" filter="fade">
-                                      <p:cBhvr>
-                                        <p:cTn id="7" dur="2000"/>
+                                    <p:animEffect transition="in" filter="wipe(down)">
+                                      <p:cBhvr>
+                                        <p:cTn id="7" dur="500"/>
                                         <p:tgtEl>
                                           <p:spTgt spid="3">
                                             <p:txEl>
@@ -7069,7 +7267,7 @@
                             </p:stCondLst>
                             <p:childTnLst>
                               <p:par>
-                                <p:cTn id="10" presetID="10" presetClass="entr" presetSubtype="0" fill="hold" grpId="0" nodeType="clickEffect">
+                                <p:cTn id="10" presetID="22" presetClass="entr" presetSubtype="4" fill="hold" grpId="0" nodeType="clickEffect">
                                   <p:stCondLst>
                                     <p:cond delay="0"/>
                                   </p:stCondLst>
@@ -7096,9 +7294,9 @@
                                         <p:strVal val="visible"/>
                                       </p:to>
                                     </p:set>
-                                    <p:animEffect transition="in" filter="fade">
-                                      <p:cBhvr>
-                                        <p:cTn id="12" dur="2000"/>
+                                    <p:animEffect transition="in" filter="wipe(down)">
+                                      <p:cBhvr>
+                                        <p:cTn id="12" dur="500"/>
                                         <p:tgtEl>
                                           <p:spTgt spid="3">
                                             <p:txEl>
@@ -7130,7 +7328,7 @@
                             </p:stCondLst>
                             <p:childTnLst>
                               <p:par>
-                                <p:cTn id="15" presetID="10" presetClass="entr" presetSubtype="0" fill="hold" grpId="0" nodeType="clickEffect">
+                                <p:cTn id="15" presetID="22" presetClass="entr" presetSubtype="4" fill="hold" grpId="0" nodeType="clickEffect">
                                   <p:stCondLst>
                                     <p:cond delay="0"/>
                                   </p:stCondLst>
@@ -7157,9 +7355,9 @@
                                         <p:strVal val="visible"/>
                                       </p:to>
                                     </p:set>
-                                    <p:animEffect transition="in" filter="fade">
-                                      <p:cBhvr>
-                                        <p:cTn id="17" dur="2000"/>
+                                    <p:animEffect transition="in" filter="wipe(down)">
+                                      <p:cBhvr>
+                                        <p:cTn id="17" dur="500"/>
                                         <p:tgtEl>
                                           <p:spTgt spid="3">
                                             <p:txEl>
@@ -7191,7 +7389,7 @@
                             </p:stCondLst>
                             <p:childTnLst>
                               <p:par>
-                                <p:cTn id="20" presetID="10" presetClass="entr" presetSubtype="0" fill="hold" grpId="0" nodeType="clickEffect">
+                                <p:cTn id="20" presetID="22" presetClass="entr" presetSubtype="4" fill="hold" grpId="0" nodeType="clickEffect">
                                   <p:stCondLst>
                                     <p:cond delay="0"/>
                                   </p:stCondLst>
@@ -7218,56 +7416,13 @@
                                         <p:strVal val="visible"/>
                                       </p:to>
                                     </p:set>
-                                    <p:animEffect transition="in" filter="fade">
-                                      <p:cBhvr>
-                                        <p:cTn id="22" dur="2000"/>
+                                    <p:animEffect transition="in" filter="wipe(down)">
+                                      <p:cBhvr>
+                                        <p:cTn id="22" dur="500"/>
                                         <p:tgtEl>
                                           <p:spTgt spid="3">
                                             <p:txEl>
                                               <p:pRg st="3" end="3"/>
-                                            </p:txEl>
-                                          </p:spTgt>
-                                        </p:tgtEl>
-                                      </p:cBhvr>
-                                    </p:animEffect>
-                                  </p:childTnLst>
-                                </p:cTn>
-                              </p:par>
-                              <p:par>
-                                <p:cTn id="23" presetID="10" presetClass="entr" presetSubtype="0" fill="hold" grpId="0" nodeType="withEffect">
-                                  <p:stCondLst>
-                                    <p:cond delay="0"/>
-                                  </p:stCondLst>
-                                  <p:childTnLst>
-                                    <p:set>
-                                      <p:cBhvr>
-                                        <p:cTn id="24" dur="1" fill="hold">
-                                          <p:stCondLst>
-                                            <p:cond delay="0"/>
-                                          </p:stCondLst>
-                                        </p:cTn>
-                                        <p:tgtEl>
-                                          <p:spTgt spid="3">
-                                            <p:txEl>
-                                              <p:pRg st="4" end="4"/>
-                                            </p:txEl>
-                                          </p:spTgt>
-                                        </p:tgtEl>
-                                        <p:attrNameLst>
-                                          <p:attrName>style.visibility</p:attrName>
-                                        </p:attrNameLst>
-                                      </p:cBhvr>
-                                      <p:to>
-                                        <p:strVal val="visible"/>
-                                      </p:to>
-                                    </p:set>
-                                    <p:animEffect transition="in" filter="fade">
-                                      <p:cBhvr>
-                                        <p:cTn id="25" dur="2000"/>
-                                        <p:tgtEl>
-                                          <p:spTgt spid="3">
-                                            <p:txEl>
-                                              <p:pRg st="4" end="4"/>
                                             </p:txEl>
                                           </p:spTgt>
                                         </p:tgtEl>
@@ -7283,26 +7438,26 @@
                     </p:cTn>
                   </p:par>
                   <p:par>
-                    <p:cTn id="26" fill="hold">
+                    <p:cTn id="23" fill="hold">
                       <p:stCondLst>
                         <p:cond delay="indefinite"/>
                       </p:stCondLst>
                       <p:childTnLst>
                         <p:par>
-                          <p:cTn id="27" fill="hold">
+                          <p:cTn id="24" fill="hold">
                             <p:stCondLst>
                               <p:cond delay="0"/>
                             </p:stCondLst>
                             <p:childTnLst>
                               <p:par>
-                                <p:cTn id="28" presetID="10" presetClass="entr" presetSubtype="0" fill="hold" grpId="0" nodeType="clickEffect">
+                                <p:cTn id="25" presetID="22" presetClass="entr" presetSubtype="4" fill="hold" grpId="0" nodeType="clickEffect">
                                   <p:stCondLst>
                                     <p:cond delay="0"/>
                                   </p:stCondLst>
                                   <p:childTnLst>
                                     <p:set>
                                       <p:cBhvr>
-                                        <p:cTn id="29" dur="1" fill="hold">
+                                        <p:cTn id="26" dur="1" fill="hold">
                                           <p:stCondLst>
                                             <p:cond delay="0"/>
                                           </p:stCondLst>
@@ -7310,7 +7465,7 @@
                                         <p:tgtEl>
                                           <p:spTgt spid="3">
                                             <p:txEl>
-                                              <p:pRg st="5" end="5"/>
+                                              <p:pRg st="4" end="4"/>
                                             </p:txEl>
                                           </p:spTgt>
                                         </p:tgtEl>
@@ -7322,13 +7477,13 @@
                                         <p:strVal val="visible"/>
                                       </p:to>
                                     </p:set>
-                                    <p:animEffect transition="in" filter="fade">
-                                      <p:cBhvr>
-                                        <p:cTn id="30" dur="2000"/>
+                                    <p:animEffect transition="in" filter="wipe(down)">
+                                      <p:cBhvr>
+                                        <p:cTn id="27" dur="500"/>
                                         <p:tgtEl>
                                           <p:spTgt spid="3">
                                             <p:txEl>
-                                              <p:pRg st="5" end="5"/>
+                                              <p:pRg st="4" end="4"/>
                                             </p:txEl>
                                           </p:spTgt>
                                         </p:tgtEl>
@@ -7344,26 +7499,26 @@
                     </p:cTn>
                   </p:par>
                   <p:par>
-                    <p:cTn id="31" fill="hold">
+                    <p:cTn id="28" fill="hold">
                       <p:stCondLst>
                         <p:cond delay="indefinite"/>
                       </p:stCondLst>
                       <p:childTnLst>
                         <p:par>
-                          <p:cTn id="32" fill="hold">
+                          <p:cTn id="29" fill="hold">
                             <p:stCondLst>
                               <p:cond delay="0"/>
                             </p:stCondLst>
                             <p:childTnLst>
                               <p:par>
-                                <p:cTn id="33" presetID="10" presetClass="entr" presetSubtype="0" fill="hold" grpId="0" nodeType="clickEffect">
+                                <p:cTn id="30" presetID="22" presetClass="entr" presetSubtype="4" fill="hold" grpId="0" nodeType="clickEffect">
                                   <p:stCondLst>
                                     <p:cond delay="0"/>
                                   </p:stCondLst>
                                   <p:childTnLst>
                                     <p:set>
                                       <p:cBhvr>
-                                        <p:cTn id="34" dur="1" fill="hold">
+                                        <p:cTn id="31" dur="1" fill="hold">
                                           <p:stCondLst>
                                             <p:cond delay="0"/>
                                           </p:stCondLst>
@@ -7371,7 +7526,7 @@
                                         <p:tgtEl>
                                           <p:spTgt spid="3">
                                             <p:txEl>
-                                              <p:pRg st="6" end="6"/>
+                                              <p:pRg st="5" end="5"/>
                                             </p:txEl>
                                           </p:spTgt>
                                         </p:tgtEl>
@@ -7383,9 +7538,70 @@
                                         <p:strVal val="visible"/>
                                       </p:to>
                                     </p:set>
-                                    <p:animEffect transition="in" filter="fade">
-                                      <p:cBhvr>
-                                        <p:cTn id="35" dur="2000"/>
+                                    <p:animEffect transition="in" filter="wipe(down)">
+                                      <p:cBhvr>
+                                        <p:cTn id="32" dur="500"/>
+                                        <p:tgtEl>
+                                          <p:spTgt spid="3">
+                                            <p:txEl>
+                                              <p:pRg st="5" end="5"/>
+                                            </p:txEl>
+                                          </p:spTgt>
+                                        </p:tgtEl>
+                                      </p:cBhvr>
+                                    </p:animEffect>
+                                  </p:childTnLst>
+                                </p:cTn>
+                              </p:par>
+                            </p:childTnLst>
+                          </p:cTn>
+                        </p:par>
+                      </p:childTnLst>
+                    </p:cTn>
+                  </p:par>
+                  <p:par>
+                    <p:cTn id="33" fill="hold">
+                      <p:stCondLst>
+                        <p:cond delay="indefinite"/>
+                      </p:stCondLst>
+                      <p:childTnLst>
+                        <p:par>
+                          <p:cTn id="34" fill="hold">
+                            <p:stCondLst>
+                              <p:cond delay="0"/>
+                            </p:stCondLst>
+                            <p:childTnLst>
+                              <p:par>
+                                <p:cTn id="35" presetID="22" presetClass="entr" presetSubtype="4" fill="hold" grpId="0" nodeType="clickEffect">
+                                  <p:stCondLst>
+                                    <p:cond delay="0"/>
+                                  </p:stCondLst>
+                                  <p:childTnLst>
+                                    <p:set>
+                                      <p:cBhvr>
+                                        <p:cTn id="36" dur="1" fill="hold">
+                                          <p:stCondLst>
+                                            <p:cond delay="0"/>
+                                          </p:stCondLst>
+                                        </p:cTn>
+                                        <p:tgtEl>
+                                          <p:spTgt spid="3">
+                                            <p:txEl>
+                                              <p:pRg st="6" end="6"/>
+                                            </p:txEl>
+                                          </p:spTgt>
+                                        </p:tgtEl>
+                                        <p:attrNameLst>
+                                          <p:attrName>style.visibility</p:attrName>
+                                        </p:attrNameLst>
+                                      </p:cBhvr>
+                                      <p:to>
+                                        <p:strVal val="visible"/>
+                                      </p:to>
+                                    </p:set>
+                                    <p:animEffect transition="in" filter="wipe(down)">
+                                      <p:cBhvr>
+                                        <p:cTn id="37" dur="500"/>
                                         <p:tgtEl>
                                           <p:spTgt spid="3">
                                             <p:txEl>
@@ -7502,11 +7718,7 @@
           <a:p>
             <a:r>
               <a:rPr lang="sv-SE" dirty="0" smtClean="0"/>
-              <a:t>Utmaningar</a:t>
-            </a:r>
-            <a:r>
-              <a:rPr lang="sv-SE" dirty="0" smtClean="0"/>
-              <a:t>:</a:t>
+              <a:t>Utmaningar:</a:t>
             </a:r>
           </a:p>
           <a:p>
@@ -7547,11 +7759,7 @@
           <a:p>
             <a:r>
               <a:rPr lang="sv-SE" dirty="0" smtClean="0"/>
-              <a:t>Resultat</a:t>
-            </a:r>
-            <a:r>
-              <a:rPr lang="sv-SE" dirty="0" smtClean="0"/>
-              <a:t>: </a:t>
+              <a:t>Resultat: </a:t>
             </a:r>
             <a:r>
               <a:rPr lang="sv-SE" dirty="0" err="1" smtClean="0"/>
@@ -8091,16 +8299,6 @@
             </a:pPr>
             <a:endParaRPr lang="sv-SE" dirty="0" smtClean="0"/>
           </a:p>
-          <a:p>
-            <a:pPr algn="ctr">
-              <a:buNone/>
-            </a:pPr>
-            <a:r>
-              <a:rPr lang="sv-SE" dirty="0" smtClean="0"/>
-              <a:t>Frågor?</a:t>
-            </a:r>
-            <a:endParaRPr lang="sv-SE" dirty="0"/>
-          </a:p>
         </p:txBody>
       </p:sp>
     </p:spTree>
@@ -8210,7 +8408,7 @@
   <p:clrMapOvr>
     <a:masterClrMapping/>
   </p:clrMapOvr>
-  <p:transition/>
+  <p:transition advTm="33602"/>
   <p:timing>
     <p:tnLst>
       <p:par>
@@ -8563,9 +8761,51 @@
           </a:p>
         </p:txBody>
       </p:sp>
+      <p:sp>
+        <p:nvSpPr>
+          <p:cNvPr id="6" name="Content Placeholder 5"/>
+          <p:cNvSpPr>
+            <a:spLocks noGrp="1"/>
+          </p:cNvSpPr>
+          <p:nvPr>
+            <p:ph sz="half" idx="2"/>
+          </p:nvPr>
+        </p:nvSpPr>
+        <p:spPr/>
+        <p:txBody>
+          <a:bodyPr/>
+          <a:lstStyle/>
+          <a:p>
+            <a:r>
+              <a:rPr lang="sv-SE" dirty="0" smtClean="0"/>
+              <a:t>Målet med experimentet:</a:t>
+            </a:r>
+          </a:p>
+          <a:p>
+            <a:pPr lvl="1"/>
+            <a:r>
+              <a:rPr lang="sv-SE" dirty="0" smtClean="0"/>
+              <a:t>Studera en rörelse som en funktion av visuellt stimuli</a:t>
+            </a:r>
+          </a:p>
+          <a:p>
+            <a:r>
+              <a:rPr lang="sv-SE" dirty="0" smtClean="0"/>
+              <a:t>Uppsatssyfte</a:t>
+            </a:r>
+          </a:p>
+          <a:p>
+            <a:pPr lvl="1"/>
+            <a:r>
+              <a:rPr lang="sv-SE" dirty="0" smtClean="0"/>
+              <a:t>Design och implementering av ny, användarvänlig mjukvara</a:t>
+            </a:r>
+          </a:p>
+        </p:txBody>
+      </p:sp>
       <p:pic>
         <p:nvPicPr>
-          <p:cNvPr id="5" name="Content Placeholder 4" descr="CIMG1525.JPG"/>
+          <p:cNvPr id="8" name="Platshållare för innehåll 7" descr="photo.JPG"/>
           <p:cNvPicPr>
             <a:picLocks noGrp="1" noChangeAspect="1"/>
           </p:cNvPicPr>
@@ -8580,62 +8820,12 @@
           </a:stretch>
         </p:blipFill>
         <p:spPr>
-          <a:xfrm>
+          <a:xfrm rot="5400000">
             <a:off x="1435100" y="2484437"/>
             <a:ext cx="3657600" cy="2743200"/>
           </a:xfrm>
         </p:spPr>
       </p:pic>
-      <p:sp>
-        <p:nvSpPr>
-          <p:cNvPr id="6" name="Content Placeholder 5"/>
-          <p:cNvSpPr>
-            <a:spLocks noGrp="1"/>
-          </p:cNvSpPr>
-          <p:nvPr>
-            <p:ph sz="half" idx="2"/>
-          </p:nvPr>
-        </p:nvSpPr>
-        <p:spPr/>
-        <p:txBody>
-          <a:bodyPr/>
-          <a:lstStyle/>
-          <a:p>
-            <a:r>
-              <a:rPr lang="sv-SE" dirty="0" smtClean="0"/>
-              <a:t>Målet med experimentet:</a:t>
-            </a:r>
-          </a:p>
-          <a:p>
-            <a:pPr lvl="1"/>
-            <a:r>
-              <a:rPr lang="sv-SE" dirty="0" smtClean="0"/>
-              <a:t>Studera en rörelse </a:t>
-            </a:r>
-            <a:r>
-              <a:rPr lang="sv-SE" dirty="0" smtClean="0"/>
-              <a:t>som en </a:t>
-            </a:r>
-            <a:r>
-              <a:rPr lang="sv-SE" dirty="0" smtClean="0"/>
-              <a:t>funktion av visuellt stimuli</a:t>
-            </a:r>
-          </a:p>
-          <a:p>
-            <a:r>
-              <a:rPr lang="sv-SE" dirty="0" smtClean="0"/>
-              <a:t>Uppsatssyfte</a:t>
-            </a:r>
-          </a:p>
-          <a:p>
-            <a:pPr lvl="1"/>
-            <a:r>
-              <a:rPr lang="sv-SE" dirty="0" smtClean="0"/>
-              <a:t>Design och implementering av ny, användarvänlig mjukvara</a:t>
-            </a:r>
-          </a:p>
-        </p:txBody>
-      </p:sp>
     </p:spTree>
     <p:custDataLst>
       <p:tags r:id="rId1"/>
@@ -9403,15 +9593,13 @@
             <a:pPr lvl="1"/>
             <a:r>
               <a:rPr lang="sv-SE" dirty="0" smtClean="0"/>
-              <a:t>Möten med slutanvändarna</a:t>
-            </a:r>
-          </a:p>
-          <a:p>
-            <a:pPr lvl="1"/>
+              <a:t>Möten med </a:t>
+            </a:r>
             <a:r>
               <a:rPr lang="sv-SE" dirty="0" smtClean="0"/>
-              <a:t>Iterativt</a:t>
-            </a:r>
+              <a:t>slutanvändarna</a:t>
+            </a:r>
+            <a:endParaRPr lang="sv-SE" dirty="0" smtClean="0"/>
           </a:p>
           <a:p>
             <a:r>
@@ -9423,15 +9611,17 @@
             <a:pPr lvl="1"/>
             <a:r>
               <a:rPr lang="sv-SE" dirty="0" smtClean="0"/>
+              <a:t>Kravdokument</a:t>
+            </a:r>
+            <a:endParaRPr lang="sv-SE" dirty="0" smtClean="0"/>
+          </a:p>
+          <a:p>
+            <a:pPr lvl="1"/>
+            <a:r>
+              <a:rPr lang="sv-SE" dirty="0" smtClean="0"/>
               <a:t>Tydlighet</a:t>
             </a:r>
-          </a:p>
-          <a:p>
-            <a:pPr lvl="1"/>
-            <a:r>
-              <a:rPr lang="sv-SE" dirty="0" smtClean="0"/>
-              <a:t>Kravdokument</a:t>
-            </a:r>
+            <a:endParaRPr lang="sv-SE" dirty="0" smtClean="0"/>
           </a:p>
           <a:p>
             <a:r>
@@ -9556,15 +9746,33 @@
                                   </p:childTnLst>
                                 </p:cTn>
                               </p:par>
+                            </p:childTnLst>
+                          </p:cTn>
+                        </p:par>
+                      </p:childTnLst>
+                    </p:cTn>
+                  </p:par>
+                  <p:par>
+                    <p:cTn id="11" fill="hold">
+                      <p:stCondLst>
+                        <p:cond delay="indefinite"/>
+                      </p:stCondLst>
+                      <p:childTnLst>
+                        <p:par>
+                          <p:cTn id="12" fill="hold">
+                            <p:stCondLst>
+                              <p:cond delay="0"/>
+                            </p:stCondLst>
+                            <p:childTnLst>
                               <p:par>
-                                <p:cTn id="11" presetID="22" presetClass="entr" presetSubtype="1" fill="hold" grpId="0" nodeType="withEffect">
+                                <p:cTn id="13" presetID="22" presetClass="entr" presetSubtype="1" fill="hold" grpId="0" nodeType="clickEffect">
                                   <p:stCondLst>
                                     <p:cond delay="0"/>
                                   </p:stCondLst>
                                   <p:childTnLst>
                                     <p:set>
                                       <p:cBhvr>
-                                        <p:cTn id="12" dur="1" fill="hold">
+                                        <p:cTn id="14" dur="1" fill="hold">
                                           <p:stCondLst>
                                             <p:cond delay="0"/>
                                           </p:stCondLst>
@@ -9586,11 +9794,97 @@
                                     </p:set>
                                     <p:animEffect transition="in" filter="wipe(up)">
                                       <p:cBhvr>
-                                        <p:cTn id="13" dur="500"/>
+                                        <p:cTn id="15" dur="500"/>
                                         <p:tgtEl>
                                           <p:spTgt spid="3">
                                             <p:txEl>
                                               <p:pRg st="2" end="2"/>
+                                            </p:txEl>
+                                          </p:spTgt>
+                                        </p:tgtEl>
+                                      </p:cBhvr>
+                                    </p:animEffect>
+                                  </p:childTnLst>
+                                </p:cTn>
+                              </p:par>
+                              <p:par>
+                                <p:cTn id="16" presetID="22" presetClass="entr" presetSubtype="1" fill="hold" grpId="0" nodeType="withEffect">
+                                  <p:stCondLst>
+                                    <p:cond delay="0"/>
+                                  </p:stCondLst>
+                                  <p:childTnLst>
+                                    <p:set>
+                                      <p:cBhvr>
+                                        <p:cTn id="17" dur="1" fill="hold">
+                                          <p:stCondLst>
+                                            <p:cond delay="0"/>
+                                          </p:stCondLst>
+                                        </p:cTn>
+                                        <p:tgtEl>
+                                          <p:spTgt spid="3">
+                                            <p:txEl>
+                                              <p:pRg st="3" end="3"/>
+                                            </p:txEl>
+                                          </p:spTgt>
+                                        </p:tgtEl>
+                                        <p:attrNameLst>
+                                          <p:attrName>style.visibility</p:attrName>
+                                        </p:attrNameLst>
+                                      </p:cBhvr>
+                                      <p:to>
+                                        <p:strVal val="visible"/>
+                                      </p:to>
+                                    </p:set>
+                                    <p:animEffect transition="in" filter="wipe(up)">
+                                      <p:cBhvr>
+                                        <p:cTn id="18" dur="500"/>
+                                        <p:tgtEl>
+                                          <p:spTgt spid="3">
+                                            <p:txEl>
+                                              <p:pRg st="3" end="3"/>
+                                            </p:txEl>
+                                          </p:spTgt>
+                                        </p:tgtEl>
+                                      </p:cBhvr>
+                                    </p:animEffect>
+                                  </p:childTnLst>
+                                </p:cTn>
+                              </p:par>
+                              <p:par>
+                                <p:cTn id="19" presetID="22" presetClass="entr" presetSubtype="1" fill="hold" grpId="0" nodeType="withEffect">
+                                  <p:stCondLst>
+                                    <p:cond delay="0"/>
+                                  </p:stCondLst>
+                                  <p:childTnLst>
+                                    <p:set>
+                                      <p:cBhvr>
+                                        <p:cTn id="20" dur="1" fill="hold">
+                                          <p:stCondLst>
+                                            <p:cond delay="0"/>
+                                          </p:stCondLst>
+                                        </p:cTn>
+                                        <p:tgtEl>
+                                          <p:spTgt spid="3">
+                                            <p:txEl>
+                                              <p:pRg st="4" end="4"/>
+                                            </p:txEl>
+                                          </p:spTgt>
+                                        </p:tgtEl>
+                                        <p:attrNameLst>
+                                          <p:attrName>style.visibility</p:attrName>
+                                        </p:attrNameLst>
+                                      </p:cBhvr>
+                                      <p:to>
+                                        <p:strVal val="visible"/>
+                                      </p:to>
+                                    </p:set>
+                                    <p:animEffect transition="in" filter="wipe(up)">
+                                      <p:cBhvr>
+                                        <p:cTn id="21" dur="500"/>
+                                        <p:tgtEl>
+                                          <p:spTgt spid="3">
+                                            <p:txEl>
+                                              <p:pRg st="4" end="4"/>
                                             </p:txEl>
                                           </p:spTgt>
                                         </p:tgtEl>
@@ -9606,26 +9900,26 @@
                     </p:cTn>
                   </p:par>
                   <p:par>
-                    <p:cTn id="14" fill="hold">
+                    <p:cTn id="22" fill="hold">
                       <p:stCondLst>
                         <p:cond delay="indefinite"/>
                       </p:stCondLst>
                       <p:childTnLst>
                         <p:par>
-                          <p:cTn id="15" fill="hold">
+                          <p:cTn id="23" fill="hold">
                             <p:stCondLst>
                               <p:cond delay="0"/>
                             </p:stCondLst>
                             <p:childTnLst>
                               <p:par>
-                                <p:cTn id="16" presetID="22" presetClass="entr" presetSubtype="1" fill="hold" grpId="0" nodeType="clickEffect">
+                                <p:cTn id="24" presetID="22" presetClass="entr" presetSubtype="1" fill="hold" grpId="0" nodeType="clickEffect">
                                   <p:stCondLst>
                                     <p:cond delay="0"/>
                                   </p:stCondLst>
                                   <p:childTnLst>
                                     <p:set>
                                       <p:cBhvr>
-                                        <p:cTn id="17" dur="1" fill="hold">
+                                        <p:cTn id="25" dur="1" fill="hold">
                                           <p:stCondLst>
                                             <p:cond delay="0"/>
                                           </p:stCondLst>
@@ -9633,7 +9927,7 @@
                                         <p:tgtEl>
                                           <p:spTgt spid="3">
                                             <p:txEl>
-                                              <p:pRg st="3" end="3"/>
+                                              <p:pRg st="5" end="5"/>
                                             </p:txEl>
                                           </p:spTgt>
                                         </p:tgtEl>
@@ -9647,158 +9941,11 @@
                                     </p:set>
                                     <p:animEffect transition="in" filter="wipe(up)">
                                       <p:cBhvr>
-                                        <p:cTn id="18" dur="500"/>
+                                        <p:cTn id="26" dur="500"/>
                                         <p:tgtEl>
                                           <p:spTgt spid="3">
                                             <p:txEl>
-                                              <p:pRg st="3" end="3"/>
-                                            </p:txEl>
-                                          </p:spTgt>
-                                        </p:tgtEl>
-                                      </p:cBhvr>
-                                    </p:animEffect>
-                                  </p:childTnLst>
-                                </p:cTn>
-                              </p:par>
-                              <p:par>
-                                <p:cTn id="19" presetID="22" presetClass="entr" presetSubtype="1" fill="hold" grpId="0" nodeType="withEffect">
-                                  <p:stCondLst>
-                                    <p:cond delay="0"/>
-                                  </p:stCondLst>
-                                  <p:childTnLst>
-                                    <p:set>
-                                      <p:cBhvr>
-                                        <p:cTn id="20" dur="1" fill="hold">
-                                          <p:stCondLst>
-                                            <p:cond delay="0"/>
-                                          </p:stCondLst>
-                                        </p:cTn>
-                                        <p:tgtEl>
-                                          <p:spTgt spid="3">
-                                            <p:txEl>
-                                              <p:pRg st="4" end="4"/>
-                                            </p:txEl>
-                                          </p:spTgt>
-                                        </p:tgtEl>
-                                        <p:attrNameLst>
-                                          <p:attrName>style.visibility</p:attrName>
-                                        </p:attrNameLst>
-                                      </p:cBhvr>
-                                      <p:to>
-                                        <p:strVal val="visible"/>
-                                      </p:to>
-                                    </p:set>
-                                    <p:animEffect transition="in" filter="wipe(up)">
-                                      <p:cBhvr>
-                                        <p:cTn id="21" dur="500"/>
-                                        <p:tgtEl>
-                                          <p:spTgt spid="3">
-                                            <p:txEl>
-                                              <p:pRg st="4" end="4"/>
-                                            </p:txEl>
-                                          </p:spTgt>
-                                        </p:tgtEl>
-                                      </p:cBhvr>
-                                    </p:animEffect>
-                                  </p:childTnLst>
-                                </p:cTn>
-                              </p:par>
-                              <p:par>
-                                <p:cTn id="22" presetID="22" presetClass="entr" presetSubtype="1" fill="hold" grpId="0" nodeType="withEffect">
-                                  <p:stCondLst>
-                                    <p:cond delay="0"/>
-                                  </p:stCondLst>
-                                  <p:childTnLst>
-                                    <p:set>
-                                      <p:cBhvr>
-                                        <p:cTn id="23" dur="1" fill="hold">
-                                          <p:stCondLst>
-                                            <p:cond delay="0"/>
-                                          </p:stCondLst>
-                                        </p:cTn>
-                                        <p:tgtEl>
-                                          <p:spTgt spid="3">
-                                            <p:txEl>
                                               <p:pRg st="5" end="5"/>
-                                            </p:txEl>
-                                          </p:spTgt>
-                                        </p:tgtEl>
-                                        <p:attrNameLst>
-                                          <p:attrName>style.visibility</p:attrName>
-                                        </p:attrNameLst>
-                                      </p:cBhvr>
-                                      <p:to>
-                                        <p:strVal val="visible"/>
-                                      </p:to>
-                                    </p:set>
-                                    <p:animEffect transition="in" filter="wipe(up)">
-                                      <p:cBhvr>
-                                        <p:cTn id="24" dur="500"/>
-                                        <p:tgtEl>
-                                          <p:spTgt spid="3">
-                                            <p:txEl>
-                                              <p:pRg st="5" end="5"/>
-                                            </p:txEl>
-                                          </p:spTgt>
-                                        </p:tgtEl>
-                                      </p:cBhvr>
-                                    </p:animEffect>
-                                  </p:childTnLst>
-                                </p:cTn>
-                              </p:par>
-                            </p:childTnLst>
-                          </p:cTn>
-                        </p:par>
-                      </p:childTnLst>
-                    </p:cTn>
-                  </p:par>
-                  <p:par>
-                    <p:cTn id="25" fill="hold">
-                      <p:stCondLst>
-                        <p:cond delay="indefinite"/>
-                      </p:stCondLst>
-                      <p:childTnLst>
-                        <p:par>
-                          <p:cTn id="26" fill="hold">
-                            <p:stCondLst>
-                              <p:cond delay="0"/>
-                            </p:stCondLst>
-                            <p:childTnLst>
-                              <p:par>
-                                <p:cTn id="27" presetID="22" presetClass="entr" presetSubtype="1" fill="hold" grpId="0" nodeType="clickEffect">
-                                  <p:stCondLst>
-                                    <p:cond delay="0"/>
-                                  </p:stCondLst>
-                                  <p:childTnLst>
-                                    <p:set>
-                                      <p:cBhvr>
-                                        <p:cTn id="28" dur="1" fill="hold">
-                                          <p:stCondLst>
-                                            <p:cond delay="0"/>
-                                          </p:stCondLst>
-                                        </p:cTn>
-                                        <p:tgtEl>
-                                          <p:spTgt spid="3">
-                                            <p:txEl>
-                                              <p:pRg st="6" end="6"/>
-                                            </p:txEl>
-                                          </p:spTgt>
-                                        </p:tgtEl>
-                                        <p:attrNameLst>
-                                          <p:attrName>style.visibility</p:attrName>
-                                        </p:attrNameLst>
-                                      </p:cBhvr>
-                                      <p:to>
-                                        <p:strVal val="visible"/>
-                                      </p:to>
-                                    </p:set>
-                                    <p:animEffect transition="in" filter="wipe(up)">
-                                      <p:cBhvr>
-                                        <p:cTn id="29" dur="500"/>
-                                        <p:tgtEl>
-                                          <p:spTgt spid="3">
-                                            <p:txEl>
-                                              <p:pRg st="6" end="6"/>
                                             </p:txEl>
                                           </p:spTgt>
                                         </p:tgtEl>
@@ -10310,7 +10457,6 @@
               <a:rPr lang="sv-SE" dirty="0" smtClean="0"/>
               <a:t>Pappersprototyp</a:t>
             </a:r>
-            <a:endParaRPr lang="sv-SE" dirty="0" smtClean="0"/>
           </a:p>
         </p:txBody>
       </p:sp>
@@ -10803,73 +10949,67 @@
 
 <file path=ppt/tags/tag1.xml><?xml version="1.0" encoding="utf-8"?>
 <p:tagLst xmlns:a="http://schemas.openxmlformats.org/drawingml/2006/main" xmlns:r="http://schemas.openxmlformats.org/officeDocument/2006/relationships" xmlns:p="http://schemas.openxmlformats.org/presentationml/2006/main">
-  <p:tag name="TIMING" val="|1.8|10.1|37"/>
+  <p:tag name="TIMING" val="|3.9|8.8|33.5"/>
 </p:tagLst>
 </file>
 
 <file path=ppt/tags/tag10.xml><?xml version="1.0" encoding="utf-8"?>
 <p:tagLst xmlns:a="http://schemas.openxmlformats.org/drawingml/2006/main" xmlns:r="http://schemas.openxmlformats.org/officeDocument/2006/relationships" xmlns:p="http://schemas.openxmlformats.org/presentationml/2006/main">
-  <p:tag name="TIMING" val="|0.7|1.7|7.5"/>
+  <p:tag name="TIMING" val="|4.8|30.9|4.6|2.3|21.8|31.5|6.5"/>
 </p:tagLst>
 </file>
 
 <file path=ppt/tags/tag11.xml><?xml version="1.0" encoding="utf-8"?>
 <p:tagLst xmlns:a="http://schemas.openxmlformats.org/drawingml/2006/main" xmlns:r="http://schemas.openxmlformats.org/officeDocument/2006/relationships" xmlns:p="http://schemas.openxmlformats.org/presentationml/2006/main">
-  <p:tag name="TIMING" val="|0.6|32.2|4.6|3.8|8.7|25.3"/>
-</p:tagLst>
-</file>
-
-<file path=ppt/tags/tag12.xml><?xml version="1.0" encoding="utf-8"?>
-<p:tagLst xmlns:a="http://schemas.openxmlformats.org/drawingml/2006/main" xmlns:r="http://schemas.openxmlformats.org/officeDocument/2006/relationships" xmlns:p="http://schemas.openxmlformats.org/presentationml/2006/main">
-  <p:tag name="TIMING" val="|0.6|1.4|7.8|18.4|6.7|51.7|32|13.6|1.6"/>
+  <p:tag name="TIMING" val="|3.2|8.6|60|45.1"/>
 </p:tagLst>
 </file>
 
 <file path=ppt/tags/tag2.xml><?xml version="1.0" encoding="utf-8"?>
 <p:tagLst xmlns:a="http://schemas.openxmlformats.org/drawingml/2006/main" xmlns:r="http://schemas.openxmlformats.org/officeDocument/2006/relationships" xmlns:p="http://schemas.openxmlformats.org/presentationml/2006/main">
-  <p:tag name="TIMING" val="|92.4|19.7"/>
+  <p:tag name="TIMING" val="|90.4|29.3"/>
 </p:tagLst>
 </file>
 
 <file path=ppt/tags/tag3.xml><?xml version="1.0" encoding="utf-8"?>
 <p:tagLst xmlns:a="http://schemas.openxmlformats.org/drawingml/2006/main" xmlns:r="http://schemas.openxmlformats.org/officeDocument/2006/relationships" xmlns:p="http://schemas.openxmlformats.org/presentationml/2006/main">
-  <p:tag name="TIMING" val="|0.6|32.6"/>
+  <p:tag name="TIMING" val="|3.1|28.5"/>
 </p:tagLst>
 </file>
 
 <file path=ppt/tags/tag4.xml><?xml version="1.0" encoding="utf-8"?>
 <p:tagLst xmlns:a="http://schemas.openxmlformats.org/drawingml/2006/main" xmlns:r="http://schemas.openxmlformats.org/officeDocument/2006/relationships" xmlns:p="http://schemas.openxmlformats.org/presentationml/2006/main">
-  <p:tag name="TIMING" val="|3.4|32.5|38.1"/>
+  <p:tag name="TIMING" val="|0.7|16.9|47.4"/>
 </p:tagLst>
 </file>
 
 <file path=ppt/tags/tag5.xml><?xml version="1.0" encoding="utf-8"?>
 <p:tagLst xmlns:a="http://schemas.openxmlformats.org/drawingml/2006/main" xmlns:r="http://schemas.openxmlformats.org/officeDocument/2006/relationships" xmlns:p="http://schemas.openxmlformats.org/presentationml/2006/main">
-  <p:tag name="TIMING" val="|0.7|2.7|16.5|15.1"/>
+  <p:tag name="TIMING" val="|0.6|1.6|10.4|27.5"/>
 </p:tagLst>
 </file>
 
 <file path=ppt/tags/tag6.xml><?xml version="1.0" encoding="utf-8"?>
 <p:tagLst xmlns:a="http://schemas.openxmlformats.org/drawingml/2006/main" xmlns:r="http://schemas.openxmlformats.org/officeDocument/2006/relationships" xmlns:p="http://schemas.openxmlformats.org/presentationml/2006/main">
-  <p:tag name="TIMING" val="|0.3|5.7|1.6|19.6|13.1|1.4"/>
+  <p:tag name="TIMING" val="|0.4|26.4|30.9"/>
 </p:tagLst>
 </file>
 
 <file path=ppt/tags/tag7.xml><?xml version="1.0" encoding="utf-8"?>
 <p:tagLst xmlns:a="http://schemas.openxmlformats.org/drawingml/2006/main" xmlns:r="http://schemas.openxmlformats.org/officeDocument/2006/relationships" xmlns:p="http://schemas.openxmlformats.org/presentationml/2006/main">
-  <p:tag name="TIMING" val="|24.6|27.8"/>
+  <p:tag name="TIMING" val="|13.5|21.2"/>
 </p:tagLst>
 </file>
 
 <file path=ppt/tags/tag8.xml><?xml version="1.0" encoding="utf-8"?>
 <p:tagLst xmlns:a="http://schemas.openxmlformats.org/drawingml/2006/main" xmlns:r="http://schemas.openxmlformats.org/officeDocument/2006/relationships" xmlns:p="http://schemas.openxmlformats.org/presentationml/2006/main">
-  <p:tag name="TIMING" val="|2.5|4.8"/>
+  <p:tag name="TIMING" val="|6.6|2.3"/>
 </p:tagLst>
 </file>
 
 <file path=ppt/tags/tag9.xml><?xml version="1.0" encoding="utf-8"?>
 <p:tagLst xmlns:a="http://schemas.openxmlformats.org/drawingml/2006/main" xmlns:r="http://schemas.openxmlformats.org/officeDocument/2006/relationships" xmlns:p="http://schemas.openxmlformats.org/presentationml/2006/main">
-  <p:tag name="TIMING" val="|1.1|56|2.9|14.6|39|10.2|1.7|0.8|9.9"/>
+  <p:tag name="TIMING" val="|1.2|52.8|1.2|17.1|42|6.3|1.2|6.8"/>
 </p:tagLst>
 </file>
 
